--- a/hw1_SIFT/컴퓨터비전 PPT.pptx
+++ b/hw1_SIFT/컴퓨터비전 PPT.pptx
@@ -1,22 +1,20 @@
 
 <file path=ppt/presentation.xml><?xml version="1.0" encoding="utf-8"?>
-<p:presentation xmlns:a="http://schemas.openxmlformats.org/drawingml/2006/main" xmlns:r="http://schemas.openxmlformats.org/officeDocument/2006/relationships" xmlns:p="http://schemas.openxmlformats.org/presentationml/2006/main" saveSubsetFonts="1">
+<p:presentation xmlns:a="http://schemas.openxmlformats.org/drawingml/2006/main" xmlns:r="http://schemas.openxmlformats.org/officeDocument/2006/relationships" xmlns:p="http://schemas.openxmlformats.org/presentationml/2006/main" autoCompressPictures="0">
   <p:sldMasterIdLst>
-    <p:sldMasterId id="2147483648" r:id="rId1"/>
+    <p:sldMasterId id="2147483669" r:id="rId1"/>
   </p:sldMasterIdLst>
   <p:sldIdLst>
     <p:sldId id="256" r:id="rId2"/>
     <p:sldId id="257" r:id="rId3"/>
-    <p:sldId id="261" r:id="rId4"/>
-    <p:sldId id="262" r:id="rId5"/>
   </p:sldIdLst>
   <p:sldSz cx="12192000" cy="6858000"/>
   <p:notesSz cx="6858000" cy="9144000"/>
   <p:defaultTextStyle>
     <a:defPPr>
-      <a:defRPr lang="ko-KR"/>
+      <a:defRPr lang="en-US"/>
     </a:defPPr>
-    <a:lvl1pPr marL="0" algn="l" defTabSz="914400" rtl="0" eaLnBrk="1" latinLnBrk="1" hangingPunct="1">
+    <a:lvl1pPr marL="0" algn="l" defTabSz="457200" rtl="0" eaLnBrk="1" latinLnBrk="0" hangingPunct="1">
       <a:defRPr sz="1800" kern="1200">
         <a:solidFill>
           <a:schemeClr val="tx1"/>
@@ -26,7 +24,7 @@
         <a:cs typeface="+mn-cs"/>
       </a:defRPr>
     </a:lvl1pPr>
-    <a:lvl2pPr marL="457200" algn="l" defTabSz="914400" rtl="0" eaLnBrk="1" latinLnBrk="1" hangingPunct="1">
+    <a:lvl2pPr marL="457200" algn="l" defTabSz="457200" rtl="0" eaLnBrk="1" latinLnBrk="0" hangingPunct="1">
       <a:defRPr sz="1800" kern="1200">
         <a:solidFill>
           <a:schemeClr val="tx1"/>
@@ -36,7 +34,7 @@
         <a:cs typeface="+mn-cs"/>
       </a:defRPr>
     </a:lvl2pPr>
-    <a:lvl3pPr marL="914400" algn="l" defTabSz="914400" rtl="0" eaLnBrk="1" latinLnBrk="1" hangingPunct="1">
+    <a:lvl3pPr marL="914400" algn="l" defTabSz="457200" rtl="0" eaLnBrk="1" latinLnBrk="0" hangingPunct="1">
       <a:defRPr sz="1800" kern="1200">
         <a:solidFill>
           <a:schemeClr val="tx1"/>
@@ -46,7 +44,7 @@
         <a:cs typeface="+mn-cs"/>
       </a:defRPr>
     </a:lvl3pPr>
-    <a:lvl4pPr marL="1371600" algn="l" defTabSz="914400" rtl="0" eaLnBrk="1" latinLnBrk="1" hangingPunct="1">
+    <a:lvl4pPr marL="1371600" algn="l" defTabSz="457200" rtl="0" eaLnBrk="1" latinLnBrk="0" hangingPunct="1">
       <a:defRPr sz="1800" kern="1200">
         <a:solidFill>
           <a:schemeClr val="tx1"/>
@@ -56,7 +54,7 @@
         <a:cs typeface="+mn-cs"/>
       </a:defRPr>
     </a:lvl4pPr>
-    <a:lvl5pPr marL="1828800" algn="l" defTabSz="914400" rtl="0" eaLnBrk="1" latinLnBrk="1" hangingPunct="1">
+    <a:lvl5pPr marL="1828800" algn="l" defTabSz="457200" rtl="0" eaLnBrk="1" latinLnBrk="0" hangingPunct="1">
       <a:defRPr sz="1800" kern="1200">
         <a:solidFill>
           <a:schemeClr val="tx1"/>
@@ -66,7 +64,7 @@
         <a:cs typeface="+mn-cs"/>
       </a:defRPr>
     </a:lvl5pPr>
-    <a:lvl6pPr marL="2286000" algn="l" defTabSz="914400" rtl="0" eaLnBrk="1" latinLnBrk="1" hangingPunct="1">
+    <a:lvl6pPr marL="2286000" algn="l" defTabSz="457200" rtl="0" eaLnBrk="1" latinLnBrk="0" hangingPunct="1">
       <a:defRPr sz="1800" kern="1200">
         <a:solidFill>
           <a:schemeClr val="tx1"/>
@@ -76,7 +74,7 @@
         <a:cs typeface="+mn-cs"/>
       </a:defRPr>
     </a:lvl6pPr>
-    <a:lvl7pPr marL="2743200" algn="l" defTabSz="914400" rtl="0" eaLnBrk="1" latinLnBrk="1" hangingPunct="1">
+    <a:lvl7pPr marL="2743200" algn="l" defTabSz="457200" rtl="0" eaLnBrk="1" latinLnBrk="0" hangingPunct="1">
       <a:defRPr sz="1800" kern="1200">
         <a:solidFill>
           <a:schemeClr val="tx1"/>
@@ -86,7 +84,7 @@
         <a:cs typeface="+mn-cs"/>
       </a:defRPr>
     </a:lvl7pPr>
-    <a:lvl8pPr marL="3200400" algn="l" defTabSz="914400" rtl="0" eaLnBrk="1" latinLnBrk="1" hangingPunct="1">
+    <a:lvl8pPr marL="3200400" algn="l" defTabSz="457200" rtl="0" eaLnBrk="1" latinLnBrk="0" hangingPunct="1">
       <a:defRPr sz="1800" kern="1200">
         <a:solidFill>
           <a:schemeClr val="tx1"/>
@@ -96,7 +94,7 @@
         <a:cs typeface="+mn-cs"/>
       </a:defRPr>
     </a:lvl8pPr>
-    <a:lvl9pPr marL="3657600" algn="l" defTabSz="914400" rtl="0" eaLnBrk="1" latinLnBrk="1" hangingPunct="1">
+    <a:lvl9pPr marL="3657600" algn="l" defTabSz="457200" rtl="0" eaLnBrk="1" latinLnBrk="0" hangingPunct="1">
       <a:defRPr sz="1800" kern="1200">
         <a:solidFill>
           <a:schemeClr val="tx1"/>
@@ -127,15 +125,39 @@
           <a:chExt cx="0" cy="0"/>
         </a:xfrm>
       </p:grpSpPr>
-      <p:sp>
-        <p:nvSpPr>
-          <p:cNvPr id="2" name="제목 1">
+      <p:pic>
+        <p:nvPicPr>
+          <p:cNvPr id="8" name="Picture 7" descr="C1-HD-BTM.png"/>
+          <p:cNvPicPr>
+            <a:picLocks noChangeAspect="1"/>
+          </p:cNvPicPr>
+          <p:nvPr/>
+        </p:nvPicPr>
+        <p:blipFill>
+          <a:blip r:embed="rId2">
             <a:extLst>
-              <a:ext uri="{FF2B5EF4-FFF2-40B4-BE49-F238E27FC236}">
-                <a16:creationId xmlns:a16="http://schemas.microsoft.com/office/drawing/2014/main" id="{78BD2454-1860-4B4B-9C94-EEB4C869839E}"/>
+              <a:ext uri="{28A0092B-C50C-407E-A947-70E740481C1C}">
+                <a14:useLocalDpi xmlns:a14="http://schemas.microsoft.com/office/drawing/2010/main" val="0"/>
               </a:ext>
             </a:extLst>
-          </p:cNvPr>
+          </a:blip>
+          <a:stretch>
+            <a:fillRect/>
+          </a:stretch>
+        </p:blipFill>
+        <p:spPr>
+          <a:xfrm>
+            <a:off x="0" y="4375150"/>
+            <a:ext cx="12192000" cy="2482850"/>
+          </a:xfrm>
+          <a:prstGeom prst="rect">
+            <a:avLst/>
+          </a:prstGeom>
+        </p:spPr>
+      </p:pic>
+      <p:sp>
+        <p:nvSpPr>
+          <p:cNvPr id="2" name="Title 1"/>
           <p:cNvSpPr>
             <a:spLocks noGrp="1"/>
           </p:cNvSpPr>
@@ -145,14 +167,16 @@
         </p:nvSpPr>
         <p:spPr>
           <a:xfrm>
-            <a:off x="1524000" y="1122363"/>
-            <a:ext cx="9144000" cy="2387600"/>
-          </a:xfrm>
-        </p:spPr>
-        <p:txBody>
-          <a:bodyPr anchor="b"/>
+            <a:off x="1371600" y="1803405"/>
+            <a:ext cx="9448800" cy="1825096"/>
+          </a:xfrm>
+        </p:spPr>
+        <p:txBody>
+          <a:bodyPr anchor="b">
+            <a:normAutofit/>
+          </a:bodyPr>
           <a:lstStyle>
-            <a:lvl1pPr algn="ctr">
+            <a:lvl1pPr algn="l">
               <a:defRPr sz="6000"/>
             </a:lvl1pPr>
           </a:lstStyle>
@@ -161,18 +185,13 @@
               <a:rPr lang="ko-KR" altLang="en-US"/>
               <a:t>마스터 제목 스타일 편집</a:t>
             </a:r>
-          </a:p>
-        </p:txBody>
-      </p:sp>
-      <p:sp>
-        <p:nvSpPr>
-          <p:cNvPr id="3" name="부제목 2">
-            <a:extLst>
-              <a:ext uri="{FF2B5EF4-FFF2-40B4-BE49-F238E27FC236}">
-                <a16:creationId xmlns:a16="http://schemas.microsoft.com/office/drawing/2014/main" id="{2983E9FF-BC17-439E-ABFB-70F380112111}"/>
-              </a:ext>
-            </a:extLst>
-          </p:cNvPr>
+            <a:endParaRPr lang="en-US" dirty="0"/>
+          </a:p>
+        </p:txBody>
+      </p:sp>
+      <p:sp>
+        <p:nvSpPr>
+          <p:cNvPr id="3" name="Subtitle 2"/>
           <p:cNvSpPr>
             <a:spLocks noGrp="1"/>
           </p:cNvSpPr>
@@ -182,16 +201,18 @@
         </p:nvSpPr>
         <p:spPr>
           <a:xfrm>
-            <a:off x="1524000" y="3602038"/>
-            <a:ext cx="9144000" cy="1655762"/>
-          </a:xfrm>
-        </p:spPr>
-        <p:txBody>
-          <a:bodyPr/>
+            <a:off x="1371600" y="3632201"/>
+            <a:ext cx="9448800" cy="685800"/>
+          </a:xfrm>
+        </p:spPr>
+        <p:txBody>
+          <a:bodyPr>
+            <a:normAutofit/>
+          </a:bodyPr>
           <a:lstStyle>
-            <a:lvl1pPr marL="0" indent="0" algn="ctr">
-              <a:buNone/>
-              <a:defRPr sz="2400"/>
+            <a:lvl1pPr marL="0" indent="0" algn="l">
+              <a:buNone/>
+              <a:defRPr sz="2000"/>
             </a:lvl1pPr>
             <a:lvl2pPr marL="457200" indent="0" algn="ctr">
               <a:buNone/>
@@ -231,18 +252,13 @@
               <a:rPr lang="ko-KR" altLang="en-US"/>
               <a:t>클릭하여 마스터 부제목 스타일 편집</a:t>
             </a:r>
-          </a:p>
-        </p:txBody>
-      </p:sp>
-      <p:sp>
-        <p:nvSpPr>
-          <p:cNvPr id="4" name="날짜 개체 틀 3">
-            <a:extLst>
-              <a:ext uri="{FF2B5EF4-FFF2-40B4-BE49-F238E27FC236}">
-                <a16:creationId xmlns:a16="http://schemas.microsoft.com/office/drawing/2014/main" id="{3821965D-B1E7-4887-9578-75B629F562BF}"/>
-              </a:ext>
-            </a:extLst>
-          </p:cNvPr>
+            <a:endParaRPr lang="en-US" dirty="0"/>
+          </a:p>
+        </p:txBody>
+      </p:sp>
+      <p:sp>
+        <p:nvSpPr>
+          <p:cNvPr id="4" name="Date Placeholder 3"/>
           <p:cNvSpPr>
             <a:spLocks noGrp="1"/>
           </p:cNvSpPr>
@@ -250,28 +266,27 @@
             <p:ph type="dt" sz="half" idx="10"/>
           </p:nvPr>
         </p:nvSpPr>
-        <p:spPr/>
+        <p:spPr>
+          <a:xfrm>
+            <a:off x="7909561" y="4314328"/>
+            <a:ext cx="2910840" cy="374642"/>
+          </a:xfrm>
+        </p:spPr>
         <p:txBody>
           <a:bodyPr/>
           <a:lstStyle/>
           <a:p>
-            <a:fld id="{63613D25-61A7-446A-AC84-753A2DC9F4A8}" type="datetimeFigureOut">
-              <a:rPr lang="ko-KR" altLang="en-US" smtClean="0"/>
-              <a:t>2021-03-21</a:t>
+            <a:fld id="{48A87A34-81AB-432B-8DAE-1953F412C126}" type="datetimeFigureOut">
+              <a:rPr lang="en-US" smtClean="0"/>
+              <a:t>3/24/2021</a:t>
             </a:fld>
-            <a:endParaRPr lang="ko-KR" altLang="en-US"/>
-          </a:p>
-        </p:txBody>
-      </p:sp>
-      <p:sp>
-        <p:nvSpPr>
-          <p:cNvPr id="5" name="바닥글 개체 틀 4">
-            <a:extLst>
-              <a:ext uri="{FF2B5EF4-FFF2-40B4-BE49-F238E27FC236}">
-                <a16:creationId xmlns:a16="http://schemas.microsoft.com/office/drawing/2014/main" id="{540299F0-A5A2-478E-980E-31A1FF98ACB5}"/>
-              </a:ext>
-            </a:extLst>
-          </p:cNvPr>
+            <a:endParaRPr lang="en-US" dirty="0"/>
+          </a:p>
+        </p:txBody>
+      </p:sp>
+      <p:sp>
+        <p:nvSpPr>
+          <p:cNvPr id="5" name="Footer Placeholder 4"/>
           <p:cNvSpPr>
             <a:spLocks noGrp="1"/>
           </p:cNvSpPr>
@@ -279,24 +294,23 @@
             <p:ph type="ftr" sz="quarter" idx="11"/>
           </p:nvPr>
         </p:nvSpPr>
-        <p:spPr/>
+        <p:spPr>
+          <a:xfrm>
+            <a:off x="1371600" y="4323845"/>
+            <a:ext cx="6400800" cy="365125"/>
+          </a:xfrm>
+        </p:spPr>
         <p:txBody>
           <a:bodyPr/>
           <a:lstStyle/>
           <a:p>
-            <a:endParaRPr lang="ko-KR" altLang="en-US"/>
-          </a:p>
-        </p:txBody>
-      </p:sp>
-      <p:sp>
-        <p:nvSpPr>
-          <p:cNvPr id="6" name="슬라이드 번호 개체 틀 5">
-            <a:extLst>
-              <a:ext uri="{FF2B5EF4-FFF2-40B4-BE49-F238E27FC236}">
-                <a16:creationId xmlns:a16="http://schemas.microsoft.com/office/drawing/2014/main" id="{FB4D44F1-5ABB-4521-BD6E-9DC53E6D0B54}"/>
-              </a:ext>
-            </a:extLst>
-          </p:cNvPr>
+            <a:endParaRPr lang="en-US" dirty="0"/>
+          </a:p>
+        </p:txBody>
+      </p:sp>
+      <p:sp>
+        <p:nvSpPr>
+          <p:cNvPr id="6" name="Slide Number Placeholder 5"/>
           <p:cNvSpPr>
             <a:spLocks noGrp="1"/>
           </p:cNvSpPr>
@@ -304,23 +318,28 @@
             <p:ph type="sldNum" sz="quarter" idx="12"/>
           </p:nvPr>
         </p:nvSpPr>
-        <p:spPr/>
+        <p:spPr>
+          <a:xfrm>
+            <a:off x="8077200" y="1430866"/>
+            <a:ext cx="2743200" cy="365125"/>
+          </a:xfrm>
+        </p:spPr>
         <p:txBody>
           <a:bodyPr/>
           <a:lstStyle/>
           <a:p>
-            <a:fld id="{DDA14245-84F7-4B8A-B578-68EC3355A548}" type="slidenum">
-              <a:rPr lang="ko-KR" altLang="en-US" smtClean="0"/>
+            <a:fld id="{6D22F896-40B5-4ADD-8801-0D06FADFA095}" type="slidenum">
+              <a:rPr lang="en-US" smtClean="0"/>
               <a:t>‹#›</a:t>
             </a:fld>
-            <a:endParaRPr lang="ko-KR" altLang="en-US"/>
+            <a:endParaRPr lang="en-US" dirty="0"/>
           </a:p>
         </p:txBody>
       </p:sp>
     </p:spTree>
     <p:extLst>
       <p:ext uri="{BB962C8B-B14F-4D97-AF65-F5344CB8AC3E}">
-        <p14:creationId xmlns:p14="http://schemas.microsoft.com/office/powerpoint/2010/main" val="2585178026"/>
+        <p14:creationId xmlns:p14="http://schemas.microsoft.com/office/powerpoint/2010/main" val="2503764683"/>
       </p:ext>
     </p:extLst>
   </p:cSld>
@@ -331,6 +350,2601 @@
 </file>
 
 <file path=ppt/slideLayouts/slideLayout10.xml><?xml version="1.0" encoding="utf-8"?>
+<p:sldLayout xmlns:a="http://schemas.openxmlformats.org/drawingml/2006/main" xmlns:r="http://schemas.openxmlformats.org/officeDocument/2006/relationships" xmlns:p="http://schemas.openxmlformats.org/presentationml/2006/main" preserve="1">
+  <p:cSld name="캡션 있는 파노라마 그림">
+    <p:spTree>
+      <p:nvGrpSpPr>
+        <p:cNvPr id="1" name=""/>
+        <p:cNvGrpSpPr/>
+        <p:nvPr/>
+      </p:nvGrpSpPr>
+      <p:grpSpPr>
+        <a:xfrm>
+          <a:off x="0" y="0"/>
+          <a:ext cx="0" cy="0"/>
+          <a:chOff x="0" y="0"/>
+          <a:chExt cx="0" cy="0"/>
+        </a:xfrm>
+      </p:grpSpPr>
+      <p:sp>
+        <p:nvSpPr>
+          <p:cNvPr id="2" name="Title 1"/>
+          <p:cNvSpPr>
+            <a:spLocks noGrp="1"/>
+          </p:cNvSpPr>
+          <p:nvPr>
+            <p:ph type="title"/>
+          </p:nvPr>
+        </p:nvSpPr>
+        <p:spPr>
+          <a:xfrm>
+            <a:off x="685777" y="4697360"/>
+            <a:ext cx="10822034" cy="819355"/>
+          </a:xfrm>
+        </p:spPr>
+        <p:txBody>
+          <a:bodyPr anchor="b"/>
+          <a:lstStyle>
+            <a:lvl1pPr algn="l">
+              <a:defRPr sz="3200"/>
+            </a:lvl1pPr>
+          </a:lstStyle>
+          <a:p>
+            <a:r>
+              <a:rPr lang="ko-KR" altLang="en-US"/>
+              <a:t>마스터 제목 스타일 편집</a:t>
+            </a:r>
+            <a:endParaRPr lang="en-US" dirty="0"/>
+          </a:p>
+        </p:txBody>
+      </p:sp>
+      <p:sp>
+        <p:nvSpPr>
+          <p:cNvPr id="3" name="Picture Placeholder 2"/>
+          <p:cNvSpPr>
+            <a:spLocks noGrp="1" noChangeAspect="1"/>
+          </p:cNvSpPr>
+          <p:nvPr>
+            <p:ph type="pic" idx="1"/>
+          </p:nvPr>
+        </p:nvSpPr>
+        <p:spPr>
+          <a:xfrm>
+            <a:off x="681727" y="941439"/>
+            <a:ext cx="10821840" cy="3478161"/>
+          </a:xfrm>
+        </p:spPr>
+        <p:txBody>
+          <a:bodyPr anchor="t"/>
+          <a:lstStyle>
+            <a:lvl1pPr marL="0" indent="0">
+              <a:buNone/>
+              <a:defRPr sz="3200"/>
+            </a:lvl1pPr>
+            <a:lvl2pPr marL="457200" indent="0">
+              <a:buNone/>
+              <a:defRPr sz="2800"/>
+            </a:lvl2pPr>
+            <a:lvl3pPr marL="914400" indent="0">
+              <a:buNone/>
+              <a:defRPr sz="2400"/>
+            </a:lvl3pPr>
+            <a:lvl4pPr marL="1371600" indent="0">
+              <a:buNone/>
+              <a:defRPr sz="2000"/>
+            </a:lvl4pPr>
+            <a:lvl5pPr marL="1828800" indent="0">
+              <a:buNone/>
+              <a:defRPr sz="2000"/>
+            </a:lvl5pPr>
+            <a:lvl6pPr marL="2286000" indent="0">
+              <a:buNone/>
+              <a:defRPr sz="2000"/>
+            </a:lvl6pPr>
+            <a:lvl7pPr marL="2743200" indent="0">
+              <a:buNone/>
+              <a:defRPr sz="2000"/>
+            </a:lvl7pPr>
+            <a:lvl8pPr marL="3200400" indent="0">
+              <a:buNone/>
+              <a:defRPr sz="2000"/>
+            </a:lvl8pPr>
+            <a:lvl9pPr marL="3657600" indent="0">
+              <a:buNone/>
+              <a:defRPr sz="2000"/>
+            </a:lvl9pPr>
+          </a:lstStyle>
+          <a:p>
+            <a:r>
+              <a:rPr lang="ko-KR" altLang="en-US"/>
+              <a:t>그림을 추가하려면 아이콘을 클릭하십시오</a:t>
+            </a:r>
+            <a:endParaRPr lang="en-US" dirty="0"/>
+          </a:p>
+        </p:txBody>
+      </p:sp>
+      <p:sp>
+        <p:nvSpPr>
+          <p:cNvPr id="4" name="Text Placeholder 3"/>
+          <p:cNvSpPr>
+            <a:spLocks noGrp="1"/>
+          </p:cNvSpPr>
+          <p:nvPr>
+            <p:ph type="body" sz="half" idx="2"/>
+          </p:nvPr>
+        </p:nvSpPr>
+        <p:spPr>
+          <a:xfrm>
+            <a:off x="685800" y="5516715"/>
+            <a:ext cx="10820400" cy="701969"/>
+          </a:xfrm>
+        </p:spPr>
+        <p:txBody>
+          <a:bodyPr/>
+          <a:lstStyle>
+            <a:lvl1pPr marL="0" indent="0" algn="l">
+              <a:buNone/>
+              <a:defRPr sz="1600"/>
+            </a:lvl1pPr>
+            <a:lvl2pPr marL="457200" indent="0">
+              <a:buNone/>
+              <a:defRPr sz="1400"/>
+            </a:lvl2pPr>
+            <a:lvl3pPr marL="914400" indent="0">
+              <a:buNone/>
+              <a:defRPr sz="1200"/>
+            </a:lvl3pPr>
+            <a:lvl4pPr marL="1371600" indent="0">
+              <a:buNone/>
+              <a:defRPr sz="1000"/>
+            </a:lvl4pPr>
+            <a:lvl5pPr marL="1828800" indent="0">
+              <a:buNone/>
+              <a:defRPr sz="1000"/>
+            </a:lvl5pPr>
+            <a:lvl6pPr marL="2286000" indent="0">
+              <a:buNone/>
+              <a:defRPr sz="1000"/>
+            </a:lvl6pPr>
+            <a:lvl7pPr marL="2743200" indent="0">
+              <a:buNone/>
+              <a:defRPr sz="1000"/>
+            </a:lvl7pPr>
+            <a:lvl8pPr marL="3200400" indent="0">
+              <a:buNone/>
+              <a:defRPr sz="1000"/>
+            </a:lvl8pPr>
+            <a:lvl9pPr marL="3657600" indent="0">
+              <a:buNone/>
+              <a:defRPr sz="1000"/>
+            </a:lvl9pPr>
+          </a:lstStyle>
+          <a:p>
+            <a:pPr lvl="0"/>
+            <a:r>
+              <a:rPr lang="ko-KR" altLang="en-US"/>
+              <a:t>마스터 텍스트 스타일을 편집하려면 클릭</a:t>
+            </a:r>
+          </a:p>
+        </p:txBody>
+      </p:sp>
+      <p:sp>
+        <p:nvSpPr>
+          <p:cNvPr id="5" name="Date Placeholder 4"/>
+          <p:cNvSpPr>
+            <a:spLocks noGrp="1"/>
+          </p:cNvSpPr>
+          <p:nvPr>
+            <p:ph type="dt" sz="half" idx="10"/>
+          </p:nvPr>
+        </p:nvSpPr>
+        <p:spPr/>
+        <p:txBody>
+          <a:bodyPr/>
+          <a:lstStyle/>
+          <a:p>
+            <a:fld id="{48A87A34-81AB-432B-8DAE-1953F412C126}" type="datetimeFigureOut">
+              <a:rPr lang="en-US" smtClean="0"/>
+              <a:t>3/24/2021</a:t>
+            </a:fld>
+            <a:endParaRPr lang="en-US" dirty="0"/>
+          </a:p>
+        </p:txBody>
+      </p:sp>
+      <p:sp>
+        <p:nvSpPr>
+          <p:cNvPr id="6" name="Footer Placeholder 5"/>
+          <p:cNvSpPr>
+            <a:spLocks noGrp="1"/>
+          </p:cNvSpPr>
+          <p:nvPr>
+            <p:ph type="ftr" sz="quarter" idx="11"/>
+          </p:nvPr>
+        </p:nvSpPr>
+        <p:spPr/>
+        <p:txBody>
+          <a:bodyPr/>
+          <a:lstStyle/>
+          <a:p>
+            <a:endParaRPr lang="en-US" dirty="0"/>
+          </a:p>
+        </p:txBody>
+      </p:sp>
+      <p:sp>
+        <p:nvSpPr>
+          <p:cNvPr id="7" name="Slide Number Placeholder 6"/>
+          <p:cNvSpPr>
+            <a:spLocks noGrp="1"/>
+          </p:cNvSpPr>
+          <p:nvPr>
+            <p:ph type="sldNum" sz="quarter" idx="12"/>
+          </p:nvPr>
+        </p:nvSpPr>
+        <p:spPr/>
+        <p:txBody>
+          <a:bodyPr/>
+          <a:lstStyle/>
+          <a:p>
+            <a:fld id="{6D22F896-40B5-4ADD-8801-0D06FADFA095}" type="slidenum">
+              <a:rPr lang="en-US" smtClean="0"/>
+              <a:t>‹#›</a:t>
+            </a:fld>
+            <a:endParaRPr lang="en-US" dirty="0"/>
+          </a:p>
+        </p:txBody>
+      </p:sp>
+    </p:spTree>
+    <p:extLst>
+      <p:ext uri="{BB962C8B-B14F-4D97-AF65-F5344CB8AC3E}">
+        <p14:creationId xmlns:p14="http://schemas.microsoft.com/office/powerpoint/2010/main" val="4125752937"/>
+      </p:ext>
+    </p:extLst>
+  </p:cSld>
+  <p:clrMapOvr>
+    <a:masterClrMapping/>
+  </p:clrMapOvr>
+</p:sldLayout>
+</file>
+
+<file path=ppt/slideLayouts/slideLayout11.xml><?xml version="1.0" encoding="utf-8"?>
+<p:sldLayout xmlns:a="http://schemas.openxmlformats.org/drawingml/2006/main" xmlns:r="http://schemas.openxmlformats.org/officeDocument/2006/relationships" xmlns:p="http://schemas.openxmlformats.org/presentationml/2006/main" showMasterSp="0" preserve="1">
+  <p:cSld name="제목 및 캡션">
+    <p:spTree>
+      <p:nvGrpSpPr>
+        <p:cNvPr id="1" name=""/>
+        <p:cNvGrpSpPr/>
+        <p:nvPr/>
+      </p:nvGrpSpPr>
+      <p:grpSpPr>
+        <a:xfrm>
+          <a:off x="0" y="0"/>
+          <a:ext cx="0" cy="0"/>
+          <a:chOff x="0" y="0"/>
+          <a:chExt cx="0" cy="0"/>
+        </a:xfrm>
+      </p:grpSpPr>
+      <p:pic>
+        <p:nvPicPr>
+          <p:cNvPr id="9" name="Picture 8" descr="C1-HD-BTM.png"/>
+          <p:cNvPicPr>
+            <a:picLocks noChangeAspect="1"/>
+          </p:cNvPicPr>
+          <p:nvPr/>
+        </p:nvPicPr>
+        <p:blipFill>
+          <a:blip r:embed="rId2">
+            <a:extLst>
+              <a:ext uri="{28A0092B-C50C-407E-A947-70E740481C1C}">
+                <a14:useLocalDpi xmlns:a14="http://schemas.microsoft.com/office/drawing/2010/main" val="0"/>
+              </a:ext>
+            </a:extLst>
+          </a:blip>
+          <a:stretch>
+            <a:fillRect/>
+          </a:stretch>
+        </p:blipFill>
+        <p:spPr>
+          <a:xfrm>
+            <a:off x="0" y="4375150"/>
+            <a:ext cx="12192000" cy="2482850"/>
+          </a:xfrm>
+          <a:prstGeom prst="rect">
+            <a:avLst/>
+          </a:prstGeom>
+        </p:spPr>
+      </p:pic>
+      <p:sp>
+        <p:nvSpPr>
+          <p:cNvPr id="2" name="Title 1"/>
+          <p:cNvSpPr>
+            <a:spLocks noGrp="1"/>
+          </p:cNvSpPr>
+          <p:nvPr>
+            <p:ph type="title"/>
+          </p:nvPr>
+        </p:nvSpPr>
+        <p:spPr>
+          <a:xfrm>
+            <a:off x="685800" y="753532"/>
+            <a:ext cx="10820400" cy="2802467"/>
+          </a:xfrm>
+        </p:spPr>
+        <p:txBody>
+          <a:bodyPr anchor="ctr"/>
+          <a:lstStyle>
+            <a:lvl1pPr algn="l">
+              <a:defRPr sz="3200"/>
+            </a:lvl1pPr>
+          </a:lstStyle>
+          <a:p>
+            <a:r>
+              <a:rPr lang="ko-KR" altLang="en-US"/>
+              <a:t>마스터 제목 스타일 편집</a:t>
+            </a:r>
+            <a:endParaRPr lang="en-US" dirty="0"/>
+          </a:p>
+        </p:txBody>
+      </p:sp>
+      <p:sp>
+        <p:nvSpPr>
+          <p:cNvPr id="4" name="Text Placeholder 3"/>
+          <p:cNvSpPr>
+            <a:spLocks noGrp="1"/>
+          </p:cNvSpPr>
+          <p:nvPr>
+            <p:ph type="body" sz="half" idx="2"/>
+          </p:nvPr>
+        </p:nvSpPr>
+        <p:spPr>
+          <a:xfrm>
+            <a:off x="1024467" y="3649133"/>
+            <a:ext cx="10130516" cy="999067"/>
+          </a:xfrm>
+        </p:spPr>
+        <p:txBody>
+          <a:bodyPr anchor="ctr"/>
+          <a:lstStyle>
+            <a:lvl1pPr marL="0" indent="0">
+              <a:buNone/>
+              <a:defRPr sz="1600"/>
+            </a:lvl1pPr>
+            <a:lvl2pPr marL="457200" indent="0">
+              <a:buNone/>
+              <a:defRPr sz="1400"/>
+            </a:lvl2pPr>
+            <a:lvl3pPr marL="914400" indent="0">
+              <a:buNone/>
+              <a:defRPr sz="1200"/>
+            </a:lvl3pPr>
+            <a:lvl4pPr marL="1371600" indent="0">
+              <a:buNone/>
+              <a:defRPr sz="1000"/>
+            </a:lvl4pPr>
+            <a:lvl5pPr marL="1828800" indent="0">
+              <a:buNone/>
+              <a:defRPr sz="1000"/>
+            </a:lvl5pPr>
+            <a:lvl6pPr marL="2286000" indent="0">
+              <a:buNone/>
+              <a:defRPr sz="1000"/>
+            </a:lvl6pPr>
+            <a:lvl7pPr marL="2743200" indent="0">
+              <a:buNone/>
+              <a:defRPr sz="1000"/>
+            </a:lvl7pPr>
+            <a:lvl8pPr marL="3200400" indent="0">
+              <a:buNone/>
+              <a:defRPr sz="1000"/>
+            </a:lvl8pPr>
+            <a:lvl9pPr marL="3657600" indent="0">
+              <a:buNone/>
+              <a:defRPr sz="1000"/>
+            </a:lvl9pPr>
+          </a:lstStyle>
+          <a:p>
+            <a:pPr lvl="0"/>
+            <a:r>
+              <a:rPr lang="ko-KR" altLang="en-US"/>
+              <a:t>마스터 텍스트 스타일을 편집하려면 클릭</a:t>
+            </a:r>
+          </a:p>
+        </p:txBody>
+      </p:sp>
+      <p:sp>
+        <p:nvSpPr>
+          <p:cNvPr id="5" name="Date Placeholder 4"/>
+          <p:cNvSpPr>
+            <a:spLocks noGrp="1"/>
+          </p:cNvSpPr>
+          <p:nvPr>
+            <p:ph type="dt" sz="half" idx="10"/>
+          </p:nvPr>
+        </p:nvSpPr>
+        <p:spPr>
+          <a:xfrm>
+            <a:off x="7814452" y="381000"/>
+            <a:ext cx="2910840" cy="365125"/>
+          </a:xfrm>
+        </p:spPr>
+        <p:txBody>
+          <a:bodyPr/>
+          <a:lstStyle>
+            <a:lvl1pPr algn="r">
+              <a:defRPr/>
+            </a:lvl1pPr>
+          </a:lstStyle>
+          <a:p>
+            <a:fld id="{48A87A34-81AB-432B-8DAE-1953F412C126}" type="datetimeFigureOut">
+              <a:rPr lang="en-US" smtClean="0"/>
+              <a:pPr/>
+              <a:t>3/24/2021</a:t>
+            </a:fld>
+            <a:endParaRPr lang="en-US" dirty="0"/>
+          </a:p>
+        </p:txBody>
+      </p:sp>
+      <p:sp>
+        <p:nvSpPr>
+          <p:cNvPr id="6" name="Footer Placeholder 5"/>
+          <p:cNvSpPr>
+            <a:spLocks noGrp="1"/>
+          </p:cNvSpPr>
+          <p:nvPr>
+            <p:ph type="ftr" sz="quarter" idx="11"/>
+          </p:nvPr>
+        </p:nvSpPr>
+        <p:spPr>
+          <a:xfrm>
+            <a:off x="685800" y="379941"/>
+            <a:ext cx="6991492" cy="365125"/>
+          </a:xfrm>
+        </p:spPr>
+        <p:txBody>
+          <a:bodyPr/>
+          <a:lstStyle/>
+          <a:p>
+            <a:endParaRPr lang="en-US" dirty="0"/>
+          </a:p>
+        </p:txBody>
+      </p:sp>
+      <p:sp>
+        <p:nvSpPr>
+          <p:cNvPr id="7" name="Slide Number Placeholder 6"/>
+          <p:cNvSpPr>
+            <a:spLocks noGrp="1"/>
+          </p:cNvSpPr>
+          <p:nvPr>
+            <p:ph type="sldNum" sz="quarter" idx="12"/>
+          </p:nvPr>
+        </p:nvSpPr>
+        <p:spPr>
+          <a:xfrm>
+            <a:off x="10862452" y="381000"/>
+            <a:ext cx="643748" cy="365125"/>
+          </a:xfrm>
+        </p:spPr>
+        <p:txBody>
+          <a:bodyPr/>
+          <a:lstStyle/>
+          <a:p>
+            <a:fld id="{6D22F896-40B5-4ADD-8801-0D06FADFA095}" type="slidenum">
+              <a:rPr lang="en-US" smtClean="0"/>
+              <a:t>‹#›</a:t>
+            </a:fld>
+            <a:endParaRPr lang="en-US" dirty="0"/>
+          </a:p>
+        </p:txBody>
+      </p:sp>
+    </p:spTree>
+    <p:extLst>
+      <p:ext uri="{BB962C8B-B14F-4D97-AF65-F5344CB8AC3E}">
+        <p14:creationId xmlns:p14="http://schemas.microsoft.com/office/powerpoint/2010/main" val="1265143336"/>
+      </p:ext>
+    </p:extLst>
+  </p:cSld>
+  <p:clrMapOvr>
+    <a:masterClrMapping/>
+  </p:clrMapOvr>
+</p:sldLayout>
+</file>
+
+<file path=ppt/slideLayouts/slideLayout12.xml><?xml version="1.0" encoding="utf-8"?>
+<p:sldLayout xmlns:a="http://schemas.openxmlformats.org/drawingml/2006/main" xmlns:r="http://schemas.openxmlformats.org/officeDocument/2006/relationships" xmlns:p="http://schemas.openxmlformats.org/presentationml/2006/main" showMasterSp="0" preserve="1">
+  <p:cSld name="캡션 있는 인용문">
+    <p:spTree>
+      <p:nvGrpSpPr>
+        <p:cNvPr id="1" name=""/>
+        <p:cNvGrpSpPr/>
+        <p:nvPr/>
+      </p:nvGrpSpPr>
+      <p:grpSpPr>
+        <a:xfrm>
+          <a:off x="0" y="0"/>
+          <a:ext cx="0" cy="0"/>
+          <a:chOff x="0" y="0"/>
+          <a:chExt cx="0" cy="0"/>
+        </a:xfrm>
+      </p:grpSpPr>
+      <p:pic>
+        <p:nvPicPr>
+          <p:cNvPr id="11" name="Picture 10" descr="C1-HD-BTM.png"/>
+          <p:cNvPicPr>
+            <a:picLocks noChangeAspect="1"/>
+          </p:cNvPicPr>
+          <p:nvPr/>
+        </p:nvPicPr>
+        <p:blipFill>
+          <a:blip r:embed="rId2">
+            <a:extLst>
+              <a:ext uri="{28A0092B-C50C-407E-A947-70E740481C1C}">
+                <a14:useLocalDpi xmlns:a14="http://schemas.microsoft.com/office/drawing/2010/main" val="0"/>
+              </a:ext>
+            </a:extLst>
+          </a:blip>
+          <a:stretch>
+            <a:fillRect/>
+          </a:stretch>
+        </p:blipFill>
+        <p:spPr>
+          <a:xfrm>
+            <a:off x="0" y="4375150"/>
+            <a:ext cx="12192000" cy="2482850"/>
+          </a:xfrm>
+          <a:prstGeom prst="rect">
+            <a:avLst/>
+          </a:prstGeom>
+        </p:spPr>
+      </p:pic>
+      <p:sp>
+        <p:nvSpPr>
+          <p:cNvPr id="2" name="Title 1"/>
+          <p:cNvSpPr>
+            <a:spLocks noGrp="1"/>
+          </p:cNvSpPr>
+          <p:nvPr>
+            <p:ph type="title"/>
+          </p:nvPr>
+        </p:nvSpPr>
+        <p:spPr>
+          <a:xfrm>
+            <a:off x="1024467" y="753533"/>
+            <a:ext cx="10151533" cy="2604495"/>
+          </a:xfrm>
+        </p:spPr>
+        <p:txBody>
+          <a:bodyPr anchor="ctr"/>
+          <a:lstStyle>
+            <a:lvl1pPr algn="l">
+              <a:defRPr sz="3200"/>
+            </a:lvl1pPr>
+          </a:lstStyle>
+          <a:p>
+            <a:r>
+              <a:rPr lang="ko-KR" altLang="en-US"/>
+              <a:t>마스터 제목 스타일 편집</a:t>
+            </a:r>
+            <a:endParaRPr lang="en-US" dirty="0"/>
+          </a:p>
+        </p:txBody>
+      </p:sp>
+      <p:sp>
+        <p:nvSpPr>
+          <p:cNvPr id="12" name="Text Placeholder 3"/>
+          <p:cNvSpPr>
+            <a:spLocks noGrp="1"/>
+          </p:cNvSpPr>
+          <p:nvPr>
+            <p:ph type="body" sz="half" idx="13"/>
+          </p:nvPr>
+        </p:nvSpPr>
+        <p:spPr>
+          <a:xfrm>
+            <a:off x="1303865" y="3365556"/>
+            <a:ext cx="9592736" cy="444443"/>
+          </a:xfrm>
+        </p:spPr>
+        <p:txBody>
+          <a:bodyPr anchor="t">
+            <a:normAutofit/>
+          </a:bodyPr>
+          <a:lstStyle>
+            <a:lvl1pPr marL="0" indent="0">
+              <a:buNone/>
+              <a:defRPr sz="1400"/>
+            </a:lvl1pPr>
+            <a:lvl2pPr marL="457200" indent="0">
+              <a:buNone/>
+              <a:defRPr sz="1400"/>
+            </a:lvl2pPr>
+            <a:lvl3pPr marL="914400" indent="0">
+              <a:buNone/>
+              <a:defRPr sz="1200"/>
+            </a:lvl3pPr>
+            <a:lvl4pPr marL="1371600" indent="0">
+              <a:buNone/>
+              <a:defRPr sz="1000"/>
+            </a:lvl4pPr>
+            <a:lvl5pPr marL="1828800" indent="0">
+              <a:buNone/>
+              <a:defRPr sz="1000"/>
+            </a:lvl5pPr>
+            <a:lvl6pPr marL="2286000" indent="0">
+              <a:buNone/>
+              <a:defRPr sz="1000"/>
+            </a:lvl6pPr>
+            <a:lvl7pPr marL="2743200" indent="0">
+              <a:buNone/>
+              <a:defRPr sz="1000"/>
+            </a:lvl7pPr>
+            <a:lvl8pPr marL="3200400" indent="0">
+              <a:buNone/>
+              <a:defRPr sz="1000"/>
+            </a:lvl8pPr>
+            <a:lvl9pPr marL="3657600" indent="0">
+              <a:buNone/>
+              <a:defRPr sz="1000"/>
+            </a:lvl9pPr>
+          </a:lstStyle>
+          <a:p>
+            <a:pPr lvl="0"/>
+            <a:r>
+              <a:rPr lang="ko-KR" altLang="en-US"/>
+              <a:t>마스터 텍스트 스타일을 편집하려면 클릭</a:t>
+            </a:r>
+          </a:p>
+        </p:txBody>
+      </p:sp>
+      <p:sp>
+        <p:nvSpPr>
+          <p:cNvPr id="4" name="Text Placeholder 3"/>
+          <p:cNvSpPr>
+            <a:spLocks noGrp="1"/>
+          </p:cNvSpPr>
+          <p:nvPr>
+            <p:ph type="body" sz="half" idx="2"/>
+          </p:nvPr>
+        </p:nvSpPr>
+        <p:spPr>
+          <a:xfrm>
+            <a:off x="1024467" y="3959862"/>
+            <a:ext cx="10151533" cy="679871"/>
+          </a:xfrm>
+        </p:spPr>
+        <p:txBody>
+          <a:bodyPr anchor="ctr">
+            <a:normAutofit/>
+          </a:bodyPr>
+          <a:lstStyle>
+            <a:lvl1pPr marL="0" indent="0">
+              <a:buNone/>
+              <a:defRPr sz="1600"/>
+            </a:lvl1pPr>
+            <a:lvl2pPr marL="457200" indent="0">
+              <a:buNone/>
+              <a:defRPr sz="1400"/>
+            </a:lvl2pPr>
+            <a:lvl3pPr marL="914400" indent="0">
+              <a:buNone/>
+              <a:defRPr sz="1200"/>
+            </a:lvl3pPr>
+            <a:lvl4pPr marL="1371600" indent="0">
+              <a:buNone/>
+              <a:defRPr sz="1000"/>
+            </a:lvl4pPr>
+            <a:lvl5pPr marL="1828800" indent="0">
+              <a:buNone/>
+              <a:defRPr sz="1000"/>
+            </a:lvl5pPr>
+            <a:lvl6pPr marL="2286000" indent="0">
+              <a:buNone/>
+              <a:defRPr sz="1000"/>
+            </a:lvl6pPr>
+            <a:lvl7pPr marL="2743200" indent="0">
+              <a:buNone/>
+              <a:defRPr sz="1000"/>
+            </a:lvl7pPr>
+            <a:lvl8pPr marL="3200400" indent="0">
+              <a:buNone/>
+              <a:defRPr sz="1000"/>
+            </a:lvl8pPr>
+            <a:lvl9pPr marL="3657600" indent="0">
+              <a:buNone/>
+              <a:defRPr sz="1000"/>
+            </a:lvl9pPr>
+          </a:lstStyle>
+          <a:p>
+            <a:pPr lvl="0"/>
+            <a:r>
+              <a:rPr lang="ko-KR" altLang="en-US"/>
+              <a:t>마스터 텍스트 스타일을 편집하려면 클릭</a:t>
+            </a:r>
+          </a:p>
+        </p:txBody>
+      </p:sp>
+      <p:sp>
+        <p:nvSpPr>
+          <p:cNvPr id="5" name="Date Placeholder 4"/>
+          <p:cNvSpPr>
+            <a:spLocks noGrp="1"/>
+          </p:cNvSpPr>
+          <p:nvPr>
+            <p:ph type="dt" sz="half" idx="10"/>
+          </p:nvPr>
+        </p:nvSpPr>
+        <p:spPr>
+          <a:xfrm>
+            <a:off x="7814452" y="381000"/>
+            <a:ext cx="2910840" cy="365125"/>
+          </a:xfrm>
+        </p:spPr>
+        <p:txBody>
+          <a:bodyPr/>
+          <a:lstStyle>
+            <a:lvl1pPr algn="r">
+              <a:defRPr/>
+            </a:lvl1pPr>
+          </a:lstStyle>
+          <a:p>
+            <a:fld id="{48A87A34-81AB-432B-8DAE-1953F412C126}" type="datetimeFigureOut">
+              <a:rPr lang="en-US" smtClean="0"/>
+              <a:pPr/>
+              <a:t>3/24/2021</a:t>
+            </a:fld>
+            <a:endParaRPr lang="en-US" dirty="0"/>
+          </a:p>
+        </p:txBody>
+      </p:sp>
+      <p:sp>
+        <p:nvSpPr>
+          <p:cNvPr id="6" name="Footer Placeholder 5"/>
+          <p:cNvSpPr>
+            <a:spLocks noGrp="1"/>
+          </p:cNvSpPr>
+          <p:nvPr>
+            <p:ph type="ftr" sz="quarter" idx="11"/>
+          </p:nvPr>
+        </p:nvSpPr>
+        <p:spPr>
+          <a:xfrm>
+            <a:off x="685800" y="379941"/>
+            <a:ext cx="6991492" cy="365125"/>
+          </a:xfrm>
+        </p:spPr>
+        <p:txBody>
+          <a:bodyPr/>
+          <a:lstStyle/>
+          <a:p>
+            <a:endParaRPr lang="en-US" dirty="0"/>
+          </a:p>
+        </p:txBody>
+      </p:sp>
+      <p:sp>
+        <p:nvSpPr>
+          <p:cNvPr id="7" name="Slide Number Placeholder 6"/>
+          <p:cNvSpPr>
+            <a:spLocks noGrp="1"/>
+          </p:cNvSpPr>
+          <p:nvPr>
+            <p:ph type="sldNum" sz="quarter" idx="12"/>
+          </p:nvPr>
+        </p:nvSpPr>
+        <p:spPr>
+          <a:xfrm>
+            <a:off x="10862452" y="381000"/>
+            <a:ext cx="643748" cy="365125"/>
+          </a:xfrm>
+        </p:spPr>
+        <p:txBody>
+          <a:bodyPr/>
+          <a:lstStyle/>
+          <a:p>
+            <a:fld id="{6D22F896-40B5-4ADD-8801-0D06FADFA095}" type="slidenum">
+              <a:rPr lang="en-US" smtClean="0"/>
+              <a:t>‹#›</a:t>
+            </a:fld>
+            <a:endParaRPr lang="en-US" dirty="0"/>
+          </a:p>
+        </p:txBody>
+      </p:sp>
+      <p:sp>
+        <p:nvSpPr>
+          <p:cNvPr id="9" name="TextBox 8"/>
+          <p:cNvSpPr txBox="1"/>
+          <p:nvPr/>
+        </p:nvSpPr>
+        <p:spPr>
+          <a:xfrm>
+            <a:off x="476250" y="933450"/>
+            <a:ext cx="609600" cy="584776"/>
+          </a:xfrm>
+          <a:prstGeom prst="rect">
+            <a:avLst/>
+          </a:prstGeom>
+        </p:spPr>
+        <p:txBody>
+          <a:bodyPr vert="horz" lIns="91440" tIns="45720" rIns="91440" bIns="45720" rtlCol="0" anchor="ctr">
+            <a:noAutofit/>
+          </a:bodyPr>
+          <a:lstStyle>
+            <a:lvl1pPr>
+              <a:spcBef>
+                <a:spcPct val="0"/>
+              </a:spcBef>
+              <a:buNone/>
+              <a:defRPr sz="3200" b="0" cap="all">
+                <a:ln w="3175" cmpd="sng">
+                  <a:noFill/>
+                </a:ln>
+                <a:effectLst>
+                  <a:glow rad="38100">
+                    <a:schemeClr val="bg1">
+                      <a:lumMod val="65000"/>
+                      <a:lumOff val="35000"/>
+                      <a:alpha val="40000"/>
+                    </a:schemeClr>
+                  </a:glow>
+                  <a:outerShdw blurRad="28575" dist="38100" dir="14040000" algn="tl" rotWithShape="0">
+                    <a:srgbClr val="000000">
+                      <a:alpha val="25000"/>
+                    </a:srgbClr>
+                  </a:outerShdw>
+                </a:effectLst>
+              </a:defRPr>
+            </a:lvl1pPr>
+            <a:lvl2pPr>
+              <a:defRPr>
+                <a:solidFill>
+                  <a:schemeClr val="tx2"/>
+                </a:solidFill>
+              </a:defRPr>
+            </a:lvl2pPr>
+            <a:lvl3pPr>
+              <a:defRPr>
+                <a:solidFill>
+                  <a:schemeClr val="tx2"/>
+                </a:solidFill>
+              </a:defRPr>
+            </a:lvl3pPr>
+            <a:lvl4pPr>
+              <a:defRPr>
+                <a:solidFill>
+                  <a:schemeClr val="tx2"/>
+                </a:solidFill>
+              </a:defRPr>
+            </a:lvl4pPr>
+            <a:lvl5pPr>
+              <a:defRPr>
+                <a:solidFill>
+                  <a:schemeClr val="tx2"/>
+                </a:solidFill>
+              </a:defRPr>
+            </a:lvl5pPr>
+            <a:lvl6pPr>
+              <a:defRPr>
+                <a:solidFill>
+                  <a:schemeClr val="tx2"/>
+                </a:solidFill>
+              </a:defRPr>
+            </a:lvl6pPr>
+            <a:lvl7pPr>
+              <a:defRPr>
+                <a:solidFill>
+                  <a:schemeClr val="tx2"/>
+                </a:solidFill>
+              </a:defRPr>
+            </a:lvl7pPr>
+            <a:lvl8pPr>
+              <a:defRPr>
+                <a:solidFill>
+                  <a:schemeClr val="tx2"/>
+                </a:solidFill>
+              </a:defRPr>
+            </a:lvl8pPr>
+            <a:lvl9pPr>
+              <a:defRPr>
+                <a:solidFill>
+                  <a:schemeClr val="tx2"/>
+                </a:solidFill>
+              </a:defRPr>
+            </a:lvl9pPr>
+          </a:lstStyle>
+          <a:p>
+            <a:pPr lvl="0"/>
+            <a:r>
+              <a:rPr lang="en-US" sz="8000" dirty="0">
+                <a:solidFill>
+                  <a:schemeClr val="tx1"/>
+                </a:solidFill>
+                <a:effectLst/>
+              </a:rPr>
+              <a:t>“</a:t>
+            </a:r>
+          </a:p>
+        </p:txBody>
+      </p:sp>
+      <p:sp>
+        <p:nvSpPr>
+          <p:cNvPr id="10" name="TextBox 9"/>
+          <p:cNvSpPr txBox="1"/>
+          <p:nvPr/>
+        </p:nvSpPr>
+        <p:spPr>
+          <a:xfrm>
+            <a:off x="10984230" y="2701290"/>
+            <a:ext cx="609600" cy="584776"/>
+          </a:xfrm>
+          <a:prstGeom prst="rect">
+            <a:avLst/>
+          </a:prstGeom>
+        </p:spPr>
+        <p:txBody>
+          <a:bodyPr vert="horz" lIns="91440" tIns="45720" rIns="91440" bIns="45720" rtlCol="0" anchor="ctr">
+            <a:noAutofit/>
+          </a:bodyPr>
+          <a:lstStyle>
+            <a:lvl1pPr>
+              <a:spcBef>
+                <a:spcPct val="0"/>
+              </a:spcBef>
+              <a:buNone/>
+              <a:defRPr sz="3200" b="0" cap="all">
+                <a:ln w="3175" cmpd="sng">
+                  <a:noFill/>
+                </a:ln>
+                <a:effectLst>
+                  <a:glow rad="38100">
+                    <a:schemeClr val="bg1">
+                      <a:lumMod val="65000"/>
+                      <a:lumOff val="35000"/>
+                      <a:alpha val="40000"/>
+                    </a:schemeClr>
+                  </a:glow>
+                  <a:outerShdw blurRad="28575" dist="38100" dir="14040000" algn="tl" rotWithShape="0">
+                    <a:srgbClr val="000000">
+                      <a:alpha val="25000"/>
+                    </a:srgbClr>
+                  </a:outerShdw>
+                </a:effectLst>
+              </a:defRPr>
+            </a:lvl1pPr>
+            <a:lvl2pPr>
+              <a:defRPr>
+                <a:solidFill>
+                  <a:schemeClr val="tx2"/>
+                </a:solidFill>
+              </a:defRPr>
+            </a:lvl2pPr>
+            <a:lvl3pPr>
+              <a:defRPr>
+                <a:solidFill>
+                  <a:schemeClr val="tx2"/>
+                </a:solidFill>
+              </a:defRPr>
+            </a:lvl3pPr>
+            <a:lvl4pPr>
+              <a:defRPr>
+                <a:solidFill>
+                  <a:schemeClr val="tx2"/>
+                </a:solidFill>
+              </a:defRPr>
+            </a:lvl4pPr>
+            <a:lvl5pPr>
+              <a:defRPr>
+                <a:solidFill>
+                  <a:schemeClr val="tx2"/>
+                </a:solidFill>
+              </a:defRPr>
+            </a:lvl5pPr>
+            <a:lvl6pPr>
+              <a:defRPr>
+                <a:solidFill>
+                  <a:schemeClr val="tx2"/>
+                </a:solidFill>
+              </a:defRPr>
+            </a:lvl6pPr>
+            <a:lvl7pPr>
+              <a:defRPr>
+                <a:solidFill>
+                  <a:schemeClr val="tx2"/>
+                </a:solidFill>
+              </a:defRPr>
+            </a:lvl7pPr>
+            <a:lvl8pPr>
+              <a:defRPr>
+                <a:solidFill>
+                  <a:schemeClr val="tx2"/>
+                </a:solidFill>
+              </a:defRPr>
+            </a:lvl8pPr>
+            <a:lvl9pPr>
+              <a:defRPr>
+                <a:solidFill>
+                  <a:schemeClr val="tx2"/>
+                </a:solidFill>
+              </a:defRPr>
+            </a:lvl9pPr>
+          </a:lstStyle>
+          <a:p>
+            <a:pPr lvl="0" algn="r"/>
+            <a:r>
+              <a:rPr lang="en-US" sz="8000" dirty="0">
+                <a:solidFill>
+                  <a:schemeClr val="tx1"/>
+                </a:solidFill>
+                <a:effectLst/>
+              </a:rPr>
+              <a:t>”</a:t>
+            </a:r>
+          </a:p>
+        </p:txBody>
+      </p:sp>
+    </p:spTree>
+    <p:extLst>
+      <p:ext uri="{BB962C8B-B14F-4D97-AF65-F5344CB8AC3E}">
+        <p14:creationId xmlns:p14="http://schemas.microsoft.com/office/powerpoint/2010/main" val="2280890060"/>
+      </p:ext>
+    </p:extLst>
+  </p:cSld>
+  <p:clrMapOvr>
+    <a:masterClrMapping/>
+  </p:clrMapOvr>
+</p:sldLayout>
+</file>
+
+<file path=ppt/slideLayouts/slideLayout13.xml><?xml version="1.0" encoding="utf-8"?>
+<p:sldLayout xmlns:a="http://schemas.openxmlformats.org/drawingml/2006/main" xmlns:r="http://schemas.openxmlformats.org/officeDocument/2006/relationships" xmlns:p="http://schemas.openxmlformats.org/presentationml/2006/main" showMasterSp="0" preserve="1">
+  <p:cSld name="명함">
+    <p:spTree>
+      <p:nvGrpSpPr>
+        <p:cNvPr id="1" name=""/>
+        <p:cNvGrpSpPr/>
+        <p:nvPr/>
+      </p:nvGrpSpPr>
+      <p:grpSpPr>
+        <a:xfrm>
+          <a:off x="0" y="0"/>
+          <a:ext cx="0" cy="0"/>
+          <a:chOff x="0" y="0"/>
+          <a:chExt cx="0" cy="0"/>
+        </a:xfrm>
+      </p:grpSpPr>
+      <p:pic>
+        <p:nvPicPr>
+          <p:cNvPr id="8" name="Picture 7" descr="C1-HD-BTM.png"/>
+          <p:cNvPicPr>
+            <a:picLocks noChangeAspect="1"/>
+          </p:cNvPicPr>
+          <p:nvPr/>
+        </p:nvPicPr>
+        <p:blipFill>
+          <a:blip r:embed="rId2">
+            <a:extLst>
+              <a:ext uri="{28A0092B-C50C-407E-A947-70E740481C1C}">
+                <a14:useLocalDpi xmlns:a14="http://schemas.microsoft.com/office/drawing/2010/main" val="0"/>
+              </a:ext>
+            </a:extLst>
+          </a:blip>
+          <a:stretch>
+            <a:fillRect/>
+          </a:stretch>
+        </p:blipFill>
+        <p:spPr>
+          <a:xfrm>
+            <a:off x="0" y="4375150"/>
+            <a:ext cx="12192000" cy="2482850"/>
+          </a:xfrm>
+          <a:prstGeom prst="rect">
+            <a:avLst/>
+          </a:prstGeom>
+        </p:spPr>
+      </p:pic>
+      <p:sp>
+        <p:nvSpPr>
+          <p:cNvPr id="2" name="Title 1"/>
+          <p:cNvSpPr>
+            <a:spLocks noGrp="1"/>
+          </p:cNvSpPr>
+          <p:nvPr>
+            <p:ph type="title"/>
+          </p:nvPr>
+        </p:nvSpPr>
+        <p:spPr>
+          <a:xfrm>
+            <a:off x="1024495" y="1124701"/>
+            <a:ext cx="10146186" cy="2511835"/>
+          </a:xfrm>
+        </p:spPr>
+        <p:txBody>
+          <a:bodyPr anchor="b"/>
+          <a:lstStyle>
+            <a:lvl1pPr algn="l">
+              <a:defRPr sz="3200"/>
+            </a:lvl1pPr>
+          </a:lstStyle>
+          <a:p>
+            <a:r>
+              <a:rPr lang="ko-KR" altLang="en-US"/>
+              <a:t>마스터 제목 스타일 편집</a:t>
+            </a:r>
+            <a:endParaRPr lang="en-US" dirty="0"/>
+          </a:p>
+        </p:txBody>
+      </p:sp>
+      <p:sp>
+        <p:nvSpPr>
+          <p:cNvPr id="4" name="Text Placeholder 3"/>
+          <p:cNvSpPr>
+            <a:spLocks noGrp="1"/>
+          </p:cNvSpPr>
+          <p:nvPr>
+            <p:ph type="body" sz="half" idx="2"/>
+          </p:nvPr>
+        </p:nvSpPr>
+        <p:spPr>
+          <a:xfrm>
+            <a:off x="1024467" y="3648315"/>
+            <a:ext cx="10144654" cy="999885"/>
+          </a:xfrm>
+        </p:spPr>
+        <p:txBody>
+          <a:bodyPr anchor="t"/>
+          <a:lstStyle>
+            <a:lvl1pPr marL="0" indent="0">
+              <a:buNone/>
+              <a:defRPr sz="1600"/>
+            </a:lvl1pPr>
+            <a:lvl2pPr marL="457200" indent="0">
+              <a:buNone/>
+              <a:defRPr sz="1400"/>
+            </a:lvl2pPr>
+            <a:lvl3pPr marL="914400" indent="0">
+              <a:buNone/>
+              <a:defRPr sz="1200"/>
+            </a:lvl3pPr>
+            <a:lvl4pPr marL="1371600" indent="0">
+              <a:buNone/>
+              <a:defRPr sz="1000"/>
+            </a:lvl4pPr>
+            <a:lvl5pPr marL="1828800" indent="0">
+              <a:buNone/>
+              <a:defRPr sz="1000"/>
+            </a:lvl5pPr>
+            <a:lvl6pPr marL="2286000" indent="0">
+              <a:buNone/>
+              <a:defRPr sz="1000"/>
+            </a:lvl6pPr>
+            <a:lvl7pPr marL="2743200" indent="0">
+              <a:buNone/>
+              <a:defRPr sz="1000"/>
+            </a:lvl7pPr>
+            <a:lvl8pPr marL="3200400" indent="0">
+              <a:buNone/>
+              <a:defRPr sz="1000"/>
+            </a:lvl8pPr>
+            <a:lvl9pPr marL="3657600" indent="0">
+              <a:buNone/>
+              <a:defRPr sz="1000"/>
+            </a:lvl9pPr>
+          </a:lstStyle>
+          <a:p>
+            <a:pPr lvl="0"/>
+            <a:r>
+              <a:rPr lang="ko-KR" altLang="en-US"/>
+              <a:t>마스터 텍스트 스타일을 편집하려면 클릭</a:t>
+            </a:r>
+          </a:p>
+        </p:txBody>
+      </p:sp>
+      <p:sp>
+        <p:nvSpPr>
+          <p:cNvPr id="5" name="Date Placeholder 4"/>
+          <p:cNvSpPr>
+            <a:spLocks noGrp="1"/>
+          </p:cNvSpPr>
+          <p:nvPr>
+            <p:ph type="dt" sz="half" idx="10"/>
+          </p:nvPr>
+        </p:nvSpPr>
+        <p:spPr>
+          <a:xfrm>
+            <a:off x="7814452" y="378883"/>
+            <a:ext cx="2910840" cy="365125"/>
+          </a:xfrm>
+        </p:spPr>
+        <p:txBody>
+          <a:bodyPr/>
+          <a:lstStyle>
+            <a:lvl1pPr algn="r">
+              <a:defRPr/>
+            </a:lvl1pPr>
+          </a:lstStyle>
+          <a:p>
+            <a:fld id="{48A87A34-81AB-432B-8DAE-1953F412C126}" type="datetimeFigureOut">
+              <a:rPr lang="en-US" smtClean="0"/>
+              <a:pPr/>
+              <a:t>3/24/2021</a:t>
+            </a:fld>
+            <a:endParaRPr lang="en-US" dirty="0"/>
+          </a:p>
+        </p:txBody>
+      </p:sp>
+      <p:sp>
+        <p:nvSpPr>
+          <p:cNvPr id="6" name="Footer Placeholder 5"/>
+          <p:cNvSpPr>
+            <a:spLocks noGrp="1"/>
+          </p:cNvSpPr>
+          <p:nvPr>
+            <p:ph type="ftr" sz="quarter" idx="11"/>
+          </p:nvPr>
+        </p:nvSpPr>
+        <p:spPr>
+          <a:xfrm>
+            <a:off x="685800" y="378883"/>
+            <a:ext cx="6991492" cy="365125"/>
+          </a:xfrm>
+        </p:spPr>
+        <p:txBody>
+          <a:bodyPr/>
+          <a:lstStyle/>
+          <a:p>
+            <a:endParaRPr lang="en-US" dirty="0"/>
+          </a:p>
+        </p:txBody>
+      </p:sp>
+      <p:sp>
+        <p:nvSpPr>
+          <p:cNvPr id="7" name="Slide Number Placeholder 6"/>
+          <p:cNvSpPr>
+            <a:spLocks noGrp="1"/>
+          </p:cNvSpPr>
+          <p:nvPr>
+            <p:ph type="sldNum" sz="quarter" idx="12"/>
+          </p:nvPr>
+        </p:nvSpPr>
+        <p:spPr>
+          <a:xfrm>
+            <a:off x="10862452" y="381000"/>
+            <a:ext cx="643748" cy="365125"/>
+          </a:xfrm>
+        </p:spPr>
+        <p:txBody>
+          <a:bodyPr/>
+          <a:lstStyle/>
+          <a:p>
+            <a:fld id="{6D22F896-40B5-4ADD-8801-0D06FADFA095}" type="slidenum">
+              <a:rPr lang="en-US" smtClean="0"/>
+              <a:t>‹#›</a:t>
+            </a:fld>
+            <a:endParaRPr lang="en-US" dirty="0"/>
+          </a:p>
+        </p:txBody>
+      </p:sp>
+    </p:spTree>
+    <p:extLst>
+      <p:ext uri="{BB962C8B-B14F-4D97-AF65-F5344CB8AC3E}">
+        <p14:creationId xmlns:p14="http://schemas.microsoft.com/office/powerpoint/2010/main" val="239343452"/>
+      </p:ext>
+    </p:extLst>
+  </p:cSld>
+  <p:clrMapOvr>
+    <a:masterClrMapping/>
+  </p:clrMapOvr>
+</p:sldLayout>
+</file>
+
+<file path=ppt/slideLayouts/slideLayout14.xml><?xml version="1.0" encoding="utf-8"?>
+<p:sldLayout xmlns:a="http://schemas.openxmlformats.org/drawingml/2006/main" xmlns:r="http://schemas.openxmlformats.org/officeDocument/2006/relationships" xmlns:p="http://schemas.openxmlformats.org/presentationml/2006/main" preserve="1">
+  <p:cSld name="3열">
+    <p:spTree>
+      <p:nvGrpSpPr>
+        <p:cNvPr id="1" name=""/>
+        <p:cNvGrpSpPr/>
+        <p:nvPr/>
+      </p:nvGrpSpPr>
+      <p:grpSpPr>
+        <a:xfrm>
+          <a:off x="0" y="0"/>
+          <a:ext cx="0" cy="0"/>
+          <a:chOff x="0" y="0"/>
+          <a:chExt cx="0" cy="0"/>
+        </a:xfrm>
+      </p:grpSpPr>
+      <p:sp>
+        <p:nvSpPr>
+          <p:cNvPr id="15" name="Title 1"/>
+          <p:cNvSpPr>
+            <a:spLocks noGrp="1"/>
+          </p:cNvSpPr>
+          <p:nvPr>
+            <p:ph type="title"/>
+          </p:nvPr>
+        </p:nvSpPr>
+        <p:spPr>
+          <a:xfrm>
+            <a:off x="2895600" y="761999"/>
+            <a:ext cx="8610599" cy="1303867"/>
+          </a:xfrm>
+        </p:spPr>
+        <p:txBody>
+          <a:bodyPr/>
+          <a:lstStyle/>
+          <a:p>
+            <a:r>
+              <a:rPr lang="ko-KR" altLang="en-US"/>
+              <a:t>마스터 제목 스타일 편집</a:t>
+            </a:r>
+            <a:endParaRPr lang="en-US" dirty="0"/>
+          </a:p>
+        </p:txBody>
+      </p:sp>
+      <p:sp>
+        <p:nvSpPr>
+          <p:cNvPr id="7" name="Text Placeholder 2"/>
+          <p:cNvSpPr>
+            <a:spLocks noGrp="1"/>
+          </p:cNvSpPr>
+          <p:nvPr>
+            <p:ph type="body" idx="1"/>
+          </p:nvPr>
+        </p:nvSpPr>
+        <p:spPr>
+          <a:xfrm>
+            <a:off x="685800" y="2202080"/>
+            <a:ext cx="3456432" cy="617320"/>
+          </a:xfrm>
+        </p:spPr>
+        <p:txBody>
+          <a:bodyPr anchor="b">
+            <a:noAutofit/>
+          </a:bodyPr>
+          <a:lstStyle>
+            <a:lvl1pPr marL="0" indent="0">
+              <a:buNone/>
+              <a:defRPr sz="2400" b="0">
+                <a:solidFill>
+                  <a:schemeClr val="tx1"/>
+                </a:solidFill>
+              </a:defRPr>
+            </a:lvl1pPr>
+            <a:lvl2pPr marL="457200" indent="0">
+              <a:buNone/>
+              <a:defRPr sz="2000" b="1"/>
+            </a:lvl2pPr>
+            <a:lvl3pPr marL="914400" indent="0">
+              <a:buNone/>
+              <a:defRPr sz="1800" b="1"/>
+            </a:lvl3pPr>
+            <a:lvl4pPr marL="1371600" indent="0">
+              <a:buNone/>
+              <a:defRPr sz="1600" b="1"/>
+            </a:lvl4pPr>
+            <a:lvl5pPr marL="1828800" indent="0">
+              <a:buNone/>
+              <a:defRPr sz="1600" b="1"/>
+            </a:lvl5pPr>
+            <a:lvl6pPr marL="2286000" indent="0">
+              <a:buNone/>
+              <a:defRPr sz="1600" b="1"/>
+            </a:lvl6pPr>
+            <a:lvl7pPr marL="2743200" indent="0">
+              <a:buNone/>
+              <a:defRPr sz="1600" b="1"/>
+            </a:lvl7pPr>
+            <a:lvl8pPr marL="3200400" indent="0">
+              <a:buNone/>
+              <a:defRPr sz="1600" b="1"/>
+            </a:lvl8pPr>
+            <a:lvl9pPr marL="3657600" indent="0">
+              <a:buNone/>
+              <a:defRPr sz="1600" b="1"/>
+            </a:lvl9pPr>
+          </a:lstStyle>
+          <a:p>
+            <a:pPr lvl="0"/>
+            <a:r>
+              <a:rPr lang="ko-KR" altLang="en-US"/>
+              <a:t>마스터 텍스트 스타일을 편집하려면 클릭</a:t>
+            </a:r>
+          </a:p>
+        </p:txBody>
+      </p:sp>
+      <p:sp>
+        <p:nvSpPr>
+          <p:cNvPr id="8" name="Text Placeholder 3"/>
+          <p:cNvSpPr>
+            <a:spLocks noGrp="1"/>
+          </p:cNvSpPr>
+          <p:nvPr>
+            <p:ph type="body" sz="half" idx="15"/>
+          </p:nvPr>
+        </p:nvSpPr>
+        <p:spPr>
+          <a:xfrm>
+            <a:off x="685799" y="2904565"/>
+            <a:ext cx="3456432" cy="3314132"/>
+          </a:xfrm>
+        </p:spPr>
+        <p:txBody>
+          <a:bodyPr anchor="t">
+            <a:normAutofit/>
+          </a:bodyPr>
+          <a:lstStyle>
+            <a:lvl1pPr marL="0" indent="0">
+              <a:buNone/>
+              <a:defRPr sz="1400"/>
+            </a:lvl1pPr>
+            <a:lvl2pPr marL="457200" indent="0">
+              <a:buNone/>
+              <a:defRPr sz="1200"/>
+            </a:lvl2pPr>
+            <a:lvl3pPr marL="914400" indent="0">
+              <a:buNone/>
+              <a:defRPr sz="1000"/>
+            </a:lvl3pPr>
+            <a:lvl4pPr marL="1371600" indent="0">
+              <a:buNone/>
+              <a:defRPr sz="900"/>
+            </a:lvl4pPr>
+            <a:lvl5pPr marL="1828800" indent="0">
+              <a:buNone/>
+              <a:defRPr sz="900"/>
+            </a:lvl5pPr>
+            <a:lvl6pPr marL="2286000" indent="0">
+              <a:buNone/>
+              <a:defRPr sz="900"/>
+            </a:lvl6pPr>
+            <a:lvl7pPr marL="2743200" indent="0">
+              <a:buNone/>
+              <a:defRPr sz="900"/>
+            </a:lvl7pPr>
+            <a:lvl8pPr marL="3200400" indent="0">
+              <a:buNone/>
+              <a:defRPr sz="900"/>
+            </a:lvl8pPr>
+            <a:lvl9pPr marL="3657600" indent="0">
+              <a:buNone/>
+              <a:defRPr sz="900"/>
+            </a:lvl9pPr>
+          </a:lstStyle>
+          <a:p>
+            <a:pPr lvl="0"/>
+            <a:r>
+              <a:rPr lang="ko-KR" altLang="en-US"/>
+              <a:t>마스터 텍스트 스타일을 편집하려면 클릭</a:t>
+            </a:r>
+          </a:p>
+        </p:txBody>
+      </p:sp>
+      <p:sp>
+        <p:nvSpPr>
+          <p:cNvPr id="9" name="Text Placeholder 4"/>
+          <p:cNvSpPr>
+            <a:spLocks noGrp="1"/>
+          </p:cNvSpPr>
+          <p:nvPr>
+            <p:ph type="body" sz="quarter" idx="3"/>
+          </p:nvPr>
+        </p:nvSpPr>
+        <p:spPr>
+          <a:xfrm>
+            <a:off x="4368800" y="2201333"/>
+            <a:ext cx="3456432" cy="626534"/>
+          </a:xfrm>
+        </p:spPr>
+        <p:txBody>
+          <a:bodyPr anchor="b">
+            <a:noAutofit/>
+          </a:bodyPr>
+          <a:lstStyle>
+            <a:lvl1pPr marL="0" indent="0">
+              <a:buNone/>
+              <a:defRPr sz="2400" b="0">
+                <a:solidFill>
+                  <a:schemeClr val="tx1"/>
+                </a:solidFill>
+              </a:defRPr>
+            </a:lvl1pPr>
+            <a:lvl2pPr marL="457200" indent="0">
+              <a:buNone/>
+              <a:defRPr sz="2000" b="1"/>
+            </a:lvl2pPr>
+            <a:lvl3pPr marL="914400" indent="0">
+              <a:buNone/>
+              <a:defRPr sz="1800" b="1"/>
+            </a:lvl3pPr>
+            <a:lvl4pPr marL="1371600" indent="0">
+              <a:buNone/>
+              <a:defRPr sz="1600" b="1"/>
+            </a:lvl4pPr>
+            <a:lvl5pPr marL="1828800" indent="0">
+              <a:buNone/>
+              <a:defRPr sz="1600" b="1"/>
+            </a:lvl5pPr>
+            <a:lvl6pPr marL="2286000" indent="0">
+              <a:buNone/>
+              <a:defRPr sz="1600" b="1"/>
+            </a:lvl6pPr>
+            <a:lvl7pPr marL="2743200" indent="0">
+              <a:buNone/>
+              <a:defRPr sz="1600" b="1"/>
+            </a:lvl7pPr>
+            <a:lvl8pPr marL="3200400" indent="0">
+              <a:buNone/>
+              <a:defRPr sz="1600" b="1"/>
+            </a:lvl8pPr>
+            <a:lvl9pPr marL="3657600" indent="0">
+              <a:buNone/>
+              <a:defRPr sz="1600" b="1"/>
+            </a:lvl9pPr>
+          </a:lstStyle>
+          <a:p>
+            <a:pPr lvl="0"/>
+            <a:r>
+              <a:rPr lang="ko-KR" altLang="en-US"/>
+              <a:t>마스터 텍스트 스타일을 편집하려면 클릭</a:t>
+            </a:r>
+          </a:p>
+        </p:txBody>
+      </p:sp>
+      <p:sp>
+        <p:nvSpPr>
+          <p:cNvPr id="10" name="Text Placeholder 3"/>
+          <p:cNvSpPr>
+            <a:spLocks noGrp="1"/>
+          </p:cNvSpPr>
+          <p:nvPr>
+            <p:ph type="body" sz="half" idx="16"/>
+          </p:nvPr>
+        </p:nvSpPr>
+        <p:spPr>
+          <a:xfrm>
+            <a:off x="4366858" y="2904067"/>
+            <a:ext cx="3456432" cy="3314618"/>
+          </a:xfrm>
+        </p:spPr>
+        <p:txBody>
+          <a:bodyPr anchor="t">
+            <a:normAutofit/>
+          </a:bodyPr>
+          <a:lstStyle>
+            <a:lvl1pPr marL="0" indent="0">
+              <a:buNone/>
+              <a:defRPr sz="1400"/>
+            </a:lvl1pPr>
+            <a:lvl2pPr marL="457200" indent="0">
+              <a:buNone/>
+              <a:defRPr sz="1200"/>
+            </a:lvl2pPr>
+            <a:lvl3pPr marL="914400" indent="0">
+              <a:buNone/>
+              <a:defRPr sz="1000"/>
+            </a:lvl3pPr>
+            <a:lvl4pPr marL="1371600" indent="0">
+              <a:buNone/>
+              <a:defRPr sz="900"/>
+            </a:lvl4pPr>
+            <a:lvl5pPr marL="1828800" indent="0">
+              <a:buNone/>
+              <a:defRPr sz="900"/>
+            </a:lvl5pPr>
+            <a:lvl6pPr marL="2286000" indent="0">
+              <a:buNone/>
+              <a:defRPr sz="900"/>
+            </a:lvl6pPr>
+            <a:lvl7pPr marL="2743200" indent="0">
+              <a:buNone/>
+              <a:defRPr sz="900"/>
+            </a:lvl7pPr>
+            <a:lvl8pPr marL="3200400" indent="0">
+              <a:buNone/>
+              <a:defRPr sz="900"/>
+            </a:lvl8pPr>
+            <a:lvl9pPr marL="3657600" indent="0">
+              <a:buNone/>
+              <a:defRPr sz="900"/>
+            </a:lvl9pPr>
+          </a:lstStyle>
+          <a:p>
+            <a:pPr lvl="0"/>
+            <a:r>
+              <a:rPr lang="ko-KR" altLang="en-US"/>
+              <a:t>마스터 텍스트 스타일을 편집하려면 클릭</a:t>
+            </a:r>
+          </a:p>
+        </p:txBody>
+      </p:sp>
+      <p:sp>
+        <p:nvSpPr>
+          <p:cNvPr id="11" name="Text Placeholder 4"/>
+          <p:cNvSpPr>
+            <a:spLocks noGrp="1"/>
+          </p:cNvSpPr>
+          <p:nvPr>
+            <p:ph type="body" sz="quarter" idx="13"/>
+          </p:nvPr>
+        </p:nvSpPr>
+        <p:spPr>
+          <a:xfrm>
+            <a:off x="8051800" y="2192866"/>
+            <a:ext cx="3456432" cy="626534"/>
+          </a:xfrm>
+        </p:spPr>
+        <p:txBody>
+          <a:bodyPr anchor="b">
+            <a:noAutofit/>
+          </a:bodyPr>
+          <a:lstStyle>
+            <a:lvl1pPr marL="0" indent="0">
+              <a:buNone/>
+              <a:defRPr sz="2400" b="0">
+                <a:solidFill>
+                  <a:schemeClr val="tx1"/>
+                </a:solidFill>
+              </a:defRPr>
+            </a:lvl1pPr>
+            <a:lvl2pPr marL="457200" indent="0">
+              <a:buNone/>
+              <a:defRPr sz="2000" b="1"/>
+            </a:lvl2pPr>
+            <a:lvl3pPr marL="914400" indent="0">
+              <a:buNone/>
+              <a:defRPr sz="1800" b="1"/>
+            </a:lvl3pPr>
+            <a:lvl4pPr marL="1371600" indent="0">
+              <a:buNone/>
+              <a:defRPr sz="1600" b="1"/>
+            </a:lvl4pPr>
+            <a:lvl5pPr marL="1828800" indent="0">
+              <a:buNone/>
+              <a:defRPr sz="1600" b="1"/>
+            </a:lvl5pPr>
+            <a:lvl6pPr marL="2286000" indent="0">
+              <a:buNone/>
+              <a:defRPr sz="1600" b="1"/>
+            </a:lvl6pPr>
+            <a:lvl7pPr marL="2743200" indent="0">
+              <a:buNone/>
+              <a:defRPr sz="1600" b="1"/>
+            </a:lvl7pPr>
+            <a:lvl8pPr marL="3200400" indent="0">
+              <a:buNone/>
+              <a:defRPr sz="1600" b="1"/>
+            </a:lvl8pPr>
+            <a:lvl9pPr marL="3657600" indent="0">
+              <a:buNone/>
+              <a:defRPr sz="1600" b="1"/>
+            </a:lvl9pPr>
+          </a:lstStyle>
+          <a:p>
+            <a:pPr lvl="0"/>
+            <a:r>
+              <a:rPr lang="ko-KR" altLang="en-US"/>
+              <a:t>마스터 텍스트 스타일을 편집하려면 클릭</a:t>
+            </a:r>
+          </a:p>
+        </p:txBody>
+      </p:sp>
+      <p:sp>
+        <p:nvSpPr>
+          <p:cNvPr id="12" name="Text Placeholder 3"/>
+          <p:cNvSpPr>
+            <a:spLocks noGrp="1"/>
+          </p:cNvSpPr>
+          <p:nvPr>
+            <p:ph type="body" sz="half" idx="17"/>
+          </p:nvPr>
+        </p:nvSpPr>
+        <p:spPr>
+          <a:xfrm>
+            <a:off x="8051801" y="2904565"/>
+            <a:ext cx="3456432" cy="3314132"/>
+          </a:xfrm>
+        </p:spPr>
+        <p:txBody>
+          <a:bodyPr anchor="t">
+            <a:normAutofit/>
+          </a:bodyPr>
+          <a:lstStyle>
+            <a:lvl1pPr marL="0" indent="0">
+              <a:buNone/>
+              <a:defRPr sz="1400"/>
+            </a:lvl1pPr>
+            <a:lvl2pPr marL="457200" indent="0">
+              <a:buNone/>
+              <a:defRPr sz="1200"/>
+            </a:lvl2pPr>
+            <a:lvl3pPr marL="914400" indent="0">
+              <a:buNone/>
+              <a:defRPr sz="1000"/>
+            </a:lvl3pPr>
+            <a:lvl4pPr marL="1371600" indent="0">
+              <a:buNone/>
+              <a:defRPr sz="900"/>
+            </a:lvl4pPr>
+            <a:lvl5pPr marL="1828800" indent="0">
+              <a:buNone/>
+              <a:defRPr sz="900"/>
+            </a:lvl5pPr>
+            <a:lvl6pPr marL="2286000" indent="0">
+              <a:buNone/>
+              <a:defRPr sz="900"/>
+            </a:lvl6pPr>
+            <a:lvl7pPr marL="2743200" indent="0">
+              <a:buNone/>
+              <a:defRPr sz="900"/>
+            </a:lvl7pPr>
+            <a:lvl8pPr marL="3200400" indent="0">
+              <a:buNone/>
+              <a:defRPr sz="900"/>
+            </a:lvl8pPr>
+            <a:lvl9pPr marL="3657600" indent="0">
+              <a:buNone/>
+              <a:defRPr sz="900"/>
+            </a:lvl9pPr>
+          </a:lstStyle>
+          <a:p>
+            <a:pPr lvl="0"/>
+            <a:r>
+              <a:rPr lang="ko-KR" altLang="en-US"/>
+              <a:t>마스터 텍스트 스타일을 편집하려면 클릭</a:t>
+            </a:r>
+          </a:p>
+        </p:txBody>
+      </p:sp>
+      <p:sp>
+        <p:nvSpPr>
+          <p:cNvPr id="3" name="Date Placeholder 2"/>
+          <p:cNvSpPr>
+            <a:spLocks noGrp="1"/>
+          </p:cNvSpPr>
+          <p:nvPr>
+            <p:ph type="dt" sz="half" idx="10"/>
+          </p:nvPr>
+        </p:nvSpPr>
+        <p:spPr/>
+        <p:txBody>
+          <a:bodyPr/>
+          <a:lstStyle/>
+          <a:p>
+            <a:fld id="{48A87A34-81AB-432B-8DAE-1953F412C126}" type="datetimeFigureOut">
+              <a:rPr lang="en-US" smtClean="0"/>
+              <a:t>3/24/2021</a:t>
+            </a:fld>
+            <a:endParaRPr lang="en-US" dirty="0"/>
+          </a:p>
+        </p:txBody>
+      </p:sp>
+      <p:sp>
+        <p:nvSpPr>
+          <p:cNvPr id="4" name="Footer Placeholder 3"/>
+          <p:cNvSpPr>
+            <a:spLocks noGrp="1"/>
+          </p:cNvSpPr>
+          <p:nvPr>
+            <p:ph type="ftr" sz="quarter" idx="11"/>
+          </p:nvPr>
+        </p:nvSpPr>
+        <p:spPr/>
+        <p:txBody>
+          <a:bodyPr/>
+          <a:lstStyle/>
+          <a:p>
+            <a:endParaRPr lang="en-US" dirty="0"/>
+          </a:p>
+        </p:txBody>
+      </p:sp>
+      <p:sp>
+        <p:nvSpPr>
+          <p:cNvPr id="5" name="Slide Number Placeholder 4"/>
+          <p:cNvSpPr>
+            <a:spLocks noGrp="1"/>
+          </p:cNvSpPr>
+          <p:nvPr>
+            <p:ph type="sldNum" sz="quarter" idx="12"/>
+          </p:nvPr>
+        </p:nvSpPr>
+        <p:spPr/>
+        <p:txBody>
+          <a:bodyPr/>
+          <a:lstStyle/>
+          <a:p>
+            <a:fld id="{6D22F896-40B5-4ADD-8801-0D06FADFA095}" type="slidenum">
+              <a:rPr lang="en-US" smtClean="0"/>
+              <a:t>‹#›</a:t>
+            </a:fld>
+            <a:endParaRPr lang="en-US" dirty="0"/>
+          </a:p>
+        </p:txBody>
+      </p:sp>
+    </p:spTree>
+    <p:extLst>
+      <p:ext uri="{BB962C8B-B14F-4D97-AF65-F5344CB8AC3E}">
+        <p14:creationId xmlns:p14="http://schemas.microsoft.com/office/powerpoint/2010/main" val="865740345"/>
+      </p:ext>
+    </p:extLst>
+  </p:cSld>
+  <p:clrMapOvr>
+    <a:masterClrMapping/>
+  </p:clrMapOvr>
+</p:sldLayout>
+</file>
+
+<file path=ppt/slideLayouts/slideLayout15.xml><?xml version="1.0" encoding="utf-8"?>
+<p:sldLayout xmlns:a="http://schemas.openxmlformats.org/drawingml/2006/main" xmlns:r="http://schemas.openxmlformats.org/officeDocument/2006/relationships" xmlns:p="http://schemas.openxmlformats.org/presentationml/2006/main" preserve="1">
+  <p:cSld name="그림 열 3개">
+    <p:spTree>
+      <p:nvGrpSpPr>
+        <p:cNvPr id="1" name=""/>
+        <p:cNvGrpSpPr/>
+        <p:nvPr/>
+      </p:nvGrpSpPr>
+      <p:grpSpPr>
+        <a:xfrm>
+          <a:off x="0" y="0"/>
+          <a:ext cx="0" cy="0"/>
+          <a:chOff x="0" y="0"/>
+          <a:chExt cx="0" cy="0"/>
+        </a:xfrm>
+      </p:grpSpPr>
+      <p:sp>
+        <p:nvSpPr>
+          <p:cNvPr id="30" name="Title 1"/>
+          <p:cNvSpPr>
+            <a:spLocks noGrp="1"/>
+          </p:cNvSpPr>
+          <p:nvPr>
+            <p:ph type="title"/>
+          </p:nvPr>
+        </p:nvSpPr>
+        <p:spPr>
+          <a:xfrm>
+            <a:off x="2895600" y="762000"/>
+            <a:ext cx="8610599" cy="1295400"/>
+          </a:xfrm>
+        </p:spPr>
+        <p:txBody>
+          <a:bodyPr/>
+          <a:lstStyle/>
+          <a:p>
+            <a:r>
+              <a:rPr lang="ko-KR" altLang="en-US"/>
+              <a:t>마스터 제목 스타일 편집</a:t>
+            </a:r>
+            <a:endParaRPr lang="en-US" dirty="0"/>
+          </a:p>
+        </p:txBody>
+      </p:sp>
+      <p:sp>
+        <p:nvSpPr>
+          <p:cNvPr id="19" name="Text Placeholder 2"/>
+          <p:cNvSpPr>
+            <a:spLocks noGrp="1"/>
+          </p:cNvSpPr>
+          <p:nvPr>
+            <p:ph type="body" idx="1"/>
+          </p:nvPr>
+        </p:nvSpPr>
+        <p:spPr>
+          <a:xfrm>
+            <a:off x="688618" y="4191000"/>
+            <a:ext cx="3451582" cy="682765"/>
+          </a:xfrm>
+        </p:spPr>
+        <p:txBody>
+          <a:bodyPr anchor="b">
+            <a:noAutofit/>
+          </a:bodyPr>
+          <a:lstStyle>
+            <a:lvl1pPr marL="0" indent="0">
+              <a:buNone/>
+              <a:defRPr sz="2400" b="0">
+                <a:solidFill>
+                  <a:schemeClr val="tx1"/>
+                </a:solidFill>
+              </a:defRPr>
+            </a:lvl1pPr>
+            <a:lvl2pPr marL="457200" indent="0">
+              <a:buNone/>
+              <a:defRPr sz="2000" b="1"/>
+            </a:lvl2pPr>
+            <a:lvl3pPr marL="914400" indent="0">
+              <a:buNone/>
+              <a:defRPr sz="1800" b="1"/>
+            </a:lvl3pPr>
+            <a:lvl4pPr marL="1371600" indent="0">
+              <a:buNone/>
+              <a:defRPr sz="1600" b="1"/>
+            </a:lvl4pPr>
+            <a:lvl5pPr marL="1828800" indent="0">
+              <a:buNone/>
+              <a:defRPr sz="1600" b="1"/>
+            </a:lvl5pPr>
+            <a:lvl6pPr marL="2286000" indent="0">
+              <a:buNone/>
+              <a:defRPr sz="1600" b="1"/>
+            </a:lvl6pPr>
+            <a:lvl7pPr marL="2743200" indent="0">
+              <a:buNone/>
+              <a:defRPr sz="1600" b="1"/>
+            </a:lvl7pPr>
+            <a:lvl8pPr marL="3200400" indent="0">
+              <a:buNone/>
+              <a:defRPr sz="1600" b="1"/>
+            </a:lvl8pPr>
+            <a:lvl9pPr marL="3657600" indent="0">
+              <a:buNone/>
+              <a:defRPr sz="1600" b="1"/>
+            </a:lvl9pPr>
+          </a:lstStyle>
+          <a:p>
+            <a:pPr lvl="0"/>
+            <a:r>
+              <a:rPr lang="ko-KR" altLang="en-US"/>
+              <a:t>마스터 텍스트 스타일을 편집하려면 클릭</a:t>
+            </a:r>
+          </a:p>
+        </p:txBody>
+      </p:sp>
+      <p:sp>
+        <p:nvSpPr>
+          <p:cNvPr id="20" name="Picture Placeholder 2"/>
+          <p:cNvSpPr>
+            <a:spLocks noGrp="1" noChangeAspect="1"/>
+          </p:cNvSpPr>
+          <p:nvPr>
+            <p:ph type="pic" idx="15"/>
+          </p:nvPr>
+        </p:nvSpPr>
+        <p:spPr>
+          <a:xfrm>
+            <a:off x="688618" y="2362200"/>
+            <a:ext cx="3451582" cy="1524000"/>
+          </a:xfrm>
+          <a:prstGeom prst="roundRect">
+            <a:avLst>
+              <a:gd name="adj" fmla="val 0"/>
+            </a:avLst>
+          </a:prstGeom>
+          <a:effectLst>
+            <a:outerShdw blurRad="50800" dist="50800" dir="5400000" algn="tl" rotWithShape="0">
+              <a:srgbClr val="000000">
+                <a:alpha val="43000"/>
+              </a:srgbClr>
+            </a:outerShdw>
+          </a:effectLst>
+        </p:spPr>
+        <p:txBody>
+          <a:bodyPr anchor="t">
+            <a:normAutofit/>
+          </a:bodyPr>
+          <a:lstStyle>
+            <a:lvl1pPr marL="0" indent="0" algn="ctr">
+              <a:buNone/>
+              <a:defRPr sz="1600"/>
+            </a:lvl1pPr>
+            <a:lvl2pPr marL="457200" indent="0">
+              <a:buNone/>
+              <a:defRPr sz="1600"/>
+            </a:lvl2pPr>
+            <a:lvl3pPr marL="914400" indent="0">
+              <a:buNone/>
+              <a:defRPr sz="1600"/>
+            </a:lvl3pPr>
+            <a:lvl4pPr marL="1371600" indent="0">
+              <a:buNone/>
+              <a:defRPr sz="1600"/>
+            </a:lvl4pPr>
+            <a:lvl5pPr marL="1828800" indent="0">
+              <a:buNone/>
+              <a:defRPr sz="1600"/>
+            </a:lvl5pPr>
+            <a:lvl6pPr marL="2286000" indent="0">
+              <a:buNone/>
+              <a:defRPr sz="1600"/>
+            </a:lvl6pPr>
+            <a:lvl7pPr marL="2743200" indent="0">
+              <a:buNone/>
+              <a:defRPr sz="1600"/>
+            </a:lvl7pPr>
+            <a:lvl8pPr marL="3200400" indent="0">
+              <a:buNone/>
+              <a:defRPr sz="1600"/>
+            </a:lvl8pPr>
+            <a:lvl9pPr marL="3657600" indent="0">
+              <a:buNone/>
+              <a:defRPr sz="1600"/>
+            </a:lvl9pPr>
+          </a:lstStyle>
+          <a:p>
+            <a:r>
+              <a:rPr lang="ko-KR" altLang="en-US"/>
+              <a:t>그림을 추가하려면 아이콘을 클릭하십시오</a:t>
+            </a:r>
+            <a:endParaRPr lang="en-US" dirty="0"/>
+          </a:p>
+        </p:txBody>
+      </p:sp>
+      <p:sp>
+        <p:nvSpPr>
+          <p:cNvPr id="21" name="Text Placeholder 3"/>
+          <p:cNvSpPr>
+            <a:spLocks noGrp="1"/>
+          </p:cNvSpPr>
+          <p:nvPr>
+            <p:ph type="body" sz="half" idx="18"/>
+          </p:nvPr>
+        </p:nvSpPr>
+        <p:spPr>
+          <a:xfrm>
+            <a:off x="688618" y="4873764"/>
+            <a:ext cx="3451582" cy="1344921"/>
+          </a:xfrm>
+        </p:spPr>
+        <p:txBody>
+          <a:bodyPr anchor="t">
+            <a:normAutofit/>
+          </a:bodyPr>
+          <a:lstStyle>
+            <a:lvl1pPr marL="0" indent="0">
+              <a:buNone/>
+              <a:defRPr sz="1400"/>
+            </a:lvl1pPr>
+            <a:lvl2pPr marL="457200" indent="0">
+              <a:buNone/>
+              <a:defRPr sz="1200"/>
+            </a:lvl2pPr>
+            <a:lvl3pPr marL="914400" indent="0">
+              <a:buNone/>
+              <a:defRPr sz="1000"/>
+            </a:lvl3pPr>
+            <a:lvl4pPr marL="1371600" indent="0">
+              <a:buNone/>
+              <a:defRPr sz="900"/>
+            </a:lvl4pPr>
+            <a:lvl5pPr marL="1828800" indent="0">
+              <a:buNone/>
+              <a:defRPr sz="900"/>
+            </a:lvl5pPr>
+            <a:lvl6pPr marL="2286000" indent="0">
+              <a:buNone/>
+              <a:defRPr sz="900"/>
+            </a:lvl6pPr>
+            <a:lvl7pPr marL="2743200" indent="0">
+              <a:buNone/>
+              <a:defRPr sz="900"/>
+            </a:lvl7pPr>
+            <a:lvl8pPr marL="3200400" indent="0">
+              <a:buNone/>
+              <a:defRPr sz="900"/>
+            </a:lvl8pPr>
+            <a:lvl9pPr marL="3657600" indent="0">
+              <a:buNone/>
+              <a:defRPr sz="900"/>
+            </a:lvl9pPr>
+          </a:lstStyle>
+          <a:p>
+            <a:pPr lvl="0"/>
+            <a:r>
+              <a:rPr lang="ko-KR" altLang="en-US"/>
+              <a:t>마스터 텍스트 스타일을 편집하려면 클릭</a:t>
+            </a:r>
+          </a:p>
+        </p:txBody>
+      </p:sp>
+      <p:sp>
+        <p:nvSpPr>
+          <p:cNvPr id="22" name="Text Placeholder 4"/>
+          <p:cNvSpPr>
+            <a:spLocks noGrp="1"/>
+          </p:cNvSpPr>
+          <p:nvPr>
+            <p:ph type="body" sz="quarter" idx="3"/>
+          </p:nvPr>
+        </p:nvSpPr>
+        <p:spPr>
+          <a:xfrm>
+            <a:off x="4374263" y="4191000"/>
+            <a:ext cx="3448935" cy="682765"/>
+          </a:xfrm>
+        </p:spPr>
+        <p:txBody>
+          <a:bodyPr anchor="b">
+            <a:noAutofit/>
+          </a:bodyPr>
+          <a:lstStyle>
+            <a:lvl1pPr marL="0" indent="0">
+              <a:buNone/>
+              <a:defRPr sz="2400" b="0">
+                <a:solidFill>
+                  <a:schemeClr val="tx1"/>
+                </a:solidFill>
+              </a:defRPr>
+            </a:lvl1pPr>
+            <a:lvl2pPr marL="457200" indent="0">
+              <a:buNone/>
+              <a:defRPr sz="2000" b="1"/>
+            </a:lvl2pPr>
+            <a:lvl3pPr marL="914400" indent="0">
+              <a:buNone/>
+              <a:defRPr sz="1800" b="1"/>
+            </a:lvl3pPr>
+            <a:lvl4pPr marL="1371600" indent="0">
+              <a:buNone/>
+              <a:defRPr sz="1600" b="1"/>
+            </a:lvl4pPr>
+            <a:lvl5pPr marL="1828800" indent="0">
+              <a:buNone/>
+              <a:defRPr sz="1600" b="1"/>
+            </a:lvl5pPr>
+            <a:lvl6pPr marL="2286000" indent="0">
+              <a:buNone/>
+              <a:defRPr sz="1600" b="1"/>
+            </a:lvl6pPr>
+            <a:lvl7pPr marL="2743200" indent="0">
+              <a:buNone/>
+              <a:defRPr sz="1600" b="1"/>
+            </a:lvl7pPr>
+            <a:lvl8pPr marL="3200400" indent="0">
+              <a:buNone/>
+              <a:defRPr sz="1600" b="1"/>
+            </a:lvl8pPr>
+            <a:lvl9pPr marL="3657600" indent="0">
+              <a:buNone/>
+              <a:defRPr sz="1600" b="1"/>
+            </a:lvl9pPr>
+          </a:lstStyle>
+          <a:p>
+            <a:pPr lvl="0"/>
+            <a:r>
+              <a:rPr lang="ko-KR" altLang="en-US"/>
+              <a:t>마스터 텍스트 스타일을 편집하려면 클릭</a:t>
+            </a:r>
+          </a:p>
+        </p:txBody>
+      </p:sp>
+      <p:sp>
+        <p:nvSpPr>
+          <p:cNvPr id="23" name="Picture Placeholder 2"/>
+          <p:cNvSpPr>
+            <a:spLocks noGrp="1" noChangeAspect="1"/>
+          </p:cNvSpPr>
+          <p:nvPr>
+            <p:ph type="pic" idx="21"/>
+          </p:nvPr>
+        </p:nvSpPr>
+        <p:spPr>
+          <a:xfrm>
+            <a:off x="4374263" y="2362200"/>
+            <a:ext cx="3448936" cy="1524000"/>
+          </a:xfrm>
+          <a:prstGeom prst="roundRect">
+            <a:avLst>
+              <a:gd name="adj" fmla="val 0"/>
+            </a:avLst>
+          </a:prstGeom>
+          <a:effectLst>
+            <a:outerShdw blurRad="50800" dist="50800" dir="5400000" algn="tl" rotWithShape="0">
+              <a:srgbClr val="000000">
+                <a:alpha val="43000"/>
+              </a:srgbClr>
+            </a:outerShdw>
+          </a:effectLst>
+        </p:spPr>
+        <p:txBody>
+          <a:bodyPr anchor="t">
+            <a:normAutofit/>
+          </a:bodyPr>
+          <a:lstStyle>
+            <a:lvl1pPr marL="0" indent="0" algn="ctr">
+              <a:buNone/>
+              <a:defRPr sz="1600"/>
+            </a:lvl1pPr>
+            <a:lvl2pPr marL="457200" indent="0">
+              <a:buNone/>
+              <a:defRPr sz="1600"/>
+            </a:lvl2pPr>
+            <a:lvl3pPr marL="914400" indent="0">
+              <a:buNone/>
+              <a:defRPr sz="1600"/>
+            </a:lvl3pPr>
+            <a:lvl4pPr marL="1371600" indent="0">
+              <a:buNone/>
+              <a:defRPr sz="1600"/>
+            </a:lvl4pPr>
+            <a:lvl5pPr marL="1828800" indent="0">
+              <a:buNone/>
+              <a:defRPr sz="1600"/>
+            </a:lvl5pPr>
+            <a:lvl6pPr marL="2286000" indent="0">
+              <a:buNone/>
+              <a:defRPr sz="1600"/>
+            </a:lvl6pPr>
+            <a:lvl7pPr marL="2743200" indent="0">
+              <a:buNone/>
+              <a:defRPr sz="1600"/>
+            </a:lvl7pPr>
+            <a:lvl8pPr marL="3200400" indent="0">
+              <a:buNone/>
+              <a:defRPr sz="1600"/>
+            </a:lvl8pPr>
+            <a:lvl9pPr marL="3657600" indent="0">
+              <a:buNone/>
+              <a:defRPr sz="1600"/>
+            </a:lvl9pPr>
+          </a:lstStyle>
+          <a:p>
+            <a:r>
+              <a:rPr lang="ko-KR" altLang="en-US"/>
+              <a:t>그림을 추가하려면 아이콘을 클릭하십시오</a:t>
+            </a:r>
+            <a:endParaRPr lang="en-US" dirty="0"/>
+          </a:p>
+        </p:txBody>
+      </p:sp>
+      <p:sp>
+        <p:nvSpPr>
+          <p:cNvPr id="24" name="Text Placeholder 3"/>
+          <p:cNvSpPr>
+            <a:spLocks noGrp="1"/>
+          </p:cNvSpPr>
+          <p:nvPr>
+            <p:ph type="body" sz="half" idx="19"/>
+          </p:nvPr>
+        </p:nvSpPr>
+        <p:spPr>
+          <a:xfrm>
+            <a:off x="4374264" y="4873763"/>
+            <a:ext cx="3448935" cy="1344921"/>
+          </a:xfrm>
+        </p:spPr>
+        <p:txBody>
+          <a:bodyPr anchor="t">
+            <a:normAutofit/>
+          </a:bodyPr>
+          <a:lstStyle>
+            <a:lvl1pPr marL="0" indent="0">
+              <a:buNone/>
+              <a:defRPr sz="1400"/>
+            </a:lvl1pPr>
+            <a:lvl2pPr marL="457200" indent="0">
+              <a:buNone/>
+              <a:defRPr sz="1200"/>
+            </a:lvl2pPr>
+            <a:lvl3pPr marL="914400" indent="0">
+              <a:buNone/>
+              <a:defRPr sz="1000"/>
+            </a:lvl3pPr>
+            <a:lvl4pPr marL="1371600" indent="0">
+              <a:buNone/>
+              <a:defRPr sz="900"/>
+            </a:lvl4pPr>
+            <a:lvl5pPr marL="1828800" indent="0">
+              <a:buNone/>
+              <a:defRPr sz="900"/>
+            </a:lvl5pPr>
+            <a:lvl6pPr marL="2286000" indent="0">
+              <a:buNone/>
+              <a:defRPr sz="900"/>
+            </a:lvl6pPr>
+            <a:lvl7pPr marL="2743200" indent="0">
+              <a:buNone/>
+              <a:defRPr sz="900"/>
+            </a:lvl7pPr>
+            <a:lvl8pPr marL="3200400" indent="0">
+              <a:buNone/>
+              <a:defRPr sz="900"/>
+            </a:lvl8pPr>
+            <a:lvl9pPr marL="3657600" indent="0">
+              <a:buNone/>
+              <a:defRPr sz="900"/>
+            </a:lvl9pPr>
+          </a:lstStyle>
+          <a:p>
+            <a:pPr lvl="0"/>
+            <a:r>
+              <a:rPr lang="ko-KR" altLang="en-US"/>
+              <a:t>마스터 텍스트 스타일을 편집하려면 클릭</a:t>
+            </a:r>
+          </a:p>
+        </p:txBody>
+      </p:sp>
+      <p:sp>
+        <p:nvSpPr>
+          <p:cNvPr id="25" name="Text Placeholder 4"/>
+          <p:cNvSpPr>
+            <a:spLocks noGrp="1"/>
+          </p:cNvSpPr>
+          <p:nvPr>
+            <p:ph type="body" sz="quarter" idx="13"/>
+          </p:nvPr>
+        </p:nvSpPr>
+        <p:spPr>
+          <a:xfrm>
+            <a:off x="8049731" y="4191000"/>
+            <a:ext cx="3456469" cy="682765"/>
+          </a:xfrm>
+        </p:spPr>
+        <p:txBody>
+          <a:bodyPr anchor="b">
+            <a:noAutofit/>
+          </a:bodyPr>
+          <a:lstStyle>
+            <a:lvl1pPr marL="0" indent="0">
+              <a:buNone/>
+              <a:defRPr sz="2400" b="0">
+                <a:solidFill>
+                  <a:schemeClr val="tx1"/>
+                </a:solidFill>
+              </a:defRPr>
+            </a:lvl1pPr>
+            <a:lvl2pPr marL="457200" indent="0">
+              <a:buNone/>
+              <a:defRPr sz="2000" b="1"/>
+            </a:lvl2pPr>
+            <a:lvl3pPr marL="914400" indent="0">
+              <a:buNone/>
+              <a:defRPr sz="1800" b="1"/>
+            </a:lvl3pPr>
+            <a:lvl4pPr marL="1371600" indent="0">
+              <a:buNone/>
+              <a:defRPr sz="1600" b="1"/>
+            </a:lvl4pPr>
+            <a:lvl5pPr marL="1828800" indent="0">
+              <a:buNone/>
+              <a:defRPr sz="1600" b="1"/>
+            </a:lvl5pPr>
+            <a:lvl6pPr marL="2286000" indent="0">
+              <a:buNone/>
+              <a:defRPr sz="1600" b="1"/>
+            </a:lvl6pPr>
+            <a:lvl7pPr marL="2743200" indent="0">
+              <a:buNone/>
+              <a:defRPr sz="1600" b="1"/>
+            </a:lvl7pPr>
+            <a:lvl8pPr marL="3200400" indent="0">
+              <a:buNone/>
+              <a:defRPr sz="1600" b="1"/>
+            </a:lvl8pPr>
+            <a:lvl9pPr marL="3657600" indent="0">
+              <a:buNone/>
+              <a:defRPr sz="1600" b="1"/>
+            </a:lvl9pPr>
+          </a:lstStyle>
+          <a:p>
+            <a:pPr lvl="0"/>
+            <a:r>
+              <a:rPr lang="ko-KR" altLang="en-US"/>
+              <a:t>마스터 텍스트 스타일을 편집하려면 클릭</a:t>
+            </a:r>
+          </a:p>
+        </p:txBody>
+      </p:sp>
+      <p:sp>
+        <p:nvSpPr>
+          <p:cNvPr id="26" name="Picture Placeholder 2"/>
+          <p:cNvSpPr>
+            <a:spLocks noGrp="1" noChangeAspect="1"/>
+          </p:cNvSpPr>
+          <p:nvPr>
+            <p:ph type="pic" idx="22"/>
+          </p:nvPr>
+        </p:nvSpPr>
+        <p:spPr>
+          <a:xfrm>
+            <a:off x="8049855" y="2362200"/>
+            <a:ext cx="3447878" cy="1524000"/>
+          </a:xfrm>
+          <a:prstGeom prst="roundRect">
+            <a:avLst>
+              <a:gd name="adj" fmla="val 0"/>
+            </a:avLst>
+          </a:prstGeom>
+          <a:effectLst>
+            <a:outerShdw blurRad="50800" dist="50800" dir="5400000" algn="tl" rotWithShape="0">
+              <a:srgbClr val="000000">
+                <a:alpha val="43000"/>
+              </a:srgbClr>
+            </a:outerShdw>
+          </a:effectLst>
+        </p:spPr>
+        <p:txBody>
+          <a:bodyPr anchor="t">
+            <a:normAutofit/>
+          </a:bodyPr>
+          <a:lstStyle>
+            <a:lvl1pPr marL="0" indent="0" algn="ctr">
+              <a:buNone/>
+              <a:defRPr sz="1600"/>
+            </a:lvl1pPr>
+            <a:lvl2pPr marL="457200" indent="0">
+              <a:buNone/>
+              <a:defRPr sz="1600"/>
+            </a:lvl2pPr>
+            <a:lvl3pPr marL="914400" indent="0">
+              <a:buNone/>
+              <a:defRPr sz="1600"/>
+            </a:lvl3pPr>
+            <a:lvl4pPr marL="1371600" indent="0">
+              <a:buNone/>
+              <a:defRPr sz="1600"/>
+            </a:lvl4pPr>
+            <a:lvl5pPr marL="1828800" indent="0">
+              <a:buNone/>
+              <a:defRPr sz="1600"/>
+            </a:lvl5pPr>
+            <a:lvl6pPr marL="2286000" indent="0">
+              <a:buNone/>
+              <a:defRPr sz="1600"/>
+            </a:lvl6pPr>
+            <a:lvl7pPr marL="2743200" indent="0">
+              <a:buNone/>
+              <a:defRPr sz="1600"/>
+            </a:lvl7pPr>
+            <a:lvl8pPr marL="3200400" indent="0">
+              <a:buNone/>
+              <a:defRPr sz="1600"/>
+            </a:lvl8pPr>
+            <a:lvl9pPr marL="3657600" indent="0">
+              <a:buNone/>
+              <a:defRPr sz="1600"/>
+            </a:lvl9pPr>
+          </a:lstStyle>
+          <a:p>
+            <a:r>
+              <a:rPr lang="ko-KR" altLang="en-US"/>
+              <a:t>그림을 추가하려면 아이콘을 클릭하십시오</a:t>
+            </a:r>
+            <a:endParaRPr lang="en-US" dirty="0"/>
+          </a:p>
+        </p:txBody>
+      </p:sp>
+      <p:sp>
+        <p:nvSpPr>
+          <p:cNvPr id="27" name="Text Placeholder 3"/>
+          <p:cNvSpPr>
+            <a:spLocks noGrp="1"/>
+          </p:cNvSpPr>
+          <p:nvPr>
+            <p:ph type="body" sz="half" idx="20"/>
+          </p:nvPr>
+        </p:nvSpPr>
+        <p:spPr>
+          <a:xfrm>
+            <a:off x="8049731" y="4873761"/>
+            <a:ext cx="3452445" cy="1344921"/>
+          </a:xfrm>
+        </p:spPr>
+        <p:txBody>
+          <a:bodyPr anchor="t">
+            <a:normAutofit/>
+          </a:bodyPr>
+          <a:lstStyle>
+            <a:lvl1pPr marL="0" indent="0">
+              <a:buNone/>
+              <a:defRPr sz="1400"/>
+            </a:lvl1pPr>
+            <a:lvl2pPr marL="457200" indent="0">
+              <a:buNone/>
+              <a:defRPr sz="1200"/>
+            </a:lvl2pPr>
+            <a:lvl3pPr marL="914400" indent="0">
+              <a:buNone/>
+              <a:defRPr sz="1000"/>
+            </a:lvl3pPr>
+            <a:lvl4pPr marL="1371600" indent="0">
+              <a:buNone/>
+              <a:defRPr sz="900"/>
+            </a:lvl4pPr>
+            <a:lvl5pPr marL="1828800" indent="0">
+              <a:buNone/>
+              <a:defRPr sz="900"/>
+            </a:lvl5pPr>
+            <a:lvl6pPr marL="2286000" indent="0">
+              <a:buNone/>
+              <a:defRPr sz="900"/>
+            </a:lvl6pPr>
+            <a:lvl7pPr marL="2743200" indent="0">
+              <a:buNone/>
+              <a:defRPr sz="900"/>
+            </a:lvl7pPr>
+            <a:lvl8pPr marL="3200400" indent="0">
+              <a:buNone/>
+              <a:defRPr sz="900"/>
+            </a:lvl8pPr>
+            <a:lvl9pPr marL="3657600" indent="0">
+              <a:buNone/>
+              <a:defRPr sz="900"/>
+            </a:lvl9pPr>
+          </a:lstStyle>
+          <a:p>
+            <a:pPr lvl="0"/>
+            <a:r>
+              <a:rPr lang="ko-KR" altLang="en-US"/>
+              <a:t>마스터 텍스트 스타일을 편집하려면 클릭</a:t>
+            </a:r>
+          </a:p>
+        </p:txBody>
+      </p:sp>
+      <p:sp>
+        <p:nvSpPr>
+          <p:cNvPr id="3" name="Date Placeholder 2"/>
+          <p:cNvSpPr>
+            <a:spLocks noGrp="1"/>
+          </p:cNvSpPr>
+          <p:nvPr>
+            <p:ph type="dt" sz="half" idx="10"/>
+          </p:nvPr>
+        </p:nvSpPr>
+        <p:spPr/>
+        <p:txBody>
+          <a:bodyPr/>
+          <a:lstStyle/>
+          <a:p>
+            <a:fld id="{48A87A34-81AB-432B-8DAE-1953F412C126}" type="datetimeFigureOut">
+              <a:rPr lang="en-US" smtClean="0"/>
+              <a:t>3/24/2021</a:t>
+            </a:fld>
+            <a:endParaRPr lang="en-US" dirty="0"/>
+          </a:p>
+        </p:txBody>
+      </p:sp>
+      <p:sp>
+        <p:nvSpPr>
+          <p:cNvPr id="4" name="Footer Placeholder 3"/>
+          <p:cNvSpPr>
+            <a:spLocks noGrp="1"/>
+          </p:cNvSpPr>
+          <p:nvPr>
+            <p:ph type="ftr" sz="quarter" idx="11"/>
+          </p:nvPr>
+        </p:nvSpPr>
+        <p:spPr/>
+        <p:txBody>
+          <a:bodyPr/>
+          <a:lstStyle/>
+          <a:p>
+            <a:endParaRPr lang="en-US" dirty="0"/>
+          </a:p>
+        </p:txBody>
+      </p:sp>
+      <p:sp>
+        <p:nvSpPr>
+          <p:cNvPr id="5" name="Slide Number Placeholder 4"/>
+          <p:cNvSpPr>
+            <a:spLocks noGrp="1"/>
+          </p:cNvSpPr>
+          <p:nvPr>
+            <p:ph type="sldNum" sz="quarter" idx="12"/>
+          </p:nvPr>
+        </p:nvSpPr>
+        <p:spPr/>
+        <p:txBody>
+          <a:bodyPr/>
+          <a:lstStyle/>
+          <a:p>
+            <a:fld id="{6D22F896-40B5-4ADD-8801-0D06FADFA095}" type="slidenum">
+              <a:rPr lang="en-US" smtClean="0"/>
+              <a:t>‹#›</a:t>
+            </a:fld>
+            <a:endParaRPr lang="en-US" dirty="0"/>
+          </a:p>
+        </p:txBody>
+      </p:sp>
+    </p:spTree>
+    <p:extLst>
+      <p:ext uri="{BB962C8B-B14F-4D97-AF65-F5344CB8AC3E}">
+        <p14:creationId xmlns:p14="http://schemas.microsoft.com/office/powerpoint/2010/main" val="4190630667"/>
+      </p:ext>
+    </p:extLst>
+  </p:cSld>
+  <p:clrMapOvr>
+    <a:masterClrMapping/>
+  </p:clrMapOvr>
+</p:sldLayout>
+</file>
+
+<file path=ppt/slideLayouts/slideLayout16.xml><?xml version="1.0" encoding="utf-8"?>
 <p:sldLayout xmlns:a="http://schemas.openxmlformats.org/drawingml/2006/main" xmlns:r="http://schemas.openxmlformats.org/officeDocument/2006/relationships" xmlns:p="http://schemas.openxmlformats.org/presentationml/2006/main" type="vertTx" preserve="1">
   <p:cSld name="제목 및 세로 텍스트">
     <p:spTree>
@@ -349,13 +2963,7 @@
       </p:grpSpPr>
       <p:sp>
         <p:nvSpPr>
-          <p:cNvPr id="2" name="제목 1">
-            <a:extLst>
-              <a:ext uri="{FF2B5EF4-FFF2-40B4-BE49-F238E27FC236}">
-                <a16:creationId xmlns:a16="http://schemas.microsoft.com/office/drawing/2014/main" id="{B6CDDDB0-D85C-4F69-A651-27DAE296FA1F}"/>
-              </a:ext>
-            </a:extLst>
-          </p:cNvPr>
+          <p:cNvPr id="2" name="Title 1"/>
           <p:cNvSpPr>
             <a:spLocks noGrp="1"/>
           </p:cNvSpPr>
@@ -372,18 +2980,13 @@
               <a:rPr lang="ko-KR" altLang="en-US"/>
               <a:t>마스터 제목 스타일 편집</a:t>
             </a:r>
-          </a:p>
-        </p:txBody>
-      </p:sp>
-      <p:sp>
-        <p:nvSpPr>
-          <p:cNvPr id="3" name="세로 텍스트 개체 틀 2">
-            <a:extLst>
-              <a:ext uri="{FF2B5EF4-FFF2-40B4-BE49-F238E27FC236}">
-                <a16:creationId xmlns:a16="http://schemas.microsoft.com/office/drawing/2014/main" id="{17365F70-B9E5-4FCF-9B5F-E6929A8DDBE1}"/>
-              </a:ext>
-            </a:extLst>
-          </p:cNvPr>
+            <a:endParaRPr lang="en-US" dirty="0"/>
+          </a:p>
+        </p:txBody>
+      </p:sp>
+      <p:sp>
+        <p:nvSpPr>
+          <p:cNvPr id="3" name="Vertical Text Placeholder 2"/>
           <p:cNvSpPr>
             <a:spLocks noGrp="1"/>
           </p:cNvSpPr>
@@ -391,61 +2994,84 @@
             <p:ph type="body" orient="vert" idx="1"/>
           </p:nvPr>
         </p:nvSpPr>
+        <p:spPr>
+          <a:xfrm>
+            <a:off x="685800" y="2194559"/>
+            <a:ext cx="10820400" cy="4024125"/>
+          </a:xfrm>
+        </p:spPr>
+        <p:txBody>
+          <a:bodyPr vert="eaVert"/>
+          <a:lstStyle/>
+          <a:p>
+            <a:pPr lvl="0"/>
+            <a:r>
+              <a:rPr lang="ko-KR" altLang="en-US"/>
+              <a:t>마스터 텍스트 스타일을 편집하려면 클릭</a:t>
+            </a:r>
+          </a:p>
+          <a:p>
+            <a:pPr lvl="1"/>
+            <a:r>
+              <a:rPr lang="ko-KR" altLang="en-US"/>
+              <a:t>두 번째 수준</a:t>
+            </a:r>
+          </a:p>
+          <a:p>
+            <a:pPr lvl="2"/>
+            <a:r>
+              <a:rPr lang="ko-KR" altLang="en-US"/>
+              <a:t>세 번째 수준</a:t>
+            </a:r>
+          </a:p>
+          <a:p>
+            <a:pPr lvl="3"/>
+            <a:r>
+              <a:rPr lang="ko-KR" altLang="en-US"/>
+              <a:t>네 번째 수준</a:t>
+            </a:r>
+          </a:p>
+          <a:p>
+            <a:pPr lvl="4"/>
+            <a:r>
+              <a:rPr lang="ko-KR" altLang="en-US"/>
+              <a:t>다섯 번째 수준</a:t>
+            </a:r>
+            <a:endParaRPr lang="en-US" dirty="0"/>
+          </a:p>
+        </p:txBody>
+      </p:sp>
+      <p:sp>
+        <p:nvSpPr>
+          <p:cNvPr id="4" name="Date Placeholder 3"/>
+          <p:cNvSpPr>
+            <a:spLocks noGrp="1"/>
+          </p:cNvSpPr>
+          <p:nvPr>
+            <p:ph type="dt" sz="half" idx="10"/>
+          </p:nvPr>
+        </p:nvSpPr>
         <p:spPr/>
         <p:txBody>
-          <a:bodyPr vert="eaVert"/>
-          <a:lstStyle/>
-          <a:p>
-            <a:pPr lvl="0"/>
-            <a:r>
-              <a:rPr lang="ko-KR" altLang="en-US"/>
-              <a:t>마스터 텍스트 스타일을 편집하려면 클릭</a:t>
-            </a:r>
-          </a:p>
-          <a:p>
-            <a:pPr lvl="1"/>
-            <a:r>
-              <a:rPr lang="ko-KR" altLang="en-US"/>
-              <a:t>두 번째 수준</a:t>
-            </a:r>
-          </a:p>
-          <a:p>
-            <a:pPr lvl="2"/>
-            <a:r>
-              <a:rPr lang="ko-KR" altLang="en-US"/>
-              <a:t>세 번째 수준</a:t>
-            </a:r>
-          </a:p>
-          <a:p>
-            <a:pPr lvl="3"/>
-            <a:r>
-              <a:rPr lang="ko-KR" altLang="en-US"/>
-              <a:t>네 번째 수준</a:t>
-            </a:r>
-          </a:p>
-          <a:p>
-            <a:pPr lvl="4"/>
-            <a:r>
-              <a:rPr lang="ko-KR" altLang="en-US"/>
-              <a:t>다섯 번째 수준</a:t>
-            </a:r>
-          </a:p>
-        </p:txBody>
-      </p:sp>
-      <p:sp>
-        <p:nvSpPr>
-          <p:cNvPr id="4" name="날짜 개체 틀 3">
-            <a:extLst>
-              <a:ext uri="{FF2B5EF4-FFF2-40B4-BE49-F238E27FC236}">
-                <a16:creationId xmlns:a16="http://schemas.microsoft.com/office/drawing/2014/main" id="{C86E261E-D875-4A38-BACE-4B3D220479D3}"/>
-              </a:ext>
-            </a:extLst>
-          </p:cNvPr>
-          <p:cNvSpPr>
-            <a:spLocks noGrp="1"/>
-          </p:cNvSpPr>
-          <p:nvPr>
-            <p:ph type="dt" sz="half" idx="10"/>
+          <a:bodyPr/>
+          <a:lstStyle/>
+          <a:p>
+            <a:fld id="{48A87A34-81AB-432B-8DAE-1953F412C126}" type="datetimeFigureOut">
+              <a:rPr lang="en-US" smtClean="0"/>
+              <a:t>3/24/2021</a:t>
+            </a:fld>
+            <a:endParaRPr lang="en-US" dirty="0"/>
+          </a:p>
+        </p:txBody>
+      </p:sp>
+      <p:sp>
+        <p:nvSpPr>
+          <p:cNvPr id="5" name="Footer Placeholder 4"/>
+          <p:cNvSpPr>
+            <a:spLocks noGrp="1"/>
+          </p:cNvSpPr>
+          <p:nvPr>
+            <p:ph type="ftr" sz="quarter" idx="11"/>
           </p:nvPr>
         </p:nvSpPr>
         <p:spPr/>
@@ -453,28 +3079,18 @@
           <a:bodyPr/>
           <a:lstStyle/>
           <a:p>
-            <a:fld id="{63613D25-61A7-446A-AC84-753A2DC9F4A8}" type="datetimeFigureOut">
-              <a:rPr lang="ko-KR" altLang="en-US" smtClean="0"/>
-              <a:t>2021-03-21</a:t>
-            </a:fld>
-            <a:endParaRPr lang="ko-KR" altLang="en-US"/>
-          </a:p>
-        </p:txBody>
-      </p:sp>
-      <p:sp>
-        <p:nvSpPr>
-          <p:cNvPr id="5" name="바닥글 개체 틀 4">
-            <a:extLst>
-              <a:ext uri="{FF2B5EF4-FFF2-40B4-BE49-F238E27FC236}">
-                <a16:creationId xmlns:a16="http://schemas.microsoft.com/office/drawing/2014/main" id="{9BD0D03E-95F8-4A1A-AB46-F3A47A96A21F}"/>
-              </a:ext>
-            </a:extLst>
-          </p:cNvPr>
-          <p:cNvSpPr>
-            <a:spLocks noGrp="1"/>
-          </p:cNvSpPr>
-          <p:nvPr>
-            <p:ph type="ftr" sz="quarter" idx="11"/>
+            <a:endParaRPr lang="en-US" dirty="0"/>
+          </a:p>
+        </p:txBody>
+      </p:sp>
+      <p:sp>
+        <p:nvSpPr>
+          <p:cNvPr id="6" name="Slide Number Placeholder 5"/>
+          <p:cNvSpPr>
+            <a:spLocks noGrp="1"/>
+          </p:cNvSpPr>
+          <p:nvPr>
+            <p:ph type="sldNum" sz="quarter" idx="12"/>
           </p:nvPr>
         </p:nvSpPr>
         <p:spPr/>
@@ -482,43 +3098,18 @@
           <a:bodyPr/>
           <a:lstStyle/>
           <a:p>
-            <a:endParaRPr lang="ko-KR" altLang="en-US"/>
-          </a:p>
-        </p:txBody>
-      </p:sp>
-      <p:sp>
-        <p:nvSpPr>
-          <p:cNvPr id="6" name="슬라이드 번호 개체 틀 5">
-            <a:extLst>
-              <a:ext uri="{FF2B5EF4-FFF2-40B4-BE49-F238E27FC236}">
-                <a16:creationId xmlns:a16="http://schemas.microsoft.com/office/drawing/2014/main" id="{1B156BA8-F7D7-45FD-88BC-89D57A140E21}"/>
-              </a:ext>
-            </a:extLst>
-          </p:cNvPr>
-          <p:cNvSpPr>
-            <a:spLocks noGrp="1"/>
-          </p:cNvSpPr>
-          <p:nvPr>
-            <p:ph type="sldNum" sz="quarter" idx="12"/>
-          </p:nvPr>
-        </p:nvSpPr>
-        <p:spPr/>
-        <p:txBody>
-          <a:bodyPr/>
-          <a:lstStyle/>
-          <a:p>
-            <a:fld id="{DDA14245-84F7-4B8A-B578-68EC3355A548}" type="slidenum">
-              <a:rPr lang="ko-KR" altLang="en-US" smtClean="0"/>
+            <a:fld id="{6D22F896-40B5-4ADD-8801-0D06FADFA095}" type="slidenum">
+              <a:rPr lang="en-US" smtClean="0"/>
               <a:t>‹#›</a:t>
             </a:fld>
-            <a:endParaRPr lang="ko-KR" altLang="en-US"/>
+            <a:endParaRPr lang="en-US" dirty="0"/>
           </a:p>
         </p:txBody>
       </p:sp>
     </p:spTree>
     <p:extLst>
       <p:ext uri="{BB962C8B-B14F-4D97-AF65-F5344CB8AC3E}">
-        <p14:creationId xmlns:p14="http://schemas.microsoft.com/office/powerpoint/2010/main" val="2682142914"/>
+        <p14:creationId xmlns:p14="http://schemas.microsoft.com/office/powerpoint/2010/main" val="648840725"/>
       </p:ext>
     </p:extLst>
   </p:cSld>
@@ -528,8 +3119,8 @@
 </p:sldLayout>
 </file>
 
-<file path=ppt/slideLayouts/slideLayout11.xml><?xml version="1.0" encoding="utf-8"?>
-<p:sldLayout xmlns:a="http://schemas.openxmlformats.org/drawingml/2006/main" xmlns:r="http://schemas.openxmlformats.org/officeDocument/2006/relationships" xmlns:p="http://schemas.openxmlformats.org/presentationml/2006/main" type="vertTitleAndTx" preserve="1">
+<file path=ppt/slideLayouts/slideLayout17.xml><?xml version="1.0" encoding="utf-8"?>
+<p:sldLayout xmlns:a="http://schemas.openxmlformats.org/drawingml/2006/main" xmlns:r="http://schemas.openxmlformats.org/officeDocument/2006/relationships" xmlns:p="http://schemas.openxmlformats.org/presentationml/2006/main" showMasterSp="0" type="vertTitleAndTx" preserve="1">
   <p:cSld name="세로 제목 및 텍스트">
     <p:spTree>
       <p:nvGrpSpPr>
@@ -545,15 +3136,39 @@
           <a:chExt cx="0" cy="0"/>
         </a:xfrm>
       </p:grpSpPr>
-      <p:sp>
-        <p:nvSpPr>
-          <p:cNvPr id="2" name="세로 제목 1">
+      <p:pic>
+        <p:nvPicPr>
+          <p:cNvPr id="9" name="Picture 8" descr="C1-HD-BTM.png"/>
+          <p:cNvPicPr>
+            <a:picLocks noChangeAspect="1"/>
+          </p:cNvPicPr>
+          <p:nvPr/>
+        </p:nvPicPr>
+        <p:blipFill>
+          <a:blip r:embed="rId2">
             <a:extLst>
-              <a:ext uri="{FF2B5EF4-FFF2-40B4-BE49-F238E27FC236}">
-                <a16:creationId xmlns:a16="http://schemas.microsoft.com/office/drawing/2014/main" id="{DA8BFC44-A942-42E4-B1F3-956C49F4C113}"/>
+              <a:ext uri="{28A0092B-C50C-407E-A947-70E740481C1C}">
+                <a14:useLocalDpi xmlns:a14="http://schemas.microsoft.com/office/drawing/2010/main" val="0"/>
               </a:ext>
             </a:extLst>
-          </p:cNvPr>
+          </a:blip>
+          <a:stretch>
+            <a:fillRect/>
+          </a:stretch>
+        </p:blipFill>
+        <p:spPr>
+          <a:xfrm>
+            <a:off x="0" y="4375150"/>
+            <a:ext cx="12192000" cy="2482850"/>
+          </a:xfrm>
+          <a:prstGeom prst="rect">
+            <a:avLst/>
+          </a:prstGeom>
+        </p:spPr>
+      </p:pic>
+      <p:sp>
+        <p:nvSpPr>
+          <p:cNvPr id="2" name="Vertical Title 1"/>
           <p:cNvSpPr>
             <a:spLocks noGrp="1"/>
           </p:cNvSpPr>
@@ -563,30 +3178,29 @@
         </p:nvSpPr>
         <p:spPr>
           <a:xfrm>
-            <a:off x="8724900" y="365125"/>
-            <a:ext cx="2628900" cy="5811838"/>
+            <a:off x="9448800" y="745066"/>
+            <a:ext cx="2057400" cy="3903133"/>
           </a:xfrm>
         </p:spPr>
         <p:txBody>
           <a:bodyPr vert="eaVert"/>
-          <a:lstStyle/>
+          <a:lstStyle>
+            <a:lvl1pPr algn="l">
+              <a:defRPr/>
+            </a:lvl1pPr>
+          </a:lstStyle>
           <a:p>
             <a:r>
               <a:rPr lang="ko-KR" altLang="en-US"/>
               <a:t>마스터 제목 스타일 편집</a:t>
             </a:r>
-          </a:p>
-        </p:txBody>
-      </p:sp>
-      <p:sp>
-        <p:nvSpPr>
-          <p:cNvPr id="3" name="세로 텍스트 개체 틀 2">
-            <a:extLst>
-              <a:ext uri="{FF2B5EF4-FFF2-40B4-BE49-F238E27FC236}">
-                <a16:creationId xmlns:a16="http://schemas.microsoft.com/office/drawing/2014/main" id="{2AAE5A44-6D9F-48CA-BE43-842F34A351AF}"/>
-              </a:ext>
-            </a:extLst>
-          </p:cNvPr>
+            <a:endParaRPr lang="en-US" dirty="0"/>
+          </a:p>
+        </p:txBody>
+      </p:sp>
+      <p:sp>
+        <p:nvSpPr>
+          <p:cNvPr id="3" name="Vertical Text Placeholder 2"/>
           <p:cNvSpPr>
             <a:spLocks noGrp="1"/>
           </p:cNvSpPr>
@@ -596,8 +3210,8 @@
         </p:nvSpPr>
         <p:spPr>
           <a:xfrm>
-            <a:off x="838200" y="365125"/>
-            <a:ext cx="7734300" cy="5811838"/>
+            <a:off x="1024466" y="745067"/>
+            <a:ext cx="8204201" cy="3903133"/>
           </a:xfrm>
         </p:spPr>
         <p:txBody>
@@ -637,18 +3251,13 @@
               <a:rPr lang="ko-KR" altLang="en-US"/>
               <a:t>다섯 번째 수준</a:t>
             </a:r>
-          </a:p>
-        </p:txBody>
-      </p:sp>
-      <p:sp>
-        <p:nvSpPr>
-          <p:cNvPr id="4" name="날짜 개체 틀 3">
-            <a:extLst>
-              <a:ext uri="{FF2B5EF4-FFF2-40B4-BE49-F238E27FC236}">
-                <a16:creationId xmlns:a16="http://schemas.microsoft.com/office/drawing/2014/main" id="{61754C45-E41B-4FC4-AF92-DA17C5B716E1}"/>
-              </a:ext>
-            </a:extLst>
-          </p:cNvPr>
+            <a:endParaRPr lang="en-US" dirty="0"/>
+          </a:p>
+        </p:txBody>
+      </p:sp>
+      <p:sp>
+        <p:nvSpPr>
+          <p:cNvPr id="4" name="Date Placeholder 3"/>
           <p:cNvSpPr>
             <a:spLocks noGrp="1"/>
           </p:cNvSpPr>
@@ -656,28 +3265,32 @@
             <p:ph type="dt" sz="half" idx="10"/>
           </p:nvPr>
         </p:nvSpPr>
-        <p:spPr/>
+        <p:spPr>
+          <a:xfrm>
+            <a:off x="7814452" y="379941"/>
+            <a:ext cx="2910840" cy="365125"/>
+          </a:xfrm>
+        </p:spPr>
         <p:txBody>
           <a:bodyPr/>
-          <a:lstStyle/>
-          <a:p>
-            <a:fld id="{63613D25-61A7-446A-AC84-753A2DC9F4A8}" type="datetimeFigureOut">
-              <a:rPr lang="ko-KR" altLang="en-US" smtClean="0"/>
-              <a:t>2021-03-21</a:t>
+          <a:lstStyle>
+            <a:lvl1pPr algn="r">
+              <a:defRPr/>
+            </a:lvl1pPr>
+          </a:lstStyle>
+          <a:p>
+            <a:fld id="{48A87A34-81AB-432B-8DAE-1953F412C126}" type="datetimeFigureOut">
+              <a:rPr lang="en-US" smtClean="0"/>
+              <a:pPr/>
+              <a:t>3/24/2021</a:t>
             </a:fld>
-            <a:endParaRPr lang="ko-KR" altLang="en-US"/>
-          </a:p>
-        </p:txBody>
-      </p:sp>
-      <p:sp>
-        <p:nvSpPr>
-          <p:cNvPr id="5" name="바닥글 개체 틀 4">
-            <a:extLst>
-              <a:ext uri="{FF2B5EF4-FFF2-40B4-BE49-F238E27FC236}">
-                <a16:creationId xmlns:a16="http://schemas.microsoft.com/office/drawing/2014/main" id="{A30D447C-3E34-48B5-8009-951DD316AC6F}"/>
-              </a:ext>
-            </a:extLst>
-          </p:cNvPr>
+            <a:endParaRPr lang="en-US" dirty="0"/>
+          </a:p>
+        </p:txBody>
+      </p:sp>
+      <p:sp>
+        <p:nvSpPr>
+          <p:cNvPr id="5" name="Footer Placeholder 4"/>
           <p:cNvSpPr>
             <a:spLocks noGrp="1"/>
           </p:cNvSpPr>
@@ -685,24 +3298,23 @@
             <p:ph type="ftr" sz="quarter" idx="11"/>
           </p:nvPr>
         </p:nvSpPr>
-        <p:spPr/>
+        <p:spPr>
+          <a:xfrm>
+            <a:off x="685800" y="381000"/>
+            <a:ext cx="6991492" cy="365125"/>
+          </a:xfrm>
+        </p:spPr>
         <p:txBody>
           <a:bodyPr/>
           <a:lstStyle/>
           <a:p>
-            <a:endParaRPr lang="ko-KR" altLang="en-US"/>
-          </a:p>
-        </p:txBody>
-      </p:sp>
-      <p:sp>
-        <p:nvSpPr>
-          <p:cNvPr id="6" name="슬라이드 번호 개체 틀 5">
-            <a:extLst>
-              <a:ext uri="{FF2B5EF4-FFF2-40B4-BE49-F238E27FC236}">
-                <a16:creationId xmlns:a16="http://schemas.microsoft.com/office/drawing/2014/main" id="{9A669389-E525-49FF-AB8B-4B435E289409}"/>
-              </a:ext>
-            </a:extLst>
-          </p:cNvPr>
+            <a:endParaRPr lang="en-US" dirty="0"/>
+          </a:p>
+        </p:txBody>
+      </p:sp>
+      <p:sp>
+        <p:nvSpPr>
+          <p:cNvPr id="6" name="Slide Number Placeholder 5"/>
           <p:cNvSpPr>
             <a:spLocks noGrp="1"/>
           </p:cNvSpPr>
@@ -710,23 +3322,28 @@
             <p:ph type="sldNum" sz="quarter" idx="12"/>
           </p:nvPr>
         </p:nvSpPr>
-        <p:spPr/>
+        <p:spPr>
+          <a:xfrm>
+            <a:off x="10862452" y="381000"/>
+            <a:ext cx="643748" cy="365125"/>
+          </a:xfrm>
+        </p:spPr>
         <p:txBody>
           <a:bodyPr/>
           <a:lstStyle/>
           <a:p>
-            <a:fld id="{DDA14245-84F7-4B8A-B578-68EC3355A548}" type="slidenum">
-              <a:rPr lang="ko-KR" altLang="en-US" smtClean="0"/>
+            <a:fld id="{6D22F896-40B5-4ADD-8801-0D06FADFA095}" type="slidenum">
+              <a:rPr lang="en-US" smtClean="0"/>
               <a:t>‹#›</a:t>
             </a:fld>
-            <a:endParaRPr lang="ko-KR" altLang="en-US"/>
+            <a:endParaRPr lang="en-US" dirty="0"/>
           </a:p>
         </p:txBody>
       </p:sp>
     </p:spTree>
     <p:extLst>
       <p:ext uri="{BB962C8B-B14F-4D97-AF65-F5344CB8AC3E}">
-        <p14:creationId xmlns:p14="http://schemas.microsoft.com/office/powerpoint/2010/main" val="2033898130"/>
+        <p14:creationId xmlns:p14="http://schemas.microsoft.com/office/powerpoint/2010/main" val="332991799"/>
       </p:ext>
     </p:extLst>
   </p:cSld>
@@ -755,13 +3372,7 @@
       </p:grpSpPr>
       <p:sp>
         <p:nvSpPr>
-          <p:cNvPr id="2" name="제목 1">
-            <a:extLst>
-              <a:ext uri="{FF2B5EF4-FFF2-40B4-BE49-F238E27FC236}">
-                <a16:creationId xmlns:a16="http://schemas.microsoft.com/office/drawing/2014/main" id="{8C58764D-B52F-4C74-89C5-03C7822C8590}"/>
-              </a:ext>
-            </a:extLst>
-          </p:cNvPr>
+          <p:cNvPr id="2" name="Title 1"/>
           <p:cNvSpPr>
             <a:spLocks noGrp="1"/>
           </p:cNvSpPr>
@@ -778,18 +3389,13 @@
               <a:rPr lang="ko-KR" altLang="en-US"/>
               <a:t>마스터 제목 스타일 편집</a:t>
             </a:r>
-          </a:p>
-        </p:txBody>
-      </p:sp>
-      <p:sp>
-        <p:nvSpPr>
-          <p:cNvPr id="3" name="내용 개체 틀 2">
-            <a:extLst>
-              <a:ext uri="{FF2B5EF4-FFF2-40B4-BE49-F238E27FC236}">
-                <a16:creationId xmlns:a16="http://schemas.microsoft.com/office/drawing/2014/main" id="{25D322A1-78F9-452D-AEB7-317793D2D6AA}"/>
-              </a:ext>
-            </a:extLst>
-          </p:cNvPr>
+            <a:endParaRPr lang="en-US" dirty="0"/>
+          </a:p>
+        </p:txBody>
+      </p:sp>
+      <p:sp>
+        <p:nvSpPr>
+          <p:cNvPr id="3" name="Content Placeholder 2"/>
           <p:cNvSpPr>
             <a:spLocks noGrp="1"/>
           </p:cNvSpPr>
@@ -835,18 +3441,13 @@
               <a:rPr lang="ko-KR" altLang="en-US"/>
               <a:t>다섯 번째 수준</a:t>
             </a:r>
-          </a:p>
-        </p:txBody>
-      </p:sp>
-      <p:sp>
-        <p:nvSpPr>
-          <p:cNvPr id="4" name="날짜 개체 틀 3">
-            <a:extLst>
-              <a:ext uri="{FF2B5EF4-FFF2-40B4-BE49-F238E27FC236}">
-                <a16:creationId xmlns:a16="http://schemas.microsoft.com/office/drawing/2014/main" id="{2FDA8434-78CE-4992-BF42-1BA325DD5057}"/>
-              </a:ext>
-            </a:extLst>
-          </p:cNvPr>
+            <a:endParaRPr lang="en-US" dirty="0"/>
+          </a:p>
+        </p:txBody>
+      </p:sp>
+      <p:sp>
+        <p:nvSpPr>
+          <p:cNvPr id="4" name="Date Placeholder 3"/>
           <p:cNvSpPr>
             <a:spLocks noGrp="1"/>
           </p:cNvSpPr>
@@ -859,23 +3460,17 @@
           <a:bodyPr/>
           <a:lstStyle/>
           <a:p>
-            <a:fld id="{63613D25-61A7-446A-AC84-753A2DC9F4A8}" type="datetimeFigureOut">
-              <a:rPr lang="ko-KR" altLang="en-US" smtClean="0"/>
-              <a:t>2021-03-21</a:t>
+            <a:fld id="{48A87A34-81AB-432B-8DAE-1953F412C126}" type="datetimeFigureOut">
+              <a:rPr lang="en-US" smtClean="0"/>
+              <a:t>3/24/2021</a:t>
             </a:fld>
-            <a:endParaRPr lang="ko-KR" altLang="en-US"/>
-          </a:p>
-        </p:txBody>
-      </p:sp>
-      <p:sp>
-        <p:nvSpPr>
-          <p:cNvPr id="5" name="바닥글 개체 틀 4">
-            <a:extLst>
-              <a:ext uri="{FF2B5EF4-FFF2-40B4-BE49-F238E27FC236}">
-                <a16:creationId xmlns:a16="http://schemas.microsoft.com/office/drawing/2014/main" id="{AAC536C6-4090-4FD6-AD46-747AF84FD1FA}"/>
-              </a:ext>
-            </a:extLst>
-          </p:cNvPr>
+            <a:endParaRPr lang="en-US" dirty="0"/>
+          </a:p>
+        </p:txBody>
+      </p:sp>
+      <p:sp>
+        <p:nvSpPr>
+          <p:cNvPr id="5" name="Footer Placeholder 4"/>
           <p:cNvSpPr>
             <a:spLocks noGrp="1"/>
           </p:cNvSpPr>
@@ -888,19 +3483,13 @@
           <a:bodyPr/>
           <a:lstStyle/>
           <a:p>
-            <a:endParaRPr lang="ko-KR" altLang="en-US"/>
-          </a:p>
-        </p:txBody>
-      </p:sp>
-      <p:sp>
-        <p:nvSpPr>
-          <p:cNvPr id="6" name="슬라이드 번호 개체 틀 5">
-            <a:extLst>
-              <a:ext uri="{FF2B5EF4-FFF2-40B4-BE49-F238E27FC236}">
-                <a16:creationId xmlns:a16="http://schemas.microsoft.com/office/drawing/2014/main" id="{CA3D0FB1-7377-4464-AD4F-C7B9140B54CA}"/>
-              </a:ext>
-            </a:extLst>
-          </p:cNvPr>
+            <a:endParaRPr lang="en-US" dirty="0"/>
+          </a:p>
+        </p:txBody>
+      </p:sp>
+      <p:sp>
+        <p:nvSpPr>
+          <p:cNvPr id="6" name="Slide Number Placeholder 5"/>
           <p:cNvSpPr>
             <a:spLocks noGrp="1"/>
           </p:cNvSpPr>
@@ -913,18 +3502,18 @@
           <a:bodyPr/>
           <a:lstStyle/>
           <a:p>
-            <a:fld id="{DDA14245-84F7-4B8A-B578-68EC3355A548}" type="slidenum">
-              <a:rPr lang="ko-KR" altLang="en-US" smtClean="0"/>
+            <a:fld id="{6D22F896-40B5-4ADD-8801-0D06FADFA095}" type="slidenum">
+              <a:rPr lang="en-US" smtClean="0"/>
               <a:t>‹#›</a:t>
             </a:fld>
-            <a:endParaRPr lang="ko-KR" altLang="en-US"/>
+            <a:endParaRPr lang="en-US" dirty="0"/>
           </a:p>
         </p:txBody>
       </p:sp>
     </p:spTree>
     <p:extLst>
       <p:ext uri="{BB962C8B-B14F-4D97-AF65-F5344CB8AC3E}">
-        <p14:creationId xmlns:p14="http://schemas.microsoft.com/office/powerpoint/2010/main" val="374683576"/>
+        <p14:creationId xmlns:p14="http://schemas.microsoft.com/office/powerpoint/2010/main" val="2525790831"/>
       </p:ext>
     </p:extLst>
   </p:cSld>
@@ -935,7 +3524,7 @@
 </file>
 
 <file path=ppt/slideLayouts/slideLayout3.xml><?xml version="1.0" encoding="utf-8"?>
-<p:sldLayout xmlns:a="http://schemas.openxmlformats.org/drawingml/2006/main" xmlns:r="http://schemas.openxmlformats.org/officeDocument/2006/relationships" xmlns:p="http://schemas.openxmlformats.org/presentationml/2006/main" type="secHead" preserve="1">
+<p:sldLayout xmlns:a="http://schemas.openxmlformats.org/drawingml/2006/main" xmlns:r="http://schemas.openxmlformats.org/officeDocument/2006/relationships" xmlns:p="http://schemas.openxmlformats.org/presentationml/2006/main" showMasterSp="0" type="secHead" preserve="1">
   <p:cSld name="구역 머리글">
     <p:spTree>
       <p:nvGrpSpPr>
@@ -951,15 +3540,39 @@
           <a:chExt cx="0" cy="0"/>
         </a:xfrm>
       </p:grpSpPr>
-      <p:sp>
-        <p:nvSpPr>
-          <p:cNvPr id="2" name="제목 1">
+      <p:pic>
+        <p:nvPicPr>
+          <p:cNvPr id="8" name="Picture 7" descr="C1-HD-BTM.png"/>
+          <p:cNvPicPr>
+            <a:picLocks noChangeAspect="1"/>
+          </p:cNvPicPr>
+          <p:nvPr/>
+        </p:nvPicPr>
+        <p:blipFill>
+          <a:blip r:embed="rId2">
             <a:extLst>
-              <a:ext uri="{FF2B5EF4-FFF2-40B4-BE49-F238E27FC236}">
-                <a16:creationId xmlns:a16="http://schemas.microsoft.com/office/drawing/2014/main" id="{C1EAC1A7-2066-4B45-99E8-9308B3254623}"/>
+              <a:ext uri="{28A0092B-C50C-407E-A947-70E740481C1C}">
+                <a14:useLocalDpi xmlns:a14="http://schemas.microsoft.com/office/drawing/2010/main" val="0"/>
               </a:ext>
             </a:extLst>
-          </p:cNvPr>
+          </a:blip>
+          <a:stretch>
+            <a:fillRect/>
+          </a:stretch>
+        </p:blipFill>
+        <p:spPr>
+          <a:xfrm>
+            <a:off x="0" y="4375150"/>
+            <a:ext cx="12192000" cy="2482850"/>
+          </a:xfrm>
+          <a:prstGeom prst="rect">
+            <a:avLst/>
+          </a:prstGeom>
+        </p:spPr>
+      </p:pic>
+      <p:sp>
+        <p:nvSpPr>
+          <p:cNvPr id="2" name="Title 1"/>
           <p:cNvSpPr>
             <a:spLocks noGrp="1"/>
           </p:cNvSpPr>
@@ -969,15 +3582,17 @@
         </p:nvSpPr>
         <p:spPr>
           <a:xfrm>
-            <a:off x="831850" y="1709738"/>
-            <a:ext cx="10515600" cy="2852737"/>
-          </a:xfrm>
-        </p:spPr>
-        <p:txBody>
-          <a:bodyPr anchor="b"/>
+            <a:off x="685800" y="753533"/>
+            <a:ext cx="10820399" cy="2801935"/>
+          </a:xfrm>
+        </p:spPr>
+        <p:txBody>
+          <a:bodyPr anchor="b">
+            <a:normAutofit/>
+          </a:bodyPr>
           <a:lstStyle>
-            <a:lvl1pPr>
-              <a:defRPr sz="6000"/>
+            <a:lvl1pPr algn="r">
+              <a:defRPr sz="4000"/>
             </a:lvl1pPr>
           </a:lstStyle>
           <a:p>
@@ -985,18 +3600,13 @@
               <a:rPr lang="ko-KR" altLang="en-US"/>
               <a:t>마스터 제목 스타일 편집</a:t>
             </a:r>
-          </a:p>
-        </p:txBody>
-      </p:sp>
-      <p:sp>
-        <p:nvSpPr>
-          <p:cNvPr id="3" name="텍스트 개체 틀 2">
-            <a:extLst>
-              <a:ext uri="{FF2B5EF4-FFF2-40B4-BE49-F238E27FC236}">
-                <a16:creationId xmlns:a16="http://schemas.microsoft.com/office/drawing/2014/main" id="{34C0CA95-ECD1-48F3-AFD6-5DC3B30068EC}"/>
-              </a:ext>
-            </a:extLst>
-          </p:cNvPr>
+            <a:endParaRPr lang="en-US" dirty="0"/>
+          </a:p>
+        </p:txBody>
+      </p:sp>
+      <p:sp>
+        <p:nvSpPr>
+          <p:cNvPr id="3" name="Text Placeholder 2"/>
           <p:cNvSpPr>
             <a:spLocks noGrp="1"/>
           </p:cNvSpPr>
@@ -1006,16 +3616,18 @@
         </p:nvSpPr>
         <p:spPr>
           <a:xfrm>
-            <a:off x="831850" y="4589463"/>
-            <a:ext cx="10515600" cy="1500187"/>
-          </a:xfrm>
-        </p:spPr>
-        <p:txBody>
-          <a:bodyPr/>
+            <a:off x="1024467" y="3641725"/>
+            <a:ext cx="10490200" cy="955675"/>
+          </a:xfrm>
+        </p:spPr>
+        <p:txBody>
+          <a:bodyPr>
+            <a:normAutofit/>
+          </a:bodyPr>
           <a:lstStyle>
-            <a:lvl1pPr marL="0" indent="0">
-              <a:buNone/>
-              <a:defRPr sz="2400">
+            <a:lvl1pPr marL="0" indent="0" algn="r">
+              <a:buNone/>
+              <a:defRPr sz="2200">
                 <a:solidFill>
                   <a:schemeClr val="tx1">
                     <a:tint val="75000"/>
@@ -1115,13 +3727,7 @@
       </p:sp>
       <p:sp>
         <p:nvSpPr>
-          <p:cNvPr id="4" name="날짜 개체 틀 3">
-            <a:extLst>
-              <a:ext uri="{FF2B5EF4-FFF2-40B4-BE49-F238E27FC236}">
-                <a16:creationId xmlns:a16="http://schemas.microsoft.com/office/drawing/2014/main" id="{6BCBC654-4527-4271-98AE-F19939F06D46}"/>
-              </a:ext>
-            </a:extLst>
-          </p:cNvPr>
+          <p:cNvPr id="4" name="Date Placeholder 3"/>
           <p:cNvSpPr>
             <a:spLocks noGrp="1"/>
           </p:cNvSpPr>
@@ -1129,28 +3735,32 @@
             <p:ph type="dt" sz="half" idx="10"/>
           </p:nvPr>
         </p:nvSpPr>
-        <p:spPr/>
+        <p:spPr>
+          <a:xfrm>
+            <a:off x="7814452" y="381000"/>
+            <a:ext cx="2910840" cy="365125"/>
+          </a:xfrm>
+        </p:spPr>
         <p:txBody>
           <a:bodyPr/>
-          <a:lstStyle/>
-          <a:p>
-            <a:fld id="{63613D25-61A7-446A-AC84-753A2DC9F4A8}" type="datetimeFigureOut">
-              <a:rPr lang="ko-KR" altLang="en-US" smtClean="0"/>
-              <a:t>2021-03-21</a:t>
+          <a:lstStyle>
+            <a:lvl1pPr algn="r">
+              <a:defRPr/>
+            </a:lvl1pPr>
+          </a:lstStyle>
+          <a:p>
+            <a:fld id="{48A87A34-81AB-432B-8DAE-1953F412C126}" type="datetimeFigureOut">
+              <a:rPr lang="en-US" smtClean="0"/>
+              <a:pPr/>
+              <a:t>3/24/2021</a:t>
             </a:fld>
-            <a:endParaRPr lang="ko-KR" altLang="en-US"/>
-          </a:p>
-        </p:txBody>
-      </p:sp>
-      <p:sp>
-        <p:nvSpPr>
-          <p:cNvPr id="5" name="바닥글 개체 틀 4">
-            <a:extLst>
-              <a:ext uri="{FF2B5EF4-FFF2-40B4-BE49-F238E27FC236}">
-                <a16:creationId xmlns:a16="http://schemas.microsoft.com/office/drawing/2014/main" id="{0BEB6406-B985-4335-889B-F19BACF4DB05}"/>
-              </a:ext>
-            </a:extLst>
-          </p:cNvPr>
+            <a:endParaRPr lang="en-US" dirty="0"/>
+          </a:p>
+        </p:txBody>
+      </p:sp>
+      <p:sp>
+        <p:nvSpPr>
+          <p:cNvPr id="5" name="Footer Placeholder 4"/>
           <p:cNvSpPr>
             <a:spLocks noGrp="1"/>
           </p:cNvSpPr>
@@ -1158,24 +3768,23 @@
             <p:ph type="ftr" sz="quarter" idx="11"/>
           </p:nvPr>
         </p:nvSpPr>
-        <p:spPr/>
+        <p:spPr>
+          <a:xfrm>
+            <a:off x="685800" y="381001"/>
+            <a:ext cx="6991492" cy="364065"/>
+          </a:xfrm>
+        </p:spPr>
         <p:txBody>
           <a:bodyPr/>
           <a:lstStyle/>
           <a:p>
-            <a:endParaRPr lang="ko-KR" altLang="en-US"/>
-          </a:p>
-        </p:txBody>
-      </p:sp>
-      <p:sp>
-        <p:nvSpPr>
-          <p:cNvPr id="6" name="슬라이드 번호 개체 틀 5">
-            <a:extLst>
-              <a:ext uri="{FF2B5EF4-FFF2-40B4-BE49-F238E27FC236}">
-                <a16:creationId xmlns:a16="http://schemas.microsoft.com/office/drawing/2014/main" id="{74E22CF4-3619-46DD-BC08-278D57F49F7F}"/>
-              </a:ext>
-            </a:extLst>
-          </p:cNvPr>
+            <a:endParaRPr lang="en-US" dirty="0"/>
+          </a:p>
+        </p:txBody>
+      </p:sp>
+      <p:sp>
+        <p:nvSpPr>
+          <p:cNvPr id="6" name="Slide Number Placeholder 5"/>
           <p:cNvSpPr>
             <a:spLocks noGrp="1"/>
           </p:cNvSpPr>
@@ -1183,23 +3792,28 @@
             <p:ph type="sldNum" sz="quarter" idx="12"/>
           </p:nvPr>
         </p:nvSpPr>
-        <p:spPr/>
+        <p:spPr>
+          <a:xfrm>
+            <a:off x="10862452" y="381000"/>
+            <a:ext cx="643748" cy="365125"/>
+          </a:xfrm>
+        </p:spPr>
         <p:txBody>
           <a:bodyPr/>
           <a:lstStyle/>
           <a:p>
-            <a:fld id="{DDA14245-84F7-4B8A-B578-68EC3355A548}" type="slidenum">
-              <a:rPr lang="ko-KR" altLang="en-US" smtClean="0"/>
+            <a:fld id="{6D22F896-40B5-4ADD-8801-0D06FADFA095}" type="slidenum">
+              <a:rPr lang="en-US" smtClean="0"/>
               <a:t>‹#›</a:t>
             </a:fld>
-            <a:endParaRPr lang="ko-KR" altLang="en-US"/>
+            <a:endParaRPr lang="en-US" dirty="0"/>
           </a:p>
         </p:txBody>
       </p:sp>
     </p:spTree>
     <p:extLst>
       <p:ext uri="{BB962C8B-B14F-4D97-AF65-F5344CB8AC3E}">
-        <p14:creationId xmlns:p14="http://schemas.microsoft.com/office/powerpoint/2010/main" val="1533543082"/>
+        <p14:creationId xmlns:p14="http://schemas.microsoft.com/office/powerpoint/2010/main" val="2686491432"/>
       </p:ext>
     </p:extLst>
   </p:cSld>
@@ -1228,13 +3842,7 @@
       </p:grpSpPr>
       <p:sp>
         <p:nvSpPr>
-          <p:cNvPr id="2" name="제목 1">
-            <a:extLst>
-              <a:ext uri="{FF2B5EF4-FFF2-40B4-BE49-F238E27FC236}">
-                <a16:creationId xmlns:a16="http://schemas.microsoft.com/office/drawing/2014/main" id="{1CFAED73-2DF4-4D77-B92A-819DDBF4ED69}"/>
-              </a:ext>
-            </a:extLst>
-          </p:cNvPr>
+          <p:cNvPr id="2" name="Title 1"/>
           <p:cNvSpPr>
             <a:spLocks noGrp="1"/>
           </p:cNvSpPr>
@@ -1251,18 +3859,13 @@
               <a:rPr lang="ko-KR" altLang="en-US"/>
               <a:t>마스터 제목 스타일 편집</a:t>
             </a:r>
-          </a:p>
-        </p:txBody>
-      </p:sp>
-      <p:sp>
-        <p:nvSpPr>
-          <p:cNvPr id="3" name="내용 개체 틀 2">
-            <a:extLst>
-              <a:ext uri="{FF2B5EF4-FFF2-40B4-BE49-F238E27FC236}">
-                <a16:creationId xmlns:a16="http://schemas.microsoft.com/office/drawing/2014/main" id="{372A7135-477D-4E09-8111-CD0420810A6B}"/>
-              </a:ext>
-            </a:extLst>
-          </p:cNvPr>
+            <a:endParaRPr lang="en-US" dirty="0"/>
+          </a:p>
+        </p:txBody>
+      </p:sp>
+      <p:sp>
+        <p:nvSpPr>
+          <p:cNvPr id="3" name="Content Placeholder 2"/>
           <p:cNvSpPr>
             <a:spLocks noGrp="1"/>
           </p:cNvSpPr>
@@ -1272,8 +3875,8 @@
         </p:nvSpPr>
         <p:spPr>
           <a:xfrm>
-            <a:off x="838200" y="1825625"/>
-            <a:ext cx="5181600" cy="4351338"/>
+            <a:off x="685800" y="2194559"/>
+            <a:ext cx="5334000" cy="4024125"/>
           </a:xfrm>
         </p:spPr>
         <p:txBody>
@@ -1313,18 +3916,13 @@
               <a:rPr lang="ko-KR" altLang="en-US"/>
               <a:t>다섯 번째 수준</a:t>
             </a:r>
-          </a:p>
-        </p:txBody>
-      </p:sp>
-      <p:sp>
-        <p:nvSpPr>
-          <p:cNvPr id="4" name="내용 개체 틀 3">
-            <a:extLst>
-              <a:ext uri="{FF2B5EF4-FFF2-40B4-BE49-F238E27FC236}">
-                <a16:creationId xmlns:a16="http://schemas.microsoft.com/office/drawing/2014/main" id="{566D1808-161F-471C-BE73-BDFCBE3CF55C}"/>
-              </a:ext>
-            </a:extLst>
-          </p:cNvPr>
+            <a:endParaRPr lang="en-US" dirty="0"/>
+          </a:p>
+        </p:txBody>
+      </p:sp>
+      <p:sp>
+        <p:nvSpPr>
+          <p:cNvPr id="4" name="Content Placeholder 3"/>
           <p:cNvSpPr>
             <a:spLocks noGrp="1"/>
           </p:cNvSpPr>
@@ -1334,8 +3932,8 @@
         </p:nvSpPr>
         <p:spPr>
           <a:xfrm>
-            <a:off x="6172200" y="1825625"/>
-            <a:ext cx="5181600" cy="4351338"/>
+            <a:off x="6172200" y="2194559"/>
+            <a:ext cx="5334000" cy="4024125"/>
           </a:xfrm>
         </p:spPr>
         <p:txBody>
@@ -1375,18 +3973,13 @@
               <a:rPr lang="ko-KR" altLang="en-US"/>
               <a:t>다섯 번째 수준</a:t>
             </a:r>
-          </a:p>
-        </p:txBody>
-      </p:sp>
-      <p:sp>
-        <p:nvSpPr>
-          <p:cNvPr id="5" name="날짜 개체 틀 4">
-            <a:extLst>
-              <a:ext uri="{FF2B5EF4-FFF2-40B4-BE49-F238E27FC236}">
-                <a16:creationId xmlns:a16="http://schemas.microsoft.com/office/drawing/2014/main" id="{184563A8-1E4B-40E3-AE68-6EC2D400013A}"/>
-              </a:ext>
-            </a:extLst>
-          </p:cNvPr>
+            <a:endParaRPr lang="en-US" dirty="0"/>
+          </a:p>
+        </p:txBody>
+      </p:sp>
+      <p:sp>
+        <p:nvSpPr>
+          <p:cNvPr id="5" name="Date Placeholder 4"/>
           <p:cNvSpPr>
             <a:spLocks noGrp="1"/>
           </p:cNvSpPr>
@@ -1399,23 +3992,17 @@
           <a:bodyPr/>
           <a:lstStyle/>
           <a:p>
-            <a:fld id="{63613D25-61A7-446A-AC84-753A2DC9F4A8}" type="datetimeFigureOut">
-              <a:rPr lang="ko-KR" altLang="en-US" smtClean="0"/>
-              <a:t>2021-03-21</a:t>
+            <a:fld id="{48A87A34-81AB-432B-8DAE-1953F412C126}" type="datetimeFigureOut">
+              <a:rPr lang="en-US" smtClean="0"/>
+              <a:t>3/24/2021</a:t>
             </a:fld>
-            <a:endParaRPr lang="ko-KR" altLang="en-US"/>
-          </a:p>
-        </p:txBody>
-      </p:sp>
-      <p:sp>
-        <p:nvSpPr>
-          <p:cNvPr id="6" name="바닥글 개체 틀 5">
-            <a:extLst>
-              <a:ext uri="{FF2B5EF4-FFF2-40B4-BE49-F238E27FC236}">
-                <a16:creationId xmlns:a16="http://schemas.microsoft.com/office/drawing/2014/main" id="{861B56FA-37B4-4793-9C1B-BA248C219117}"/>
-              </a:ext>
-            </a:extLst>
-          </p:cNvPr>
+            <a:endParaRPr lang="en-US" dirty="0"/>
+          </a:p>
+        </p:txBody>
+      </p:sp>
+      <p:sp>
+        <p:nvSpPr>
+          <p:cNvPr id="6" name="Footer Placeholder 5"/>
           <p:cNvSpPr>
             <a:spLocks noGrp="1"/>
           </p:cNvSpPr>
@@ -1428,19 +4015,13 @@
           <a:bodyPr/>
           <a:lstStyle/>
           <a:p>
-            <a:endParaRPr lang="ko-KR" altLang="en-US"/>
-          </a:p>
-        </p:txBody>
-      </p:sp>
-      <p:sp>
-        <p:nvSpPr>
-          <p:cNvPr id="7" name="슬라이드 번호 개체 틀 6">
-            <a:extLst>
-              <a:ext uri="{FF2B5EF4-FFF2-40B4-BE49-F238E27FC236}">
-                <a16:creationId xmlns:a16="http://schemas.microsoft.com/office/drawing/2014/main" id="{84F01798-80E6-4C7D-B4AC-7C605CBB75E8}"/>
-              </a:ext>
-            </a:extLst>
-          </p:cNvPr>
+            <a:endParaRPr lang="en-US" dirty="0"/>
+          </a:p>
+        </p:txBody>
+      </p:sp>
+      <p:sp>
+        <p:nvSpPr>
+          <p:cNvPr id="7" name="Slide Number Placeholder 6"/>
           <p:cNvSpPr>
             <a:spLocks noGrp="1"/>
           </p:cNvSpPr>
@@ -1453,18 +4034,18 @@
           <a:bodyPr/>
           <a:lstStyle/>
           <a:p>
-            <a:fld id="{DDA14245-84F7-4B8A-B578-68EC3355A548}" type="slidenum">
-              <a:rPr lang="ko-KR" altLang="en-US" smtClean="0"/>
+            <a:fld id="{6D22F896-40B5-4ADD-8801-0D06FADFA095}" type="slidenum">
+              <a:rPr lang="en-US" smtClean="0"/>
               <a:t>‹#›</a:t>
             </a:fld>
-            <a:endParaRPr lang="ko-KR" altLang="en-US"/>
+            <a:endParaRPr lang="en-US" dirty="0"/>
           </a:p>
         </p:txBody>
       </p:sp>
     </p:spTree>
     <p:extLst>
       <p:ext uri="{BB962C8B-B14F-4D97-AF65-F5344CB8AC3E}">
-        <p14:creationId xmlns:p14="http://schemas.microsoft.com/office/powerpoint/2010/main" val="2446591972"/>
+        <p14:creationId xmlns:p14="http://schemas.microsoft.com/office/powerpoint/2010/main" val="4174237253"/>
       </p:ext>
     </p:extLst>
   </p:cSld>
@@ -1493,13 +4074,7 @@
       </p:grpSpPr>
       <p:sp>
         <p:nvSpPr>
-          <p:cNvPr id="2" name="제목 1">
-            <a:extLst>
-              <a:ext uri="{FF2B5EF4-FFF2-40B4-BE49-F238E27FC236}">
-                <a16:creationId xmlns:a16="http://schemas.microsoft.com/office/drawing/2014/main" id="{726DE3EF-C093-461D-A84C-6F69AEA75A8D}"/>
-              </a:ext>
-            </a:extLst>
-          </p:cNvPr>
+          <p:cNvPr id="2" name="Title 1"/>
           <p:cNvSpPr>
             <a:spLocks noGrp="1"/>
           </p:cNvSpPr>
@@ -1509,8 +4084,8 @@
         </p:nvSpPr>
         <p:spPr>
           <a:xfrm>
-            <a:off x="839788" y="365125"/>
-            <a:ext cx="10515600" cy="1325563"/>
+            <a:off x="2895600" y="762000"/>
+            <a:ext cx="8610600" cy="1295400"/>
           </a:xfrm>
         </p:spPr>
         <p:txBody>
@@ -1521,18 +4096,13 @@
               <a:rPr lang="ko-KR" altLang="en-US"/>
               <a:t>마스터 제목 스타일 편집</a:t>
             </a:r>
-          </a:p>
-        </p:txBody>
-      </p:sp>
-      <p:sp>
-        <p:nvSpPr>
-          <p:cNvPr id="3" name="텍스트 개체 틀 2">
-            <a:extLst>
-              <a:ext uri="{FF2B5EF4-FFF2-40B4-BE49-F238E27FC236}">
-                <a16:creationId xmlns:a16="http://schemas.microsoft.com/office/drawing/2014/main" id="{A5736B36-17F6-48F3-A76E-DD0D2FBE133A}"/>
-              </a:ext>
-            </a:extLst>
-          </p:cNvPr>
+            <a:endParaRPr lang="en-US" dirty="0"/>
+          </a:p>
+        </p:txBody>
+      </p:sp>
+      <p:sp>
+        <p:nvSpPr>
+          <p:cNvPr id="3" name="Text Placeholder 2"/>
           <p:cNvSpPr>
             <a:spLocks noGrp="1"/>
           </p:cNvSpPr>
@@ -1542,16 +4112,22 @@
         </p:nvSpPr>
         <p:spPr>
           <a:xfrm>
-            <a:off x="839788" y="1681163"/>
-            <a:ext cx="5157787" cy="823912"/>
-          </a:xfrm>
-        </p:spPr>
-        <p:txBody>
-          <a:bodyPr anchor="b"/>
+            <a:off x="914409" y="2183802"/>
+            <a:ext cx="5079991" cy="823912"/>
+          </a:xfrm>
+        </p:spPr>
+        <p:txBody>
+          <a:bodyPr anchor="b">
+            <a:normAutofit/>
+          </a:bodyPr>
           <a:lstStyle>
             <a:lvl1pPr marL="0" indent="0">
               <a:buNone/>
-              <a:defRPr sz="2400" b="1"/>
+              <a:defRPr sz="2800" b="0">
+                <a:solidFill>
+                  <a:schemeClr val="tx1"/>
+                </a:solidFill>
+              </a:defRPr>
             </a:lvl1pPr>
             <a:lvl2pPr marL="457200" indent="0">
               <a:buNone/>
@@ -1597,13 +4173,7 @@
       </p:sp>
       <p:sp>
         <p:nvSpPr>
-          <p:cNvPr id="4" name="내용 개체 틀 3">
-            <a:extLst>
-              <a:ext uri="{FF2B5EF4-FFF2-40B4-BE49-F238E27FC236}">
-                <a16:creationId xmlns:a16="http://schemas.microsoft.com/office/drawing/2014/main" id="{45A3DCDD-8F4F-4CD5-B67D-4817F46B190E}"/>
-              </a:ext>
-            </a:extLst>
-          </p:cNvPr>
+          <p:cNvPr id="4" name="Content Placeholder 3"/>
           <p:cNvSpPr>
             <a:spLocks noGrp="1"/>
           </p:cNvSpPr>
@@ -1613,8 +4183,8 @@
         </p:nvSpPr>
         <p:spPr>
           <a:xfrm>
-            <a:off x="839788" y="2505075"/>
-            <a:ext cx="5157787" cy="3684588"/>
+            <a:off x="685800" y="3132666"/>
+            <a:ext cx="5311775" cy="3086019"/>
           </a:xfrm>
         </p:spPr>
         <p:txBody>
@@ -1654,18 +4224,13 @@
               <a:rPr lang="ko-KR" altLang="en-US"/>
               <a:t>다섯 번째 수준</a:t>
             </a:r>
-          </a:p>
-        </p:txBody>
-      </p:sp>
-      <p:sp>
-        <p:nvSpPr>
-          <p:cNvPr id="5" name="텍스트 개체 틀 4">
-            <a:extLst>
-              <a:ext uri="{FF2B5EF4-FFF2-40B4-BE49-F238E27FC236}">
-                <a16:creationId xmlns:a16="http://schemas.microsoft.com/office/drawing/2014/main" id="{97112B42-99AE-4ADE-A720-74BFB75AE247}"/>
-              </a:ext>
-            </a:extLst>
-          </p:cNvPr>
+            <a:endParaRPr lang="en-US" dirty="0"/>
+          </a:p>
+        </p:txBody>
+      </p:sp>
+      <p:sp>
+        <p:nvSpPr>
+          <p:cNvPr id="5" name="Text Placeholder 4"/>
           <p:cNvSpPr>
             <a:spLocks noGrp="1"/>
           </p:cNvSpPr>
@@ -1675,16 +4240,22 @@
         </p:nvSpPr>
         <p:spPr>
           <a:xfrm>
-            <a:off x="6172200" y="1681163"/>
-            <a:ext cx="5183188" cy="823912"/>
-          </a:xfrm>
-        </p:spPr>
-        <p:txBody>
-          <a:bodyPr anchor="b"/>
+            <a:off x="6400800" y="2183802"/>
+            <a:ext cx="5105400" cy="823912"/>
+          </a:xfrm>
+        </p:spPr>
+        <p:txBody>
+          <a:bodyPr anchor="b">
+            <a:normAutofit/>
+          </a:bodyPr>
           <a:lstStyle>
             <a:lvl1pPr marL="0" indent="0">
               <a:buNone/>
-              <a:defRPr sz="2400" b="1"/>
+              <a:defRPr sz="2800" b="0">
+                <a:solidFill>
+                  <a:schemeClr val="tx1"/>
+                </a:solidFill>
+              </a:defRPr>
             </a:lvl1pPr>
             <a:lvl2pPr marL="457200" indent="0">
               <a:buNone/>
@@ -1730,13 +4301,7 @@
       </p:sp>
       <p:sp>
         <p:nvSpPr>
-          <p:cNvPr id="6" name="내용 개체 틀 5">
-            <a:extLst>
-              <a:ext uri="{FF2B5EF4-FFF2-40B4-BE49-F238E27FC236}">
-                <a16:creationId xmlns:a16="http://schemas.microsoft.com/office/drawing/2014/main" id="{59F48796-1CAB-498F-B82F-AF6F49BE3D46}"/>
-              </a:ext>
-            </a:extLst>
-          </p:cNvPr>
+          <p:cNvPr id="6" name="Content Placeholder 5"/>
           <p:cNvSpPr>
             <a:spLocks noGrp="1"/>
           </p:cNvSpPr>
@@ -1746,8 +4311,8 @@
         </p:nvSpPr>
         <p:spPr>
           <a:xfrm>
-            <a:off x="6172200" y="2505075"/>
-            <a:ext cx="5183188" cy="3684588"/>
+            <a:off x="6172200" y="3132666"/>
+            <a:ext cx="5334000" cy="3086019"/>
           </a:xfrm>
         </p:spPr>
         <p:txBody>
@@ -1787,18 +4352,13 @@
               <a:rPr lang="ko-KR" altLang="en-US"/>
               <a:t>다섯 번째 수준</a:t>
             </a:r>
-          </a:p>
-        </p:txBody>
-      </p:sp>
-      <p:sp>
-        <p:nvSpPr>
-          <p:cNvPr id="7" name="날짜 개체 틀 6">
-            <a:extLst>
-              <a:ext uri="{FF2B5EF4-FFF2-40B4-BE49-F238E27FC236}">
-                <a16:creationId xmlns:a16="http://schemas.microsoft.com/office/drawing/2014/main" id="{D15D4669-D3D7-4E37-BFA9-5DFBA4124D13}"/>
-              </a:ext>
-            </a:extLst>
-          </p:cNvPr>
+            <a:endParaRPr lang="en-US" dirty="0"/>
+          </a:p>
+        </p:txBody>
+      </p:sp>
+      <p:sp>
+        <p:nvSpPr>
+          <p:cNvPr id="7" name="Date Placeholder 6"/>
           <p:cNvSpPr>
             <a:spLocks noGrp="1"/>
           </p:cNvSpPr>
@@ -1811,23 +4371,17 @@
           <a:bodyPr/>
           <a:lstStyle/>
           <a:p>
-            <a:fld id="{63613D25-61A7-446A-AC84-753A2DC9F4A8}" type="datetimeFigureOut">
-              <a:rPr lang="ko-KR" altLang="en-US" smtClean="0"/>
-              <a:t>2021-03-21</a:t>
+            <a:fld id="{48A87A34-81AB-432B-8DAE-1953F412C126}" type="datetimeFigureOut">
+              <a:rPr lang="en-US" smtClean="0"/>
+              <a:t>3/24/2021</a:t>
             </a:fld>
-            <a:endParaRPr lang="ko-KR" altLang="en-US"/>
-          </a:p>
-        </p:txBody>
-      </p:sp>
-      <p:sp>
-        <p:nvSpPr>
-          <p:cNvPr id="8" name="바닥글 개체 틀 7">
-            <a:extLst>
-              <a:ext uri="{FF2B5EF4-FFF2-40B4-BE49-F238E27FC236}">
-                <a16:creationId xmlns:a16="http://schemas.microsoft.com/office/drawing/2014/main" id="{C7D827BC-49C2-4B7E-B8BC-F25BC1B45028}"/>
-              </a:ext>
-            </a:extLst>
-          </p:cNvPr>
+            <a:endParaRPr lang="en-US" dirty="0"/>
+          </a:p>
+        </p:txBody>
+      </p:sp>
+      <p:sp>
+        <p:nvSpPr>
+          <p:cNvPr id="8" name="Footer Placeholder 7"/>
           <p:cNvSpPr>
             <a:spLocks noGrp="1"/>
           </p:cNvSpPr>
@@ -1840,19 +4394,13 @@
           <a:bodyPr/>
           <a:lstStyle/>
           <a:p>
-            <a:endParaRPr lang="ko-KR" altLang="en-US"/>
-          </a:p>
-        </p:txBody>
-      </p:sp>
-      <p:sp>
-        <p:nvSpPr>
-          <p:cNvPr id="9" name="슬라이드 번호 개체 틀 8">
-            <a:extLst>
-              <a:ext uri="{FF2B5EF4-FFF2-40B4-BE49-F238E27FC236}">
-                <a16:creationId xmlns:a16="http://schemas.microsoft.com/office/drawing/2014/main" id="{02FDAD4A-0B55-415D-9FE6-7B0B8D1E8CD6}"/>
-              </a:ext>
-            </a:extLst>
-          </p:cNvPr>
+            <a:endParaRPr lang="en-US" dirty="0"/>
+          </a:p>
+        </p:txBody>
+      </p:sp>
+      <p:sp>
+        <p:nvSpPr>
+          <p:cNvPr id="9" name="Slide Number Placeholder 8"/>
           <p:cNvSpPr>
             <a:spLocks noGrp="1"/>
           </p:cNvSpPr>
@@ -1865,18 +4413,18 @@
           <a:bodyPr/>
           <a:lstStyle/>
           <a:p>
-            <a:fld id="{DDA14245-84F7-4B8A-B578-68EC3355A548}" type="slidenum">
-              <a:rPr lang="ko-KR" altLang="en-US" smtClean="0"/>
+            <a:fld id="{6D22F896-40B5-4ADD-8801-0D06FADFA095}" type="slidenum">
+              <a:rPr lang="en-US" smtClean="0"/>
               <a:t>‹#›</a:t>
             </a:fld>
-            <a:endParaRPr lang="ko-KR" altLang="en-US"/>
+            <a:endParaRPr lang="en-US" dirty="0"/>
           </a:p>
         </p:txBody>
       </p:sp>
     </p:spTree>
     <p:extLst>
       <p:ext uri="{BB962C8B-B14F-4D97-AF65-F5344CB8AC3E}">
-        <p14:creationId xmlns:p14="http://schemas.microsoft.com/office/powerpoint/2010/main" val="3083955756"/>
+        <p14:creationId xmlns:p14="http://schemas.microsoft.com/office/powerpoint/2010/main" val="1601553353"/>
       </p:ext>
     </p:extLst>
   </p:cSld>
@@ -1905,13 +4453,7 @@
       </p:grpSpPr>
       <p:sp>
         <p:nvSpPr>
-          <p:cNvPr id="2" name="제목 1">
-            <a:extLst>
-              <a:ext uri="{FF2B5EF4-FFF2-40B4-BE49-F238E27FC236}">
-                <a16:creationId xmlns:a16="http://schemas.microsoft.com/office/drawing/2014/main" id="{2E2A035A-CD92-496D-98B7-E125F49C094C}"/>
-              </a:ext>
-            </a:extLst>
-          </p:cNvPr>
+          <p:cNvPr id="2" name="Title 1"/>
           <p:cNvSpPr>
             <a:spLocks noGrp="1"/>
           </p:cNvSpPr>
@@ -1928,18 +4470,13 @@
               <a:rPr lang="ko-KR" altLang="en-US"/>
               <a:t>마스터 제목 스타일 편집</a:t>
             </a:r>
-          </a:p>
-        </p:txBody>
-      </p:sp>
-      <p:sp>
-        <p:nvSpPr>
-          <p:cNvPr id="3" name="날짜 개체 틀 2">
-            <a:extLst>
-              <a:ext uri="{FF2B5EF4-FFF2-40B4-BE49-F238E27FC236}">
-                <a16:creationId xmlns:a16="http://schemas.microsoft.com/office/drawing/2014/main" id="{C32EC8EC-0FA9-4D62-8863-A3A3F9175D38}"/>
-              </a:ext>
-            </a:extLst>
-          </p:cNvPr>
+            <a:endParaRPr lang="en-US" dirty="0"/>
+          </a:p>
+        </p:txBody>
+      </p:sp>
+      <p:sp>
+        <p:nvSpPr>
+          <p:cNvPr id="3" name="Date Placeholder 2"/>
           <p:cNvSpPr>
             <a:spLocks noGrp="1"/>
           </p:cNvSpPr>
@@ -1952,23 +4489,17 @@
           <a:bodyPr/>
           <a:lstStyle/>
           <a:p>
-            <a:fld id="{63613D25-61A7-446A-AC84-753A2DC9F4A8}" type="datetimeFigureOut">
-              <a:rPr lang="ko-KR" altLang="en-US" smtClean="0"/>
-              <a:t>2021-03-21</a:t>
+            <a:fld id="{48A87A34-81AB-432B-8DAE-1953F412C126}" type="datetimeFigureOut">
+              <a:rPr lang="en-US" smtClean="0"/>
+              <a:t>3/24/2021</a:t>
             </a:fld>
-            <a:endParaRPr lang="ko-KR" altLang="en-US"/>
-          </a:p>
-        </p:txBody>
-      </p:sp>
-      <p:sp>
-        <p:nvSpPr>
-          <p:cNvPr id="4" name="바닥글 개체 틀 3">
-            <a:extLst>
-              <a:ext uri="{FF2B5EF4-FFF2-40B4-BE49-F238E27FC236}">
-                <a16:creationId xmlns:a16="http://schemas.microsoft.com/office/drawing/2014/main" id="{3AB94CE4-1C40-4755-B4D0-8616A4052287}"/>
-              </a:ext>
-            </a:extLst>
-          </p:cNvPr>
+            <a:endParaRPr lang="en-US" dirty="0"/>
+          </a:p>
+        </p:txBody>
+      </p:sp>
+      <p:sp>
+        <p:nvSpPr>
+          <p:cNvPr id="4" name="Footer Placeholder 3"/>
           <p:cNvSpPr>
             <a:spLocks noGrp="1"/>
           </p:cNvSpPr>
@@ -1981,19 +4512,13 @@
           <a:bodyPr/>
           <a:lstStyle/>
           <a:p>
-            <a:endParaRPr lang="ko-KR" altLang="en-US"/>
-          </a:p>
-        </p:txBody>
-      </p:sp>
-      <p:sp>
-        <p:nvSpPr>
-          <p:cNvPr id="5" name="슬라이드 번호 개체 틀 4">
-            <a:extLst>
-              <a:ext uri="{FF2B5EF4-FFF2-40B4-BE49-F238E27FC236}">
-                <a16:creationId xmlns:a16="http://schemas.microsoft.com/office/drawing/2014/main" id="{7C55A982-9C34-41DB-83D1-53514CD438A6}"/>
-              </a:ext>
-            </a:extLst>
-          </p:cNvPr>
+            <a:endParaRPr lang="en-US" dirty="0"/>
+          </a:p>
+        </p:txBody>
+      </p:sp>
+      <p:sp>
+        <p:nvSpPr>
+          <p:cNvPr id="5" name="Slide Number Placeholder 4"/>
           <p:cNvSpPr>
             <a:spLocks noGrp="1"/>
           </p:cNvSpPr>
@@ -2006,18 +4531,18 @@
           <a:bodyPr/>
           <a:lstStyle/>
           <a:p>
-            <a:fld id="{DDA14245-84F7-4B8A-B578-68EC3355A548}" type="slidenum">
-              <a:rPr lang="ko-KR" altLang="en-US" smtClean="0"/>
+            <a:fld id="{6D22F896-40B5-4ADD-8801-0D06FADFA095}" type="slidenum">
+              <a:rPr lang="en-US" smtClean="0"/>
               <a:t>‹#›</a:t>
             </a:fld>
-            <a:endParaRPr lang="ko-KR" altLang="en-US"/>
+            <a:endParaRPr lang="en-US" dirty="0"/>
           </a:p>
         </p:txBody>
       </p:sp>
     </p:spTree>
     <p:extLst>
       <p:ext uri="{BB962C8B-B14F-4D97-AF65-F5344CB8AC3E}">
-        <p14:creationId xmlns:p14="http://schemas.microsoft.com/office/powerpoint/2010/main" val="1520380795"/>
+        <p14:creationId xmlns:p14="http://schemas.microsoft.com/office/powerpoint/2010/main" val="708452907"/>
       </p:ext>
     </p:extLst>
   </p:cSld>
@@ -2046,13 +4571,7 @@
       </p:grpSpPr>
       <p:sp>
         <p:nvSpPr>
-          <p:cNvPr id="2" name="날짜 개체 틀 1">
-            <a:extLst>
-              <a:ext uri="{FF2B5EF4-FFF2-40B4-BE49-F238E27FC236}">
-                <a16:creationId xmlns:a16="http://schemas.microsoft.com/office/drawing/2014/main" id="{1D282778-AA5E-409A-9DE2-484A740A04F6}"/>
-              </a:ext>
-            </a:extLst>
-          </p:cNvPr>
+          <p:cNvPr id="2" name="Date Placeholder 1"/>
           <p:cNvSpPr>
             <a:spLocks noGrp="1"/>
           </p:cNvSpPr>
@@ -2065,23 +4584,17 @@
           <a:bodyPr/>
           <a:lstStyle/>
           <a:p>
-            <a:fld id="{63613D25-61A7-446A-AC84-753A2DC9F4A8}" type="datetimeFigureOut">
-              <a:rPr lang="ko-KR" altLang="en-US" smtClean="0"/>
-              <a:t>2021-03-21</a:t>
+            <a:fld id="{48A87A34-81AB-432B-8DAE-1953F412C126}" type="datetimeFigureOut">
+              <a:rPr lang="en-US" smtClean="0"/>
+              <a:t>3/24/2021</a:t>
             </a:fld>
-            <a:endParaRPr lang="ko-KR" altLang="en-US"/>
-          </a:p>
-        </p:txBody>
-      </p:sp>
-      <p:sp>
-        <p:nvSpPr>
-          <p:cNvPr id="3" name="바닥글 개체 틀 2">
-            <a:extLst>
-              <a:ext uri="{FF2B5EF4-FFF2-40B4-BE49-F238E27FC236}">
-                <a16:creationId xmlns:a16="http://schemas.microsoft.com/office/drawing/2014/main" id="{25F13CEA-152A-4C61-BEB1-6B6F16F59252}"/>
-              </a:ext>
-            </a:extLst>
-          </p:cNvPr>
+            <a:endParaRPr lang="en-US" dirty="0"/>
+          </a:p>
+        </p:txBody>
+      </p:sp>
+      <p:sp>
+        <p:nvSpPr>
+          <p:cNvPr id="3" name="Footer Placeholder 2"/>
           <p:cNvSpPr>
             <a:spLocks noGrp="1"/>
           </p:cNvSpPr>
@@ -2094,19 +4607,13 @@
           <a:bodyPr/>
           <a:lstStyle/>
           <a:p>
-            <a:endParaRPr lang="ko-KR" altLang="en-US"/>
-          </a:p>
-        </p:txBody>
-      </p:sp>
-      <p:sp>
-        <p:nvSpPr>
-          <p:cNvPr id="4" name="슬라이드 번호 개체 틀 3">
-            <a:extLst>
-              <a:ext uri="{FF2B5EF4-FFF2-40B4-BE49-F238E27FC236}">
-                <a16:creationId xmlns:a16="http://schemas.microsoft.com/office/drawing/2014/main" id="{0826D0AE-02C3-43A4-9E4B-01AFE374E9AF}"/>
-              </a:ext>
-            </a:extLst>
-          </p:cNvPr>
+            <a:endParaRPr lang="en-US" dirty="0"/>
+          </a:p>
+        </p:txBody>
+      </p:sp>
+      <p:sp>
+        <p:nvSpPr>
+          <p:cNvPr id="4" name="Slide Number Placeholder 3"/>
           <p:cNvSpPr>
             <a:spLocks noGrp="1"/>
           </p:cNvSpPr>
@@ -2119,18 +4626,18 @@
           <a:bodyPr/>
           <a:lstStyle/>
           <a:p>
-            <a:fld id="{DDA14245-84F7-4B8A-B578-68EC3355A548}" type="slidenum">
-              <a:rPr lang="ko-KR" altLang="en-US" smtClean="0"/>
+            <a:fld id="{6D22F896-40B5-4ADD-8801-0D06FADFA095}" type="slidenum">
+              <a:rPr lang="en-US" smtClean="0"/>
               <a:t>‹#›</a:t>
             </a:fld>
-            <a:endParaRPr lang="ko-KR" altLang="en-US"/>
+            <a:endParaRPr lang="en-US" dirty="0"/>
           </a:p>
         </p:txBody>
       </p:sp>
     </p:spTree>
     <p:extLst>
       <p:ext uri="{BB962C8B-B14F-4D97-AF65-F5344CB8AC3E}">
-        <p14:creationId xmlns:p14="http://schemas.microsoft.com/office/powerpoint/2010/main" val="2170682808"/>
+        <p14:creationId xmlns:p14="http://schemas.microsoft.com/office/powerpoint/2010/main" val="3316584918"/>
       </p:ext>
     </p:extLst>
   </p:cSld>
@@ -2159,13 +4666,7 @@
       </p:grpSpPr>
       <p:sp>
         <p:nvSpPr>
-          <p:cNvPr id="2" name="제목 1">
-            <a:extLst>
-              <a:ext uri="{FF2B5EF4-FFF2-40B4-BE49-F238E27FC236}">
-                <a16:creationId xmlns:a16="http://schemas.microsoft.com/office/drawing/2014/main" id="{B0B73F49-8285-4E26-96E5-CA4A6CE61718}"/>
-              </a:ext>
-            </a:extLst>
-          </p:cNvPr>
+          <p:cNvPr id="2" name="Title 1"/>
           <p:cNvSpPr>
             <a:spLocks noGrp="1"/>
           </p:cNvSpPr>
@@ -2175,14 +4676,14 @@
         </p:nvSpPr>
         <p:spPr>
           <a:xfrm>
-            <a:off x="839788" y="457200"/>
-            <a:ext cx="3932237" cy="1600200"/>
+            <a:off x="685800" y="1524000"/>
+            <a:ext cx="4114800" cy="1600200"/>
           </a:xfrm>
         </p:spPr>
         <p:txBody>
           <a:bodyPr anchor="b"/>
           <a:lstStyle>
-            <a:lvl1pPr>
+            <a:lvl1pPr algn="l">
               <a:defRPr sz="3200"/>
             </a:lvl1pPr>
           </a:lstStyle>
@@ -2191,18 +4692,13 @@
               <a:rPr lang="ko-KR" altLang="en-US"/>
               <a:t>마스터 제목 스타일 편집</a:t>
             </a:r>
-          </a:p>
-        </p:txBody>
-      </p:sp>
-      <p:sp>
-        <p:nvSpPr>
-          <p:cNvPr id="3" name="내용 개체 틀 2">
-            <a:extLst>
-              <a:ext uri="{FF2B5EF4-FFF2-40B4-BE49-F238E27FC236}">
-                <a16:creationId xmlns:a16="http://schemas.microsoft.com/office/drawing/2014/main" id="{E87D4B63-3591-4B8A-8550-8A4C9D29F0EC}"/>
-              </a:ext>
-            </a:extLst>
-          </p:cNvPr>
+            <a:endParaRPr lang="en-US" dirty="0"/>
+          </a:p>
+        </p:txBody>
+      </p:sp>
+      <p:sp>
+        <p:nvSpPr>
+          <p:cNvPr id="3" name="Content Placeholder 2"/>
           <p:cNvSpPr>
             <a:spLocks noGrp="1"/>
           </p:cNvSpPr>
@@ -2212,41 +4708,13 @@
         </p:nvSpPr>
         <p:spPr>
           <a:xfrm>
-            <a:off x="5183188" y="987425"/>
-            <a:ext cx="6172200" cy="4873625"/>
-          </a:xfrm>
-        </p:spPr>
-        <p:txBody>
-          <a:bodyPr/>
-          <a:lstStyle>
-            <a:lvl1pPr>
-              <a:defRPr sz="3200"/>
-            </a:lvl1pPr>
-            <a:lvl2pPr>
-              <a:defRPr sz="2800"/>
-            </a:lvl2pPr>
-            <a:lvl3pPr>
-              <a:defRPr sz="2400"/>
-            </a:lvl3pPr>
-            <a:lvl4pPr>
-              <a:defRPr sz="2000"/>
-            </a:lvl4pPr>
-            <a:lvl5pPr>
-              <a:defRPr sz="2000"/>
-            </a:lvl5pPr>
-            <a:lvl6pPr>
-              <a:defRPr sz="2000"/>
-            </a:lvl6pPr>
-            <a:lvl7pPr>
-              <a:defRPr sz="2000"/>
-            </a:lvl7pPr>
-            <a:lvl8pPr>
-              <a:defRPr sz="2000"/>
-            </a:lvl8pPr>
-            <a:lvl9pPr>
-              <a:defRPr sz="2000"/>
-            </a:lvl9pPr>
-          </a:lstStyle>
+            <a:off x="4995582" y="746759"/>
+            <a:ext cx="6510618" cy="5471925"/>
+          </a:xfrm>
+        </p:spPr>
+        <p:txBody>
+          <a:bodyPr anchor="ctr"/>
+          <a:lstStyle/>
           <a:p>
             <a:pPr lvl="0"/>
             <a:r>
@@ -2281,18 +4749,13 @@
               <a:rPr lang="ko-KR" altLang="en-US"/>
               <a:t>다섯 번째 수준</a:t>
             </a:r>
-          </a:p>
-        </p:txBody>
-      </p:sp>
-      <p:sp>
-        <p:nvSpPr>
-          <p:cNvPr id="4" name="텍스트 개체 틀 3">
-            <a:extLst>
-              <a:ext uri="{FF2B5EF4-FFF2-40B4-BE49-F238E27FC236}">
-                <a16:creationId xmlns:a16="http://schemas.microsoft.com/office/drawing/2014/main" id="{86F60870-D584-41B7-85BB-C45C5E2CB8DA}"/>
-              </a:ext>
-            </a:extLst>
-          </p:cNvPr>
+            <a:endParaRPr lang="en-US" dirty="0"/>
+          </a:p>
+        </p:txBody>
+      </p:sp>
+      <p:sp>
+        <p:nvSpPr>
+          <p:cNvPr id="4" name="Text Placeholder 3"/>
           <p:cNvSpPr>
             <a:spLocks noGrp="1"/>
           </p:cNvSpPr>
@@ -2302,8 +4765,8 @@
         </p:nvSpPr>
         <p:spPr>
           <a:xfrm>
-            <a:off x="839788" y="2057400"/>
-            <a:ext cx="3932237" cy="3811588"/>
+            <a:off x="685800" y="3124199"/>
+            <a:ext cx="4114800" cy="3094485"/>
           </a:xfrm>
         </p:spPr>
         <p:txBody>
@@ -2357,13 +4820,7 @@
       </p:sp>
       <p:sp>
         <p:nvSpPr>
-          <p:cNvPr id="5" name="날짜 개체 틀 4">
-            <a:extLst>
-              <a:ext uri="{FF2B5EF4-FFF2-40B4-BE49-F238E27FC236}">
-                <a16:creationId xmlns:a16="http://schemas.microsoft.com/office/drawing/2014/main" id="{5AB21D38-5B0A-48F0-9980-C91E1FB55D40}"/>
-              </a:ext>
-            </a:extLst>
-          </p:cNvPr>
+          <p:cNvPr id="5" name="Date Placeholder 4"/>
           <p:cNvSpPr>
             <a:spLocks noGrp="1"/>
           </p:cNvSpPr>
@@ -2376,23 +4833,17 @@
           <a:bodyPr/>
           <a:lstStyle/>
           <a:p>
-            <a:fld id="{63613D25-61A7-446A-AC84-753A2DC9F4A8}" type="datetimeFigureOut">
-              <a:rPr lang="ko-KR" altLang="en-US" smtClean="0"/>
-              <a:t>2021-03-21</a:t>
+            <a:fld id="{48A87A34-81AB-432B-8DAE-1953F412C126}" type="datetimeFigureOut">
+              <a:rPr lang="en-US" smtClean="0"/>
+              <a:t>3/24/2021</a:t>
             </a:fld>
-            <a:endParaRPr lang="ko-KR" altLang="en-US"/>
-          </a:p>
-        </p:txBody>
-      </p:sp>
-      <p:sp>
-        <p:nvSpPr>
-          <p:cNvPr id="6" name="바닥글 개체 틀 5">
-            <a:extLst>
-              <a:ext uri="{FF2B5EF4-FFF2-40B4-BE49-F238E27FC236}">
-                <a16:creationId xmlns:a16="http://schemas.microsoft.com/office/drawing/2014/main" id="{C9F6D43D-ED8A-41F3-A4E5-3EB7C6DC2F0F}"/>
-              </a:ext>
-            </a:extLst>
-          </p:cNvPr>
+            <a:endParaRPr lang="en-US" dirty="0"/>
+          </a:p>
+        </p:txBody>
+      </p:sp>
+      <p:sp>
+        <p:nvSpPr>
+          <p:cNvPr id="6" name="Footer Placeholder 5"/>
           <p:cNvSpPr>
             <a:spLocks noGrp="1"/>
           </p:cNvSpPr>
@@ -2405,19 +4856,13 @@
           <a:bodyPr/>
           <a:lstStyle/>
           <a:p>
-            <a:endParaRPr lang="ko-KR" altLang="en-US"/>
-          </a:p>
-        </p:txBody>
-      </p:sp>
-      <p:sp>
-        <p:nvSpPr>
-          <p:cNvPr id="7" name="슬라이드 번호 개체 틀 6">
-            <a:extLst>
-              <a:ext uri="{FF2B5EF4-FFF2-40B4-BE49-F238E27FC236}">
-                <a16:creationId xmlns:a16="http://schemas.microsoft.com/office/drawing/2014/main" id="{7ECC5DA9-E09C-4BA9-BD91-42BF3336098F}"/>
-              </a:ext>
-            </a:extLst>
-          </p:cNvPr>
+            <a:endParaRPr lang="en-US" dirty="0"/>
+          </a:p>
+        </p:txBody>
+      </p:sp>
+      <p:sp>
+        <p:nvSpPr>
+          <p:cNvPr id="7" name="Slide Number Placeholder 6"/>
           <p:cNvSpPr>
             <a:spLocks noGrp="1"/>
           </p:cNvSpPr>
@@ -2430,18 +4875,18 @@
           <a:bodyPr/>
           <a:lstStyle/>
           <a:p>
-            <a:fld id="{DDA14245-84F7-4B8A-B578-68EC3355A548}" type="slidenum">
-              <a:rPr lang="ko-KR" altLang="en-US" smtClean="0"/>
+            <a:fld id="{6D22F896-40B5-4ADD-8801-0D06FADFA095}" type="slidenum">
+              <a:rPr lang="en-US" smtClean="0"/>
               <a:t>‹#›</a:t>
             </a:fld>
-            <a:endParaRPr lang="ko-KR" altLang="en-US"/>
+            <a:endParaRPr lang="en-US" dirty="0"/>
           </a:p>
         </p:txBody>
       </p:sp>
     </p:spTree>
     <p:extLst>
       <p:ext uri="{BB962C8B-B14F-4D97-AF65-F5344CB8AC3E}">
-        <p14:creationId xmlns:p14="http://schemas.microsoft.com/office/powerpoint/2010/main" val="1916495705"/>
+        <p14:creationId xmlns:p14="http://schemas.microsoft.com/office/powerpoint/2010/main" val="1591925539"/>
       </p:ext>
     </p:extLst>
   </p:cSld>
@@ -2470,13 +4915,7 @@
       </p:grpSpPr>
       <p:sp>
         <p:nvSpPr>
-          <p:cNvPr id="2" name="제목 1">
-            <a:extLst>
-              <a:ext uri="{FF2B5EF4-FFF2-40B4-BE49-F238E27FC236}">
-                <a16:creationId xmlns:a16="http://schemas.microsoft.com/office/drawing/2014/main" id="{B18CB739-A0C9-4140-91AB-9B5BF3CC4253}"/>
-              </a:ext>
-            </a:extLst>
-          </p:cNvPr>
+          <p:cNvPr id="2" name="Title 1"/>
           <p:cNvSpPr>
             <a:spLocks noGrp="1"/>
           </p:cNvSpPr>
@@ -2486,14 +4925,14 @@
         </p:nvSpPr>
         <p:spPr>
           <a:xfrm>
-            <a:off x="839788" y="457200"/>
-            <a:ext cx="3932237" cy="1600200"/>
+            <a:off x="685800" y="1524000"/>
+            <a:ext cx="6873240" cy="1600200"/>
           </a:xfrm>
         </p:spPr>
         <p:txBody>
           <a:bodyPr anchor="b"/>
           <a:lstStyle>
-            <a:lvl1pPr>
+            <a:lvl1pPr algn="l">
               <a:defRPr sz="3200"/>
             </a:lvl1pPr>
           </a:lstStyle>
@@ -2502,20 +4941,15 @@
               <a:rPr lang="ko-KR" altLang="en-US"/>
               <a:t>마스터 제목 스타일 편집</a:t>
             </a:r>
-          </a:p>
-        </p:txBody>
-      </p:sp>
-      <p:sp>
-        <p:nvSpPr>
-          <p:cNvPr id="3" name="그림 개체 틀 2">
-            <a:extLst>
-              <a:ext uri="{FF2B5EF4-FFF2-40B4-BE49-F238E27FC236}">
-                <a16:creationId xmlns:a16="http://schemas.microsoft.com/office/drawing/2014/main" id="{F946BEAD-1AA1-45B0-87AE-EF574146CA5A}"/>
-              </a:ext>
-            </a:extLst>
-          </p:cNvPr>
-          <p:cNvSpPr>
-            <a:spLocks noGrp="1"/>
+            <a:endParaRPr lang="en-US" dirty="0"/>
+          </a:p>
+        </p:txBody>
+      </p:sp>
+      <p:sp>
+        <p:nvSpPr>
+          <p:cNvPr id="3" name="Picture Placeholder 2"/>
+          <p:cNvSpPr>
+            <a:spLocks noGrp="1" noChangeAspect="1"/>
           </p:cNvSpPr>
           <p:nvPr>
             <p:ph type="pic" idx="1"/>
@@ -2523,8 +4957,73 @@
         </p:nvSpPr>
         <p:spPr>
           <a:xfrm>
-            <a:off x="5183188" y="987425"/>
-            <a:ext cx="6172200" cy="4873625"/>
+            <a:off x="7861238" y="751241"/>
+            <a:ext cx="3644962" cy="5467443"/>
+          </a:xfrm>
+        </p:spPr>
+        <p:txBody>
+          <a:bodyPr anchor="t"/>
+          <a:lstStyle>
+            <a:lvl1pPr marL="0" indent="0">
+              <a:buNone/>
+              <a:defRPr sz="3200"/>
+            </a:lvl1pPr>
+            <a:lvl2pPr marL="457200" indent="0">
+              <a:buNone/>
+              <a:defRPr sz="2800"/>
+            </a:lvl2pPr>
+            <a:lvl3pPr marL="914400" indent="0">
+              <a:buNone/>
+              <a:defRPr sz="2400"/>
+            </a:lvl3pPr>
+            <a:lvl4pPr marL="1371600" indent="0">
+              <a:buNone/>
+              <a:defRPr sz="2000"/>
+            </a:lvl4pPr>
+            <a:lvl5pPr marL="1828800" indent="0">
+              <a:buNone/>
+              <a:defRPr sz="2000"/>
+            </a:lvl5pPr>
+            <a:lvl6pPr marL="2286000" indent="0">
+              <a:buNone/>
+              <a:defRPr sz="2000"/>
+            </a:lvl6pPr>
+            <a:lvl7pPr marL="2743200" indent="0">
+              <a:buNone/>
+              <a:defRPr sz="2000"/>
+            </a:lvl7pPr>
+            <a:lvl8pPr marL="3200400" indent="0">
+              <a:buNone/>
+              <a:defRPr sz="2000"/>
+            </a:lvl8pPr>
+            <a:lvl9pPr marL="3657600" indent="0">
+              <a:buNone/>
+              <a:defRPr sz="2000"/>
+            </a:lvl9pPr>
+          </a:lstStyle>
+          <a:p>
+            <a:r>
+              <a:rPr lang="ko-KR" altLang="en-US"/>
+              <a:t>그림을 추가하려면 아이콘을 클릭하십시오</a:t>
+            </a:r>
+            <a:endParaRPr lang="en-US" dirty="0"/>
+          </a:p>
+        </p:txBody>
+      </p:sp>
+      <p:sp>
+        <p:nvSpPr>
+          <p:cNvPr id="4" name="Text Placeholder 3"/>
+          <p:cNvSpPr>
+            <a:spLocks noGrp="1"/>
+          </p:cNvSpPr>
+          <p:nvPr>
+            <p:ph type="body" sz="half" idx="2"/>
+          </p:nvPr>
+        </p:nvSpPr>
+        <p:spPr>
+          <a:xfrm>
+            <a:off x="685800" y="3124199"/>
+            <a:ext cx="6873240" cy="3094485"/>
           </a:xfrm>
         </p:spPr>
         <p:txBody>
@@ -2532,73 +5031,6 @@
           <a:lstStyle>
             <a:lvl1pPr marL="0" indent="0">
               <a:buNone/>
-              <a:defRPr sz="3200"/>
-            </a:lvl1pPr>
-            <a:lvl2pPr marL="457200" indent="0">
-              <a:buNone/>
-              <a:defRPr sz="2800"/>
-            </a:lvl2pPr>
-            <a:lvl3pPr marL="914400" indent="0">
-              <a:buNone/>
-              <a:defRPr sz="2400"/>
-            </a:lvl3pPr>
-            <a:lvl4pPr marL="1371600" indent="0">
-              <a:buNone/>
-              <a:defRPr sz="2000"/>
-            </a:lvl4pPr>
-            <a:lvl5pPr marL="1828800" indent="0">
-              <a:buNone/>
-              <a:defRPr sz="2000"/>
-            </a:lvl5pPr>
-            <a:lvl6pPr marL="2286000" indent="0">
-              <a:buNone/>
-              <a:defRPr sz="2000"/>
-            </a:lvl6pPr>
-            <a:lvl7pPr marL="2743200" indent="0">
-              <a:buNone/>
-              <a:defRPr sz="2000"/>
-            </a:lvl7pPr>
-            <a:lvl8pPr marL="3200400" indent="0">
-              <a:buNone/>
-              <a:defRPr sz="2000"/>
-            </a:lvl8pPr>
-            <a:lvl9pPr marL="3657600" indent="0">
-              <a:buNone/>
-              <a:defRPr sz="2000"/>
-            </a:lvl9pPr>
-          </a:lstStyle>
-          <a:p>
-            <a:endParaRPr lang="ko-KR" altLang="en-US"/>
-          </a:p>
-        </p:txBody>
-      </p:sp>
-      <p:sp>
-        <p:nvSpPr>
-          <p:cNvPr id="4" name="텍스트 개체 틀 3">
-            <a:extLst>
-              <a:ext uri="{FF2B5EF4-FFF2-40B4-BE49-F238E27FC236}">
-                <a16:creationId xmlns:a16="http://schemas.microsoft.com/office/drawing/2014/main" id="{9FA1680F-527A-47DD-BE23-7087C536D287}"/>
-              </a:ext>
-            </a:extLst>
-          </p:cNvPr>
-          <p:cNvSpPr>
-            <a:spLocks noGrp="1"/>
-          </p:cNvSpPr>
-          <p:nvPr>
-            <p:ph type="body" sz="half" idx="2"/>
-          </p:nvPr>
-        </p:nvSpPr>
-        <p:spPr>
-          <a:xfrm>
-            <a:off x="839788" y="2057400"/>
-            <a:ext cx="3932237" cy="3811588"/>
-          </a:xfrm>
-        </p:spPr>
-        <p:txBody>
-          <a:bodyPr/>
-          <a:lstStyle>
-            <a:lvl1pPr marL="0" indent="0">
-              <a:buNone/>
               <a:defRPr sz="1600"/>
             </a:lvl1pPr>
             <a:lvl2pPr marL="457200" indent="0">
@@ -2645,13 +5077,7 @@
       </p:sp>
       <p:sp>
         <p:nvSpPr>
-          <p:cNvPr id="5" name="날짜 개체 틀 4">
-            <a:extLst>
-              <a:ext uri="{FF2B5EF4-FFF2-40B4-BE49-F238E27FC236}">
-                <a16:creationId xmlns:a16="http://schemas.microsoft.com/office/drawing/2014/main" id="{423CF224-FD9F-49CD-BA6A-56934092DC47}"/>
-              </a:ext>
-            </a:extLst>
-          </p:cNvPr>
+          <p:cNvPr id="5" name="Date Placeholder 4"/>
           <p:cNvSpPr>
             <a:spLocks noGrp="1"/>
           </p:cNvSpPr>
@@ -2664,23 +5090,17 @@
           <a:bodyPr/>
           <a:lstStyle/>
           <a:p>
-            <a:fld id="{63613D25-61A7-446A-AC84-753A2DC9F4A8}" type="datetimeFigureOut">
-              <a:rPr lang="ko-KR" altLang="en-US" smtClean="0"/>
-              <a:t>2021-03-21</a:t>
+            <a:fld id="{48A87A34-81AB-432B-8DAE-1953F412C126}" type="datetimeFigureOut">
+              <a:rPr lang="en-US" smtClean="0"/>
+              <a:t>3/24/2021</a:t>
             </a:fld>
-            <a:endParaRPr lang="ko-KR" altLang="en-US"/>
-          </a:p>
-        </p:txBody>
-      </p:sp>
-      <p:sp>
-        <p:nvSpPr>
-          <p:cNvPr id="6" name="바닥글 개체 틀 5">
-            <a:extLst>
-              <a:ext uri="{FF2B5EF4-FFF2-40B4-BE49-F238E27FC236}">
-                <a16:creationId xmlns:a16="http://schemas.microsoft.com/office/drawing/2014/main" id="{0EA9B644-39EA-4ECE-9E67-2CE93F40E82B}"/>
-              </a:ext>
-            </a:extLst>
-          </p:cNvPr>
+            <a:endParaRPr lang="en-US" dirty="0"/>
+          </a:p>
+        </p:txBody>
+      </p:sp>
+      <p:sp>
+        <p:nvSpPr>
+          <p:cNvPr id="6" name="Footer Placeholder 5"/>
           <p:cNvSpPr>
             <a:spLocks noGrp="1"/>
           </p:cNvSpPr>
@@ -2693,19 +5113,13 @@
           <a:bodyPr/>
           <a:lstStyle/>
           <a:p>
-            <a:endParaRPr lang="ko-KR" altLang="en-US"/>
-          </a:p>
-        </p:txBody>
-      </p:sp>
-      <p:sp>
-        <p:nvSpPr>
-          <p:cNvPr id="7" name="슬라이드 번호 개체 틀 6">
-            <a:extLst>
-              <a:ext uri="{FF2B5EF4-FFF2-40B4-BE49-F238E27FC236}">
-                <a16:creationId xmlns:a16="http://schemas.microsoft.com/office/drawing/2014/main" id="{1BEE9C1C-47E9-4B6F-B824-123890FCBF28}"/>
-              </a:ext>
-            </a:extLst>
-          </p:cNvPr>
+            <a:endParaRPr lang="en-US" dirty="0"/>
+          </a:p>
+        </p:txBody>
+      </p:sp>
+      <p:sp>
+        <p:nvSpPr>
+          <p:cNvPr id="7" name="Slide Number Placeholder 6"/>
           <p:cNvSpPr>
             <a:spLocks noGrp="1"/>
           </p:cNvSpPr>
@@ -2718,18 +5132,18 @@
           <a:bodyPr/>
           <a:lstStyle/>
           <a:p>
-            <a:fld id="{DDA14245-84F7-4B8A-B578-68EC3355A548}" type="slidenum">
-              <a:rPr lang="ko-KR" altLang="en-US" smtClean="0"/>
+            <a:fld id="{6D22F896-40B5-4ADD-8801-0D06FADFA095}" type="slidenum">
+              <a:rPr lang="en-US" smtClean="0"/>
               <a:t>‹#›</a:t>
             </a:fld>
-            <a:endParaRPr lang="ko-KR" altLang="en-US"/>
+            <a:endParaRPr lang="en-US" dirty="0"/>
           </a:p>
         </p:txBody>
       </p:sp>
     </p:spTree>
     <p:extLst>
       <p:ext uri="{BB962C8B-B14F-4D97-AF65-F5344CB8AC3E}">
-        <p14:creationId xmlns:p14="http://schemas.microsoft.com/office/powerpoint/2010/main" val="3861888201"/>
+        <p14:creationId xmlns:p14="http://schemas.microsoft.com/office/powerpoint/2010/main" val="3209987396"/>
       </p:ext>
     </p:extLst>
   </p:cSld>
@@ -2761,31 +5175,55 @@
           <a:chExt cx="0" cy="0"/>
         </a:xfrm>
       </p:grpSpPr>
-      <p:sp>
-        <p:nvSpPr>
-          <p:cNvPr id="2" name="제목 개체 틀 1">
+      <p:pic>
+        <p:nvPicPr>
+          <p:cNvPr id="8" name="Picture 7" descr="C1-HD-TOP.png"/>
+          <p:cNvPicPr>
+            <a:picLocks noChangeAspect="1"/>
+          </p:cNvPicPr>
+          <p:nvPr/>
+        </p:nvPicPr>
+        <p:blipFill>
+          <a:blip r:embed="rId19">
             <a:extLst>
-              <a:ext uri="{FF2B5EF4-FFF2-40B4-BE49-F238E27FC236}">
-                <a16:creationId xmlns:a16="http://schemas.microsoft.com/office/drawing/2014/main" id="{27F81FE6-98AB-4C17-B7B9-CC52190796F1}"/>
+              <a:ext uri="{28A0092B-C50C-407E-A947-70E740481C1C}">
+                <a14:useLocalDpi xmlns:a14="http://schemas.microsoft.com/office/drawing/2010/main" val="0"/>
               </a:ext>
             </a:extLst>
-          </p:cNvPr>
-          <p:cNvSpPr>
-            <a:spLocks noGrp="1"/>
-          </p:cNvSpPr>
-          <p:nvPr>
-            <p:ph type="title"/>
-          </p:nvPr>
-        </p:nvSpPr>
-        <p:spPr>
-          <a:xfrm>
-            <a:off x="838200" y="365125"/>
-            <a:ext cx="10515600" cy="1325563"/>
+          </a:blip>
+          <a:stretch>
+            <a:fillRect/>
+          </a:stretch>
+        </p:blipFill>
+        <p:spPr>
+          <a:xfrm>
+            <a:off x="0" y="0"/>
+            <a:ext cx="12192000" cy="1441450"/>
           </a:xfrm>
           <a:prstGeom prst="rect">
             <a:avLst/>
           </a:prstGeom>
         </p:spPr>
+      </p:pic>
+      <p:sp>
+        <p:nvSpPr>
+          <p:cNvPr id="2" name="Title Placeholder 1"/>
+          <p:cNvSpPr>
+            <a:spLocks noGrp="1"/>
+          </p:cNvSpPr>
+          <p:nvPr>
+            <p:ph type="title"/>
+          </p:nvPr>
+        </p:nvSpPr>
+        <p:spPr>
+          <a:xfrm>
+            <a:off x="2895600" y="764373"/>
+            <a:ext cx="8610600" cy="1293028"/>
+          </a:xfrm>
+          <a:prstGeom prst="rect">
+            <a:avLst/>
+          </a:prstGeom>
+        </p:spPr>
         <p:txBody>
           <a:bodyPr vert="horz" lIns="91440" tIns="45720" rIns="91440" bIns="45720" rtlCol="0" anchor="ctr">
             <a:normAutofit/>
@@ -2796,18 +5234,13 @@
               <a:rPr lang="ko-KR" altLang="en-US"/>
               <a:t>마스터 제목 스타일 편집</a:t>
             </a:r>
-          </a:p>
-        </p:txBody>
-      </p:sp>
-      <p:sp>
-        <p:nvSpPr>
-          <p:cNvPr id="3" name="텍스트 개체 틀 2">
-            <a:extLst>
-              <a:ext uri="{FF2B5EF4-FFF2-40B4-BE49-F238E27FC236}">
-                <a16:creationId xmlns:a16="http://schemas.microsoft.com/office/drawing/2014/main" id="{8CE9B281-44F9-4A48-AEC2-5F45A2A19091}"/>
-              </a:ext>
-            </a:extLst>
-          </p:cNvPr>
+            <a:endParaRPr lang="en-US" dirty="0"/>
+          </a:p>
+        </p:txBody>
+      </p:sp>
+      <p:sp>
+        <p:nvSpPr>
+          <p:cNvPr id="3" name="Text Placeholder 2"/>
           <p:cNvSpPr>
             <a:spLocks noGrp="1"/>
           </p:cNvSpPr>
@@ -2817,8 +5250,8 @@
         </p:nvSpPr>
         <p:spPr>
           <a:xfrm>
-            <a:off x="838200" y="1825625"/>
-            <a:ext cx="10515600" cy="4351338"/>
+            <a:off x="685800" y="2194560"/>
+            <a:ext cx="10820400" cy="4024125"/>
           </a:xfrm>
           <a:prstGeom prst="rect">
             <a:avLst/>
@@ -2863,18 +5296,13 @@
               <a:rPr lang="ko-KR" altLang="en-US"/>
               <a:t>다섯 번째 수준</a:t>
             </a:r>
-          </a:p>
-        </p:txBody>
-      </p:sp>
-      <p:sp>
-        <p:nvSpPr>
-          <p:cNvPr id="4" name="날짜 개체 틀 3">
-            <a:extLst>
-              <a:ext uri="{FF2B5EF4-FFF2-40B4-BE49-F238E27FC236}">
-                <a16:creationId xmlns:a16="http://schemas.microsoft.com/office/drawing/2014/main" id="{6A2D7E24-C85A-4DE5-8DCE-FA5EEC5B6E12}"/>
-              </a:ext>
-            </a:extLst>
-          </p:cNvPr>
+            <a:endParaRPr lang="en-US" dirty="0"/>
+          </a:p>
+        </p:txBody>
+      </p:sp>
+      <p:sp>
+        <p:nvSpPr>
+          <p:cNvPr id="4" name="Date Placeholder 3"/>
           <p:cNvSpPr>
             <a:spLocks noGrp="1"/>
           </p:cNvSpPr>
@@ -2884,8 +5312,8 @@
         </p:nvSpPr>
         <p:spPr>
           <a:xfrm>
-            <a:off x="838200" y="6356350"/>
-            <a:ext cx="2743200" cy="365125"/>
+            <a:off x="8595360" y="6356350"/>
+            <a:ext cx="2910840" cy="365125"/>
           </a:xfrm>
           <a:prstGeom prst="rect">
             <a:avLst/>
@@ -2894,8 +5322,8 @@
         <p:txBody>
           <a:bodyPr vert="horz" lIns="91440" tIns="45720" rIns="91440" bIns="45720" rtlCol="0" anchor="ctr"/>
           <a:lstStyle>
-            <a:lvl1pPr algn="l">
-              <a:defRPr sz="1200">
+            <a:lvl1pPr algn="r">
+              <a:defRPr sz="1050">
                 <a:solidFill>
                   <a:schemeClr val="tx1">
                     <a:tint val="75000"/>
@@ -2905,23 +5333,18 @@
             </a:lvl1pPr>
           </a:lstStyle>
           <a:p>
-            <a:fld id="{63613D25-61A7-446A-AC84-753A2DC9F4A8}" type="datetimeFigureOut">
-              <a:rPr lang="ko-KR" altLang="en-US" smtClean="0"/>
-              <a:t>2021-03-21</a:t>
+            <a:fld id="{48A87A34-81AB-432B-8DAE-1953F412C126}" type="datetimeFigureOut">
+              <a:rPr lang="en-US" smtClean="0"/>
+              <a:pPr/>
+              <a:t>3/24/2021</a:t>
             </a:fld>
-            <a:endParaRPr lang="ko-KR" altLang="en-US"/>
-          </a:p>
-        </p:txBody>
-      </p:sp>
-      <p:sp>
-        <p:nvSpPr>
-          <p:cNvPr id="5" name="바닥글 개체 틀 4">
-            <a:extLst>
-              <a:ext uri="{FF2B5EF4-FFF2-40B4-BE49-F238E27FC236}">
-                <a16:creationId xmlns:a16="http://schemas.microsoft.com/office/drawing/2014/main" id="{A78D286E-AC4A-450A-A82A-ED9829EE58D4}"/>
-              </a:ext>
-            </a:extLst>
-          </p:cNvPr>
+            <a:endParaRPr lang="en-US" dirty="0"/>
+          </a:p>
+        </p:txBody>
+      </p:sp>
+      <p:sp>
+        <p:nvSpPr>
+          <p:cNvPr id="5" name="Footer Placeholder 4"/>
           <p:cNvSpPr>
             <a:spLocks noGrp="1"/>
           </p:cNvSpPr>
@@ -2931,8 +5354,8 @@
         </p:nvSpPr>
         <p:spPr>
           <a:xfrm>
-            <a:off x="4038600" y="6356350"/>
-            <a:ext cx="4114800" cy="365125"/>
+            <a:off x="685800" y="6355845"/>
+            <a:ext cx="7772400" cy="365125"/>
           </a:xfrm>
           <a:prstGeom prst="rect">
             <a:avLst/>
@@ -2941,8 +5364,8 @@
         <p:txBody>
           <a:bodyPr vert="horz" lIns="91440" tIns="45720" rIns="91440" bIns="45720" rtlCol="0" anchor="ctr"/>
           <a:lstStyle>
-            <a:lvl1pPr algn="ctr">
-              <a:defRPr sz="1200">
+            <a:lvl1pPr algn="l">
+              <a:defRPr sz="1050">
                 <a:solidFill>
                   <a:schemeClr val="tx1">
                     <a:tint val="75000"/>
@@ -2952,19 +5375,13 @@
             </a:lvl1pPr>
           </a:lstStyle>
           <a:p>
-            <a:endParaRPr lang="ko-KR" altLang="en-US"/>
-          </a:p>
-        </p:txBody>
-      </p:sp>
-      <p:sp>
-        <p:nvSpPr>
-          <p:cNvPr id="6" name="슬라이드 번호 개체 틀 5">
-            <a:extLst>
-              <a:ext uri="{FF2B5EF4-FFF2-40B4-BE49-F238E27FC236}">
-                <a16:creationId xmlns:a16="http://schemas.microsoft.com/office/drawing/2014/main" id="{82AF3F3A-DC15-459A-A5B2-42BC441CB15A}"/>
-              </a:ext>
-            </a:extLst>
-          </p:cNvPr>
+            <a:endParaRPr lang="en-US" dirty="0"/>
+          </a:p>
+        </p:txBody>
+      </p:sp>
+      <p:sp>
+        <p:nvSpPr>
+          <p:cNvPr id="6" name="Slide Number Placeholder 5"/>
           <p:cNvSpPr>
             <a:spLocks noGrp="1"/>
           </p:cNvSpPr>
@@ -2974,7 +5391,7 @@
         </p:nvSpPr>
         <p:spPr>
           <a:xfrm>
-            <a:off x="8610600" y="6356350"/>
+            <a:off x="8763000" y="381000"/>
             <a:ext cx="2743200" cy="365125"/>
           </a:xfrm>
           <a:prstGeom prst="rect">
@@ -2985,7 +5402,7 @@
           <a:bodyPr vert="horz" lIns="91440" tIns="45720" rIns="91440" bIns="45720" rtlCol="0" anchor="ctr"/>
           <a:lstStyle>
             <a:lvl1pPr algn="r">
-              <a:defRPr sz="1200">
+              <a:defRPr sz="1050">
                 <a:solidFill>
                   <a:schemeClr val="tx1">
                     <a:tint val="75000"/>
@@ -2995,38 +5412,45 @@
             </a:lvl1pPr>
           </a:lstStyle>
           <a:p>
-            <a:fld id="{DDA14245-84F7-4B8A-B578-68EC3355A548}" type="slidenum">
-              <a:rPr lang="ko-KR" altLang="en-US" smtClean="0"/>
+            <a:fld id="{6D22F896-40B5-4ADD-8801-0D06FADFA095}" type="slidenum">
+              <a:rPr lang="en-US" smtClean="0"/>
+              <a:pPr/>
               <a:t>‹#›</a:t>
             </a:fld>
-            <a:endParaRPr lang="ko-KR" altLang="en-US"/>
+            <a:endParaRPr lang="en-US" dirty="0"/>
           </a:p>
         </p:txBody>
       </p:sp>
     </p:spTree>
     <p:extLst>
       <p:ext uri="{BB962C8B-B14F-4D97-AF65-F5344CB8AC3E}">
-        <p14:creationId xmlns:p14="http://schemas.microsoft.com/office/powerpoint/2010/main" val="1776917915"/>
+        <p14:creationId xmlns:p14="http://schemas.microsoft.com/office/powerpoint/2010/main" val="3875821997"/>
       </p:ext>
     </p:extLst>
   </p:cSld>
-  <p:clrMap bg1="lt1" tx1="dk1" bg2="lt2" tx2="dk2" accent1="accent1" accent2="accent2" accent3="accent3" accent4="accent4" accent5="accent5" accent6="accent6" hlink="hlink" folHlink="folHlink"/>
+  <p:clrMap bg1="dk1" tx1="lt1" bg2="dk2" tx2="lt2" accent1="accent1" accent2="accent2" accent3="accent3" accent4="accent4" accent5="accent5" accent6="accent6" hlink="hlink" folHlink="folHlink"/>
   <p:sldLayoutIdLst>
-    <p:sldLayoutId id="2147483649" r:id="rId1"/>
-    <p:sldLayoutId id="2147483650" r:id="rId2"/>
-    <p:sldLayoutId id="2147483651" r:id="rId3"/>
-    <p:sldLayoutId id="2147483652" r:id="rId4"/>
-    <p:sldLayoutId id="2147483653" r:id="rId5"/>
-    <p:sldLayoutId id="2147483654" r:id="rId6"/>
-    <p:sldLayoutId id="2147483655" r:id="rId7"/>
-    <p:sldLayoutId id="2147483656" r:id="rId8"/>
-    <p:sldLayoutId id="2147483657" r:id="rId9"/>
-    <p:sldLayoutId id="2147483658" r:id="rId10"/>
-    <p:sldLayoutId id="2147483659" r:id="rId11"/>
+    <p:sldLayoutId id="2147483670" r:id="rId1"/>
+    <p:sldLayoutId id="2147483671" r:id="rId2"/>
+    <p:sldLayoutId id="2147483672" r:id="rId3"/>
+    <p:sldLayoutId id="2147483673" r:id="rId4"/>
+    <p:sldLayoutId id="2147483674" r:id="rId5"/>
+    <p:sldLayoutId id="2147483675" r:id="rId6"/>
+    <p:sldLayoutId id="2147483676" r:id="rId7"/>
+    <p:sldLayoutId id="2147483677" r:id="rId8"/>
+    <p:sldLayoutId id="2147483678" r:id="rId9"/>
+    <p:sldLayoutId id="2147483679" r:id="rId10"/>
+    <p:sldLayoutId id="2147483680" r:id="rId11"/>
+    <p:sldLayoutId id="2147483681" r:id="rId12"/>
+    <p:sldLayoutId id="2147483682" r:id="rId13"/>
+    <p:sldLayoutId id="2147483683" r:id="rId14"/>
+    <p:sldLayoutId id="2147483684" r:id="rId15"/>
+    <p:sldLayoutId id="2147483685" r:id="rId16"/>
+    <p:sldLayoutId id="2147483686" r:id="rId17"/>
   </p:sldLayoutIdLst>
   <p:txStyles>
     <p:titleStyle>
-      <a:lvl1pPr algn="l" defTabSz="914400" rtl="0" eaLnBrk="1" latinLnBrk="1" hangingPunct="1">
+      <a:lvl1pPr algn="r" defTabSz="914400" rtl="0" eaLnBrk="1" latinLnBrk="1" hangingPunct="1">
         <a:lnSpc>
           <a:spcPct val="90000"/>
         </a:lnSpc>
@@ -3034,7 +5458,7 @@
           <a:spcPct val="0"/>
         </a:spcBef>
         <a:buNone/>
-        <a:defRPr sz="4400" kern="1200">
+        <a:defRPr sz="4000" kern="1200" cap="all" baseline="0">
           <a:solidFill>
             <a:schemeClr val="tx1"/>
           </a:solidFill>
@@ -3054,7 +5478,7 @@
         </a:spcBef>
         <a:buFont typeface="Arial" panose="020B0604020202020204" pitchFamily="34" charset="0"/>
         <a:buChar char="•"/>
-        <a:defRPr sz="2800" kern="1200">
+        <a:defRPr sz="2200" kern="1200">
           <a:solidFill>
             <a:schemeClr val="tx1"/>
           </a:solidFill>
@@ -3072,7 +5496,7 @@
         </a:spcBef>
         <a:buFont typeface="Arial" panose="020B0604020202020204" pitchFamily="34" charset="0"/>
         <a:buChar char="•"/>
-        <a:defRPr sz="2400" kern="1200">
+        <a:defRPr sz="2000" kern="1200">
           <a:solidFill>
             <a:schemeClr val="tx1"/>
           </a:solidFill>
@@ -3090,7 +5514,7 @@
         </a:spcBef>
         <a:buFont typeface="Arial" panose="020B0604020202020204" pitchFamily="34" charset="0"/>
         <a:buChar char="•"/>
-        <a:defRPr sz="2000" kern="1200">
+        <a:defRPr sz="1800" kern="1200">
           <a:solidFill>
             <a:schemeClr val="tx1"/>
           </a:solidFill>
@@ -3108,7 +5532,7 @@
         </a:spcBef>
         <a:buFont typeface="Arial" panose="020B0604020202020204" pitchFamily="34" charset="0"/>
         <a:buChar char="•"/>
-        <a:defRPr sz="1800" kern="1200">
+        <a:defRPr sz="1600" kern="1200">
           <a:solidFill>
             <a:schemeClr val="tx1"/>
           </a:solidFill>
@@ -3126,7 +5550,7 @@
         </a:spcBef>
         <a:buFont typeface="Arial" panose="020B0604020202020204" pitchFamily="34" charset="0"/>
         <a:buChar char="•"/>
-        <a:defRPr sz="1800" kern="1200">
+        <a:defRPr sz="1600" kern="1200">
           <a:solidFill>
             <a:schemeClr val="tx1"/>
           </a:solidFill>
@@ -3144,7 +5568,7 @@
         </a:spcBef>
         <a:buFont typeface="Arial" panose="020B0604020202020204" pitchFamily="34" charset="0"/>
         <a:buChar char="•"/>
-        <a:defRPr sz="1800" kern="1200">
+        <a:defRPr sz="1600" kern="1200">
           <a:solidFill>
             <a:schemeClr val="tx1"/>
           </a:solidFill>
@@ -3162,7 +5586,7 @@
         </a:spcBef>
         <a:buFont typeface="Arial" panose="020B0604020202020204" pitchFamily="34" charset="0"/>
         <a:buChar char="•"/>
-        <a:defRPr sz="1800" kern="1200">
+        <a:defRPr sz="1600" kern="1200">
           <a:solidFill>
             <a:schemeClr val="tx1"/>
           </a:solidFill>
@@ -3180,7 +5604,7 @@
         </a:spcBef>
         <a:buFont typeface="Arial" panose="020B0604020202020204" pitchFamily="34" charset="0"/>
         <a:buChar char="•"/>
-        <a:defRPr sz="1800" kern="1200">
+        <a:defRPr sz="1600" kern="1200">
           <a:solidFill>
             <a:schemeClr val="tx1"/>
           </a:solidFill>
@@ -3198,7 +5622,7 @@
         </a:spcBef>
         <a:buFont typeface="Arial" panose="020B0604020202020204" pitchFamily="34" charset="0"/>
         <a:buChar char="•"/>
-        <a:defRPr sz="1800" kern="1200">
+        <a:defRPr sz="1600" kern="1200">
           <a:solidFill>
             <a:schemeClr val="tx1"/>
           </a:solidFill>
@@ -3210,7 +5634,7 @@
     </p:bodyStyle>
     <p:otherStyle>
       <a:defPPr>
-        <a:defRPr lang="ko-KR"/>
+        <a:defRPr lang="en-US"/>
       </a:defPPr>
       <a:lvl1pPr marL="0" algn="l" defTabSz="914400" rtl="0" eaLnBrk="1" latinLnBrk="1" hangingPunct="1">
         <a:defRPr sz="1800" kern="1200">
@@ -3326,10 +5750,10 @@
       </p:grpSpPr>
       <p:sp>
         <p:nvSpPr>
-          <p:cNvPr id="5" name="직사각형 4">
+          <p:cNvPr id="4" name="직사각형 3">
             <a:extLst>
               <a:ext uri="{FF2B5EF4-FFF2-40B4-BE49-F238E27FC236}">
-                <a16:creationId xmlns:a16="http://schemas.microsoft.com/office/drawing/2014/main" id="{63F19491-2375-4796-B6EA-9C0A225B02E1}"/>
+                <a16:creationId xmlns:a16="http://schemas.microsoft.com/office/drawing/2014/main" id="{325D4555-EDA3-4A53-875C-58926164B592}"/>
               </a:ext>
             </a:extLst>
           </p:cNvPr>
@@ -3338,22 +5762,23 @@
         </p:nvSpPr>
         <p:spPr>
           <a:xfrm>
-            <a:off x="1393452" y="3602180"/>
-            <a:ext cx="2455055" cy="1446069"/>
+            <a:off x="1620982" y="3602180"/>
+            <a:ext cx="2278002" cy="1169551"/>
           </a:xfrm>
           <a:prstGeom prst="rect">
             <a:avLst/>
           </a:prstGeom>
+          <a:ln/>
         </p:spPr>
         <p:style>
-          <a:lnRef idx="0">
-            <a:schemeClr val="accent3"/>
+          <a:lnRef idx="3">
+            <a:schemeClr val="lt1"/>
           </a:lnRef>
-          <a:fillRef idx="3">
-            <a:schemeClr val="accent3"/>
+          <a:fillRef idx="1">
+            <a:schemeClr val="dk1"/>
           </a:fillRef>
-          <a:effectRef idx="3">
-            <a:schemeClr val="accent3"/>
+          <a:effectRef idx="1">
+            <a:schemeClr val="dk1"/>
           </a:effectRef>
           <a:fontRef idx="minor">
             <a:schemeClr val="lt1"/>
@@ -3365,19 +5790,78 @@
           <a:p>
             <a:pPr algn="ctr"/>
             <a:r>
-              <a:rPr lang="ko-KR" altLang="en-US" dirty="0"/>
+              <a:rPr lang="ko-KR" altLang="en-US" dirty="0">
+                <a:latin typeface="HY견고딕" panose="02030600000101010101" pitchFamily="18" charset="-127"/>
+                <a:ea typeface="HY견고딕" panose="02030600000101010101" pitchFamily="18" charset="-127"/>
+              </a:rPr>
               <a:t>이미지 입력</a:t>
             </a:r>
-            <a:endParaRPr lang="en-US" altLang="ko-KR" dirty="0"/>
-          </a:p>
-        </p:txBody>
-      </p:sp>
-      <p:sp>
-        <p:nvSpPr>
-          <p:cNvPr id="7" name="직사각형 6">
+            <a:endParaRPr lang="en-US" altLang="ko-KR" dirty="0">
+              <a:latin typeface="HY견고딕" panose="02030600000101010101" pitchFamily="18" charset="-127"/>
+              <a:ea typeface="HY견고딕" panose="02030600000101010101" pitchFamily="18" charset="-127"/>
+            </a:endParaRPr>
+          </a:p>
+        </p:txBody>
+      </p:sp>
+      <p:sp>
+        <p:nvSpPr>
+          <p:cNvPr id="7" name="TextBox 6">
             <a:extLst>
               <a:ext uri="{FF2B5EF4-FFF2-40B4-BE49-F238E27FC236}">
-                <a16:creationId xmlns:a16="http://schemas.microsoft.com/office/drawing/2014/main" id="{D4F4C1FC-FE1B-47E6-A0DF-F9FA1DD0A07A}"/>
+                <a16:creationId xmlns:a16="http://schemas.microsoft.com/office/drawing/2014/main" id="{0C81C61E-796A-4C85-8438-E31C5EE1ACFE}"/>
+              </a:ext>
+            </a:extLst>
+          </p:cNvPr>
+          <p:cNvSpPr txBox="1"/>
+          <p:nvPr/>
+        </p:nvSpPr>
+        <p:spPr>
+          <a:xfrm>
+            <a:off x="1620982" y="1274618"/>
+            <a:ext cx="8880763" cy="1169551"/>
+          </a:xfrm>
+          <a:prstGeom prst="rect">
+            <a:avLst/>
+          </a:prstGeom>
+          <a:noFill/>
+        </p:spPr>
+        <p:txBody>
+          <a:bodyPr wrap="square" rtlCol="0">
+            <a:spAutoFit/>
+          </a:bodyPr>
+          <a:lstStyle/>
+          <a:p>
+            <a:pPr algn="ctr"/>
+            <a:r>
+              <a:rPr lang="ko-KR" altLang="en-US" sz="4500" dirty="0">
+                <a:latin typeface="HY헤드라인M" panose="02030600000101010101" pitchFamily="18" charset="-127"/>
+                <a:ea typeface="HY헤드라인M" panose="02030600000101010101" pitchFamily="18" charset="-127"/>
+              </a:rPr>
+              <a:t>컴퓨터 비전 프로젝트 </a:t>
+            </a:r>
+            <a:endParaRPr lang="en-US" altLang="ko-KR" sz="4500" dirty="0">
+              <a:latin typeface="HY헤드라인M" panose="02030600000101010101" pitchFamily="18" charset="-127"/>
+              <a:ea typeface="HY헤드라인M" panose="02030600000101010101" pitchFamily="18" charset="-127"/>
+            </a:endParaRPr>
+          </a:p>
+          <a:p>
+            <a:pPr algn="ctr"/>
+            <a:r>
+              <a:rPr lang="ko-KR" altLang="en-US" sz="2500" dirty="0">
+                <a:latin typeface="HY견고딕" panose="02030600000101010101" pitchFamily="18" charset="-127"/>
+                <a:ea typeface="HY견고딕" panose="02030600000101010101" pitchFamily="18" charset="-127"/>
+              </a:rPr>
+              <a:t>프로세스 개요</a:t>
+            </a:r>
+          </a:p>
+        </p:txBody>
+      </p:sp>
+      <p:sp>
+        <p:nvSpPr>
+          <p:cNvPr id="8" name="직사각형 7">
+            <a:extLst>
+              <a:ext uri="{FF2B5EF4-FFF2-40B4-BE49-F238E27FC236}">
+                <a16:creationId xmlns:a16="http://schemas.microsoft.com/office/drawing/2014/main" id="{0FC6BF1B-604D-45C1-ACA5-4C2994890F03}"/>
               </a:ext>
             </a:extLst>
           </p:cNvPr>
@@ -3386,22 +5870,23 @@
         </p:nvSpPr>
         <p:spPr>
           <a:xfrm>
-            <a:off x="4779946" y="3602181"/>
-            <a:ext cx="2455055" cy="1446069"/>
+            <a:off x="4956999" y="3602179"/>
+            <a:ext cx="2278002" cy="1169551"/>
           </a:xfrm>
           <a:prstGeom prst="rect">
             <a:avLst/>
           </a:prstGeom>
+          <a:ln/>
         </p:spPr>
         <p:style>
-          <a:lnRef idx="0">
-            <a:schemeClr val="accent3"/>
+          <a:lnRef idx="3">
+            <a:schemeClr val="lt1"/>
           </a:lnRef>
-          <a:fillRef idx="3">
-            <a:schemeClr val="accent3"/>
+          <a:fillRef idx="1">
+            <a:schemeClr val="dk1"/>
           </a:fillRef>
-          <a:effectRef idx="3">
-            <a:schemeClr val="accent3"/>
+          <a:effectRef idx="1">
+            <a:schemeClr val="dk1"/>
           </a:effectRef>
           <a:fontRef idx="minor">
             <a:schemeClr val="lt1"/>
@@ -3413,19 +5898,25 @@
           <a:p>
             <a:pPr algn="ctr"/>
             <a:r>
-              <a:rPr lang="ko-KR" altLang="en-US" dirty="0"/>
+              <a:rPr lang="ko-KR" altLang="en-US" dirty="0">
+                <a:latin typeface="HY견고딕" panose="02030600000101010101" pitchFamily="18" charset="-127"/>
+                <a:ea typeface="HY견고딕" panose="02030600000101010101" pitchFamily="18" charset="-127"/>
+              </a:rPr>
               <a:t>이미지 비교</a:t>
             </a:r>
-            <a:endParaRPr lang="en-US" altLang="ko-KR" dirty="0"/>
-          </a:p>
-        </p:txBody>
-      </p:sp>
-      <p:sp>
-        <p:nvSpPr>
-          <p:cNvPr id="8" name="직사각형 7">
+            <a:endParaRPr lang="en-US" altLang="ko-KR" dirty="0">
+              <a:latin typeface="HY견고딕" panose="02030600000101010101" pitchFamily="18" charset="-127"/>
+              <a:ea typeface="HY견고딕" panose="02030600000101010101" pitchFamily="18" charset="-127"/>
+            </a:endParaRPr>
+          </a:p>
+        </p:txBody>
+      </p:sp>
+      <p:sp>
+        <p:nvSpPr>
+          <p:cNvPr id="9" name="직사각형 8">
             <a:extLst>
               <a:ext uri="{FF2B5EF4-FFF2-40B4-BE49-F238E27FC236}">
-                <a16:creationId xmlns:a16="http://schemas.microsoft.com/office/drawing/2014/main" id="{0CA95ACE-5A60-448E-8B36-D9773FB50025}"/>
+                <a16:creationId xmlns:a16="http://schemas.microsoft.com/office/drawing/2014/main" id="{EF3DF83B-F66D-4BF6-A7ED-72BD94C7FBDF}"/>
               </a:ext>
             </a:extLst>
           </p:cNvPr>
@@ -3434,22 +5925,23 @@
         </p:nvSpPr>
         <p:spPr>
           <a:xfrm>
-            <a:off x="8343493" y="3602180"/>
-            <a:ext cx="2455055" cy="1446069"/>
+            <a:off x="8293016" y="3602178"/>
+            <a:ext cx="2278002" cy="1169551"/>
           </a:xfrm>
           <a:prstGeom prst="rect">
             <a:avLst/>
           </a:prstGeom>
+          <a:ln/>
         </p:spPr>
         <p:style>
-          <a:lnRef idx="0">
-            <a:schemeClr val="accent3"/>
+          <a:lnRef idx="3">
+            <a:schemeClr val="lt1"/>
           </a:lnRef>
-          <a:fillRef idx="3">
-            <a:schemeClr val="accent3"/>
+          <a:fillRef idx="1">
+            <a:schemeClr val="dk1"/>
           </a:fillRef>
-          <a:effectRef idx="3">
-            <a:schemeClr val="accent3"/>
+          <a:effectRef idx="1">
+            <a:schemeClr val="dk1"/>
           </a:effectRef>
           <a:fontRef idx="minor">
             <a:schemeClr val="lt1"/>
@@ -3461,70 +5953,23 @@
           <a:p>
             <a:pPr algn="ctr"/>
             <a:r>
-              <a:rPr lang="ko-KR" altLang="en-US" dirty="0"/>
-              <a:t>이미지 출력</a:t>
-            </a:r>
-            <a:endParaRPr lang="en-US" altLang="ko-KR" dirty="0"/>
-          </a:p>
-        </p:txBody>
-      </p:sp>
-      <p:sp>
-        <p:nvSpPr>
-          <p:cNvPr id="9" name="TextBox 8">
-            <a:extLst>
-              <a:ext uri="{FF2B5EF4-FFF2-40B4-BE49-F238E27FC236}">
-                <a16:creationId xmlns:a16="http://schemas.microsoft.com/office/drawing/2014/main" id="{9C1BFDA6-F8D0-45DE-9155-64510B087315}"/>
-              </a:ext>
-            </a:extLst>
-          </p:cNvPr>
-          <p:cNvSpPr txBox="1"/>
-          <p:nvPr/>
-        </p:nvSpPr>
-        <p:spPr>
-          <a:xfrm>
-            <a:off x="1620982" y="1274618"/>
-            <a:ext cx="8880763" cy="1169551"/>
-          </a:xfrm>
-          <a:prstGeom prst="rect">
-            <a:avLst/>
-          </a:prstGeom>
-          <a:noFill/>
-        </p:spPr>
-        <p:txBody>
-          <a:bodyPr wrap="square" rtlCol="0">
-            <a:spAutoFit/>
-          </a:bodyPr>
-          <a:lstStyle/>
-          <a:p>
-            <a:pPr algn="ctr"/>
-            <a:r>
-              <a:rPr lang="ko-KR" altLang="en-US" sz="4500" dirty="0">
-                <a:latin typeface="HY헤드라인M" panose="02030600000101010101" pitchFamily="18" charset="-127"/>
-                <a:ea typeface="HY헤드라인M" panose="02030600000101010101" pitchFamily="18" charset="-127"/>
-              </a:rPr>
-              <a:t>컴퓨터 비전 프로젝트 </a:t>
-            </a:r>
-            <a:endParaRPr lang="en-US" altLang="ko-KR" sz="4500" dirty="0">
-              <a:latin typeface="HY헤드라인M" panose="02030600000101010101" pitchFamily="18" charset="-127"/>
-              <a:ea typeface="HY헤드라인M" panose="02030600000101010101" pitchFamily="18" charset="-127"/>
-            </a:endParaRPr>
-          </a:p>
-          <a:p>
-            <a:pPr algn="ctr"/>
-            <a:r>
-              <a:rPr lang="ko-KR" altLang="en-US" sz="2500" dirty="0">
+              <a:rPr lang="ko-KR" altLang="en-US" dirty="0">
                 <a:latin typeface="HY견고딕" panose="02030600000101010101" pitchFamily="18" charset="-127"/>
                 <a:ea typeface="HY견고딕" panose="02030600000101010101" pitchFamily="18" charset="-127"/>
               </a:rPr>
-              <a:t>프로세스 개요</a:t>
-            </a:r>
+              <a:t>이미지 출력</a:t>
+            </a:r>
+            <a:endParaRPr lang="en-US" altLang="ko-KR" dirty="0">
+              <a:latin typeface="HY견고딕" panose="02030600000101010101" pitchFamily="18" charset="-127"/>
+              <a:ea typeface="HY견고딕" panose="02030600000101010101" pitchFamily="18" charset="-127"/>
+            </a:endParaRPr>
           </a:p>
         </p:txBody>
       </p:sp>
     </p:spTree>
     <p:extLst>
       <p:ext uri="{BB962C8B-B14F-4D97-AF65-F5344CB8AC3E}">
-        <p14:creationId xmlns:p14="http://schemas.microsoft.com/office/powerpoint/2010/main" val="629291168"/>
+        <p14:creationId xmlns:p14="http://schemas.microsoft.com/office/powerpoint/2010/main" val="1173514782"/>
       </p:ext>
     </p:extLst>
   </p:cSld>
@@ -3553,10 +5998,10 @@
       </p:grpSpPr>
       <p:sp>
         <p:nvSpPr>
-          <p:cNvPr id="4" name="직사각형 3">
+          <p:cNvPr id="5" name="직사각형 4">
             <a:extLst>
               <a:ext uri="{FF2B5EF4-FFF2-40B4-BE49-F238E27FC236}">
-                <a16:creationId xmlns:a16="http://schemas.microsoft.com/office/drawing/2014/main" id="{4D38D189-ADD0-485D-908D-6EB2EF7F2B3B}"/>
+                <a16:creationId xmlns:a16="http://schemas.microsoft.com/office/drawing/2014/main" id="{0658D64C-FB74-4C8E-8541-297D66F08B95}"/>
               </a:ext>
             </a:extLst>
           </p:cNvPr>
@@ -3565,25 +6010,26 @@
         </p:nvSpPr>
         <p:spPr>
           <a:xfrm>
-            <a:off x="696852" y="581890"/>
-            <a:ext cx="4415474" cy="1598468"/>
+            <a:off x="1511525" y="895495"/>
+            <a:ext cx="2278002" cy="1169551"/>
           </a:xfrm>
           <a:prstGeom prst="rect">
             <a:avLst/>
           </a:prstGeom>
+          <a:ln/>
         </p:spPr>
         <p:style>
-          <a:lnRef idx="1">
-            <a:schemeClr val="dk1"/>
+          <a:lnRef idx="3">
+            <a:schemeClr val="lt1"/>
           </a:lnRef>
-          <a:fillRef idx="2">
+          <a:fillRef idx="1">
             <a:schemeClr val="dk1"/>
           </a:fillRef>
           <a:effectRef idx="1">
             <a:schemeClr val="dk1"/>
           </a:effectRef>
           <a:fontRef idx="minor">
-            <a:schemeClr val="dk1"/>
+            <a:schemeClr val="lt1"/>
           </a:fontRef>
         </p:style>
         <p:txBody>
@@ -3592,13 +6038,13 @@
           <a:p>
             <a:pPr algn="ctr"/>
             <a:r>
-              <a:rPr lang="ko-KR" altLang="en-US" sz="3500" dirty="0">
+              <a:rPr lang="ko-KR" altLang="en-US" dirty="0">
                 <a:latin typeface="HY견고딕" panose="02030600000101010101" pitchFamily="18" charset="-127"/>
                 <a:ea typeface="HY견고딕" panose="02030600000101010101" pitchFamily="18" charset="-127"/>
               </a:rPr>
               <a:t>이미지 입력</a:t>
             </a:r>
-            <a:endParaRPr lang="en-US" altLang="ko-KR" sz="3500" dirty="0">
+            <a:endParaRPr lang="en-US" altLang="ko-KR" dirty="0">
               <a:latin typeface="HY견고딕" panose="02030600000101010101" pitchFamily="18" charset="-127"/>
               <a:ea typeface="HY견고딕" panose="02030600000101010101" pitchFamily="18" charset="-127"/>
             </a:endParaRPr>
@@ -3607,10 +6053,10 @@
       </p:sp>
       <p:sp>
         <p:nvSpPr>
-          <p:cNvPr id="5" name="직사각형 4">
+          <p:cNvPr id="6" name="직사각형 5">
             <a:extLst>
               <a:ext uri="{FF2B5EF4-FFF2-40B4-BE49-F238E27FC236}">
-                <a16:creationId xmlns:a16="http://schemas.microsoft.com/office/drawing/2014/main" id="{48ADA305-B000-4161-AEF0-E6EE861223E8}"/>
+                <a16:creationId xmlns:a16="http://schemas.microsoft.com/office/drawing/2014/main" id="{5F7011EC-0E5C-4290-850C-06EE67E08DD2}"/>
               </a:ext>
             </a:extLst>
           </p:cNvPr>
@@ -3619,25 +6065,26 @@
         </p:nvSpPr>
         <p:spPr>
           <a:xfrm>
-            <a:off x="6096000" y="581890"/>
-            <a:ext cx="4948873" cy="886692"/>
+            <a:off x="5203490" y="895495"/>
+            <a:ext cx="2278002" cy="1169551"/>
           </a:xfrm>
           <a:prstGeom prst="rect">
             <a:avLst/>
           </a:prstGeom>
+          <a:ln/>
         </p:spPr>
         <p:style>
-          <a:lnRef idx="1">
-            <a:schemeClr val="accent1"/>
+          <a:lnRef idx="3">
+            <a:schemeClr val="lt1"/>
           </a:lnRef>
-          <a:fillRef idx="2">
-            <a:schemeClr val="accent1"/>
+          <a:fillRef idx="1">
+            <a:schemeClr val="dk1"/>
           </a:fillRef>
           <a:effectRef idx="1">
-            <a:schemeClr val="accent1"/>
+            <a:schemeClr val="dk1"/>
           </a:effectRef>
           <a:fontRef idx="minor">
-            <a:schemeClr val="dk1"/>
+            <a:schemeClr val="lt1"/>
           </a:fontRef>
         </p:style>
         <p:txBody>
@@ -3646,22 +6093,25 @@
           <a:p>
             <a:pPr algn="ctr"/>
             <a:r>
-              <a:rPr lang="ko-KR" altLang="en-US" dirty="0"/>
-              <a:t>영상 입력</a:t>
-            </a:r>
-            <a:r>
-              <a:rPr lang="en-US" altLang="ko-KR" dirty="0"/>
-              <a:t>(1.jpg , 2 jpg)</a:t>
-            </a:r>
-          </a:p>
-        </p:txBody>
-      </p:sp>
-      <p:sp>
-        <p:nvSpPr>
-          <p:cNvPr id="6" name="직사각형 5">
+              <a:rPr lang="ko-KR" altLang="en-US" dirty="0">
+                <a:latin typeface="HY견고딕" panose="02030600000101010101" pitchFamily="18" charset="-127"/>
+                <a:ea typeface="HY견고딕" panose="02030600000101010101" pitchFamily="18" charset="-127"/>
+              </a:rPr>
+              <a:t>이미지 비교</a:t>
+            </a:r>
+            <a:endParaRPr lang="en-US" altLang="ko-KR" dirty="0">
+              <a:latin typeface="HY견고딕" panose="02030600000101010101" pitchFamily="18" charset="-127"/>
+              <a:ea typeface="HY견고딕" panose="02030600000101010101" pitchFamily="18" charset="-127"/>
+            </a:endParaRPr>
+          </a:p>
+        </p:txBody>
+      </p:sp>
+      <p:sp>
+        <p:nvSpPr>
+          <p:cNvPr id="7" name="직사각형 6">
             <a:extLst>
               <a:ext uri="{FF2B5EF4-FFF2-40B4-BE49-F238E27FC236}">
-                <a16:creationId xmlns:a16="http://schemas.microsoft.com/office/drawing/2014/main" id="{8B33FD4A-3ADE-4FB4-9460-62E20AFDDCD5}"/>
+                <a16:creationId xmlns:a16="http://schemas.microsoft.com/office/drawing/2014/main" id="{86031F27-A41B-4E6A-93A3-2373239F62D7}"/>
               </a:ext>
             </a:extLst>
           </p:cNvPr>
@@ -3670,25 +6120,26 @@
         </p:nvSpPr>
         <p:spPr>
           <a:xfrm>
-            <a:off x="6095999" y="2027958"/>
-            <a:ext cx="4948873" cy="886692"/>
+            <a:off x="8847349" y="895495"/>
+            <a:ext cx="2278002" cy="1169551"/>
           </a:xfrm>
           <a:prstGeom prst="rect">
             <a:avLst/>
           </a:prstGeom>
+          <a:ln/>
         </p:spPr>
         <p:style>
-          <a:lnRef idx="1">
-            <a:schemeClr val="accent1"/>
+          <a:lnRef idx="3">
+            <a:schemeClr val="lt1"/>
           </a:lnRef>
-          <a:fillRef idx="2">
-            <a:schemeClr val="accent1"/>
+          <a:fillRef idx="1">
+            <a:schemeClr val="dk1"/>
           </a:fillRef>
           <a:effectRef idx="1">
-            <a:schemeClr val="accent1"/>
+            <a:schemeClr val="dk1"/>
           </a:effectRef>
           <a:fontRef idx="minor">
-            <a:schemeClr val="dk1"/>
+            <a:schemeClr val="lt1"/>
           </a:fontRef>
         </p:style>
         <p:txBody>
@@ -3697,38 +6148,25 @@
           <a:p>
             <a:pPr algn="ctr"/>
             <a:r>
-              <a:rPr lang="ko-KR" altLang="en-US" dirty="0"/>
-              <a:t>좌표 입력</a:t>
-            </a:r>
-            <a:r>
-              <a:rPr lang="en-US" altLang="ko-KR" dirty="0"/>
-              <a:t>(1(</a:t>
-            </a:r>
-            <a:r>
-              <a:rPr lang="en-US" altLang="ko-KR" dirty="0" err="1"/>
-              <a:t>x,y</a:t>
-            </a:r>
-            <a:r>
-              <a:rPr lang="en-US" altLang="ko-KR" dirty="0"/>
-              <a:t>) 2(</a:t>
-            </a:r>
-            <a:r>
-              <a:rPr lang="en-US" altLang="ko-KR" dirty="0" err="1"/>
-              <a:t>x,y</a:t>
-            </a:r>
-            <a:r>
-              <a:rPr lang="en-US" altLang="ko-KR" dirty="0"/>
-              <a:t>))</a:t>
-            </a:r>
-          </a:p>
-        </p:txBody>
-      </p:sp>
-      <p:sp>
-        <p:nvSpPr>
-          <p:cNvPr id="7" name="직사각형 6">
+              <a:rPr lang="ko-KR" altLang="en-US" dirty="0">
+                <a:latin typeface="HY견고딕" panose="02030600000101010101" pitchFamily="18" charset="-127"/>
+                <a:ea typeface="HY견고딕" panose="02030600000101010101" pitchFamily="18" charset="-127"/>
+              </a:rPr>
+              <a:t>이미지 출력</a:t>
+            </a:r>
+            <a:endParaRPr lang="en-US" altLang="ko-KR" dirty="0">
+              <a:latin typeface="HY견고딕" panose="02030600000101010101" pitchFamily="18" charset="-127"/>
+              <a:ea typeface="HY견고딕" panose="02030600000101010101" pitchFamily="18" charset="-127"/>
+            </a:endParaRPr>
+          </a:p>
+        </p:txBody>
+      </p:sp>
+      <p:sp>
+        <p:nvSpPr>
+          <p:cNvPr id="8" name="직사각형 7">
             <a:extLst>
               <a:ext uri="{FF2B5EF4-FFF2-40B4-BE49-F238E27FC236}">
-                <a16:creationId xmlns:a16="http://schemas.microsoft.com/office/drawing/2014/main" id="{BC0F159E-2488-4443-816A-080B9B4F2957}"/>
+                <a16:creationId xmlns:a16="http://schemas.microsoft.com/office/drawing/2014/main" id="{360AC273-4C75-408D-BC40-438791BE0384}"/>
               </a:ext>
             </a:extLst>
           </p:cNvPr>
@@ -3737,25 +6175,26 @@
         </p:nvSpPr>
         <p:spPr>
           <a:xfrm>
-            <a:off x="6096000" y="3474026"/>
-            <a:ext cx="4948874" cy="886692"/>
+            <a:off x="1511525" y="2515451"/>
+            <a:ext cx="2278002" cy="3481599"/>
           </a:xfrm>
           <a:prstGeom prst="rect">
             <a:avLst/>
           </a:prstGeom>
+          <a:ln/>
         </p:spPr>
         <p:style>
-          <a:lnRef idx="1">
-            <a:schemeClr val="accent1"/>
+          <a:lnRef idx="3">
+            <a:schemeClr val="lt1"/>
           </a:lnRef>
-          <a:fillRef idx="2">
-            <a:schemeClr val="accent1"/>
+          <a:fillRef idx="1">
+            <a:schemeClr val="dk1"/>
           </a:fillRef>
           <a:effectRef idx="1">
-            <a:schemeClr val="accent1"/>
+            <a:schemeClr val="dk1"/>
           </a:effectRef>
           <a:fontRef idx="minor">
-            <a:schemeClr val="dk1"/>
+            <a:schemeClr val="lt1"/>
           </a:fontRef>
         </p:style>
         <p:txBody>
@@ -3764,54 +6203,81 @@
           <a:p>
             <a:pPr algn="ctr"/>
             <a:r>
-              <a:rPr lang="ko-KR" altLang="en-US" dirty="0"/>
-              <a:t>해당 좌표에 </a:t>
-            </a:r>
-            <a:r>
-              <a:rPr lang="ko-KR" altLang="en-US" dirty="0" err="1"/>
+              <a:rPr lang="ko-KR" altLang="en-US" dirty="0">
+                <a:latin typeface="HY견고딕" panose="02030600000101010101" pitchFamily="18" charset="-127"/>
+                <a:ea typeface="HY견고딕" panose="02030600000101010101" pitchFamily="18" charset="-127"/>
+              </a:rPr>
+              <a:t>영상 입력</a:t>
+            </a:r>
+            <a:endParaRPr lang="en-US" altLang="ko-KR" dirty="0">
+              <a:latin typeface="HY견고딕" panose="02030600000101010101" pitchFamily="18" charset="-127"/>
+              <a:ea typeface="HY견고딕" panose="02030600000101010101" pitchFamily="18" charset="-127"/>
+            </a:endParaRPr>
+          </a:p>
+          <a:p>
+            <a:pPr algn="ctr"/>
+            <a:endParaRPr lang="en-US" altLang="ko-KR" dirty="0">
+              <a:latin typeface="HY견고딕" panose="02030600000101010101" pitchFamily="18" charset="-127"/>
+              <a:ea typeface="HY견고딕" panose="02030600000101010101" pitchFamily="18" charset="-127"/>
+            </a:endParaRPr>
+          </a:p>
+          <a:p>
+            <a:pPr algn="ctr"/>
+            <a:r>
+              <a:rPr lang="ko-KR" altLang="en-US" dirty="0">
+                <a:latin typeface="HY견고딕" panose="02030600000101010101" pitchFamily="18" charset="-127"/>
+                <a:ea typeface="HY견고딕" panose="02030600000101010101" pitchFamily="18" charset="-127"/>
+              </a:rPr>
+              <a:t>좌표 입력</a:t>
+            </a:r>
+            <a:endParaRPr lang="en-US" altLang="ko-KR" dirty="0">
+              <a:latin typeface="HY견고딕" panose="02030600000101010101" pitchFamily="18" charset="-127"/>
+              <a:ea typeface="HY견고딕" panose="02030600000101010101" pitchFamily="18" charset="-127"/>
+            </a:endParaRPr>
+          </a:p>
+          <a:p>
+            <a:pPr algn="ctr"/>
+            <a:endParaRPr lang="en-US" altLang="ko-KR" dirty="0">
+              <a:latin typeface="HY견고딕" panose="02030600000101010101" pitchFamily="18" charset="-127"/>
+              <a:ea typeface="HY견고딕" panose="02030600000101010101" pitchFamily="18" charset="-127"/>
+            </a:endParaRPr>
+          </a:p>
+          <a:p>
+            <a:pPr algn="ctr"/>
+            <a:r>
+              <a:rPr lang="ko-KR" altLang="en-US" dirty="0" err="1">
+                <a:latin typeface="HY견고딕" panose="02030600000101010101" pitchFamily="18" charset="-127"/>
+                <a:ea typeface="HY견고딕" panose="02030600000101010101" pitchFamily="18" charset="-127"/>
+              </a:rPr>
               <a:t>가우시안</a:t>
             </a:r>
             <a:r>
-              <a:rPr lang="ko-KR" altLang="en-US" dirty="0"/>
-              <a:t> 필터 적용 </a:t>
-            </a:r>
-            <a:r>
-              <a:rPr lang="en-US" altLang="ko-KR" dirty="0"/>
-              <a:t>(</a:t>
-            </a:r>
-            <a:r>
-              <a:rPr lang="en-US" altLang="ko-KR" dirty="0" err="1"/>
-              <a:t>NxN</a:t>
-            </a:r>
-            <a:r>
-              <a:rPr lang="en-US" altLang="ko-KR" dirty="0"/>
-              <a:t> </a:t>
-            </a:r>
-            <a:r>
-              <a:rPr lang="ko-KR" altLang="en-US" dirty="0"/>
-              <a:t>크기의 값 각 영상 당 </a:t>
-            </a:r>
-            <a:r>
-              <a:rPr lang="en-US" altLang="ko-KR" dirty="0"/>
-              <a:t>4</a:t>
-            </a:r>
-            <a:r>
-              <a:rPr lang="ko-KR" altLang="en-US" dirty="0"/>
-              <a:t>개 씩</a:t>
-            </a:r>
-            <a:r>
-              <a:rPr lang="en-US" altLang="ko-KR" dirty="0"/>
-              <a:t>)</a:t>
-            </a:r>
-          </a:p>
-        </p:txBody>
-      </p:sp>
-      <p:sp>
-        <p:nvSpPr>
-          <p:cNvPr id="8" name="직사각형 7">
+              <a:rPr lang="ko-KR" altLang="en-US" dirty="0">
+                <a:latin typeface="HY견고딕" panose="02030600000101010101" pitchFamily="18" charset="-127"/>
+                <a:ea typeface="HY견고딕" panose="02030600000101010101" pitchFamily="18" charset="-127"/>
+              </a:rPr>
+              <a:t> 필터 </a:t>
+            </a:r>
+            <a:endParaRPr lang="en-US" altLang="ko-KR" dirty="0">
+              <a:latin typeface="HY견고딕" panose="02030600000101010101" pitchFamily="18" charset="-127"/>
+              <a:ea typeface="HY견고딕" panose="02030600000101010101" pitchFamily="18" charset="-127"/>
+            </a:endParaRPr>
+          </a:p>
+          <a:p>
+            <a:pPr algn="ctr"/>
+            <a:endParaRPr lang="en-US" altLang="ko-KR" dirty="0">
+              <a:latin typeface="HY견고딕" panose="02030600000101010101" pitchFamily="18" charset="-127"/>
+              <a:ea typeface="HY견고딕" panose="02030600000101010101" pitchFamily="18" charset="-127"/>
+            </a:endParaRPr>
+          </a:p>
+        </p:txBody>
+      </p:sp>
+      <p:sp>
+        <p:nvSpPr>
+          <p:cNvPr id="9" name="직사각형 8">
             <a:extLst>
               <a:ext uri="{FF2B5EF4-FFF2-40B4-BE49-F238E27FC236}">
-                <a16:creationId xmlns:a16="http://schemas.microsoft.com/office/drawing/2014/main" id="{6FC5AFA4-1DAA-48F0-9E04-9AC1991B0205}"/>
+                <a16:creationId xmlns:a16="http://schemas.microsoft.com/office/drawing/2014/main" id="{383A74A9-FDB8-4923-A6E7-513DC038342F}"/>
               </a:ext>
             </a:extLst>
           </p:cNvPr>
@@ -3820,22 +6286,23 @@
         </p:nvSpPr>
         <p:spPr>
           <a:xfrm>
-            <a:off x="6096000" y="5067299"/>
-            <a:ext cx="4948874" cy="886692"/>
+            <a:off x="5203490" y="2515451"/>
+            <a:ext cx="2278002" cy="3481599"/>
           </a:xfrm>
           <a:prstGeom prst="rect">
             <a:avLst/>
           </a:prstGeom>
+          <a:ln/>
         </p:spPr>
         <p:style>
-          <a:lnRef idx="0">
-            <a:schemeClr val="accent2"/>
+          <a:lnRef idx="3">
+            <a:schemeClr val="lt1"/>
           </a:lnRef>
-          <a:fillRef idx="3">
-            <a:schemeClr val="accent2"/>
+          <a:fillRef idx="1">
+            <a:schemeClr val="dk1"/>
           </a:fillRef>
-          <a:effectRef idx="3">
-            <a:schemeClr val="accent2"/>
+          <a:effectRef idx="1">
+            <a:schemeClr val="dk1"/>
           </a:effectRef>
           <a:fontRef idx="minor">
             <a:schemeClr val="lt1"/>
@@ -3847,43 +6314,80 @@
           <a:p>
             <a:pPr algn="ctr"/>
             <a:r>
-              <a:rPr lang="ko-KR" altLang="en-US" dirty="0"/>
-              <a:t>최종 </a:t>
-            </a:r>
-            <a:r>
-              <a:rPr lang="en-US" altLang="ko-KR" dirty="0"/>
-              <a:t>OUTPUT = </a:t>
-            </a:r>
-            <a:r>
-              <a:rPr lang="en-US" altLang="ko-KR" dirty="0" err="1"/>
-              <a:t>NxN</a:t>
-            </a:r>
-            <a:r>
-              <a:rPr lang="en-US" altLang="ko-KR" dirty="0"/>
-              <a:t> </a:t>
-            </a:r>
-            <a:r>
-              <a:rPr lang="ko-KR" altLang="en-US" dirty="0"/>
-              <a:t>크기의 배열 총 </a:t>
-            </a:r>
-            <a:r>
-              <a:rPr lang="en-US" altLang="ko-KR" dirty="0"/>
-              <a:t>8</a:t>
-            </a:r>
-            <a:r>
-              <a:rPr lang="ko-KR" altLang="en-US" dirty="0"/>
-              <a:t>개</a:t>
-            </a:r>
-            <a:endParaRPr lang="en-US" altLang="ko-KR" dirty="0"/>
-          </a:p>
-        </p:txBody>
-      </p:sp>
-      <p:sp>
-        <p:nvSpPr>
-          <p:cNvPr id="9" name="직사각형 8">
+              <a:rPr lang="en-US" altLang="ko-KR" dirty="0">
+                <a:latin typeface="HY견고딕" panose="02030600000101010101" pitchFamily="18" charset="-127"/>
+                <a:ea typeface="HY견고딕" panose="02030600000101010101" pitchFamily="18" charset="-127"/>
+              </a:rPr>
+              <a:t>Gradient(</a:t>
+            </a:r>
+            <a:r>
+              <a:rPr lang="en-US" altLang="ko-KR" dirty="0" err="1">
+                <a:latin typeface="HY견고딕" panose="02030600000101010101" pitchFamily="18" charset="-127"/>
+                <a:ea typeface="HY견고딕" panose="02030600000101010101" pitchFamily="18" charset="-127"/>
+              </a:rPr>
+              <a:t>sobel</a:t>
+            </a:r>
+            <a:r>
+              <a:rPr lang="en-US" altLang="ko-KR" dirty="0">
+                <a:latin typeface="HY견고딕" panose="02030600000101010101" pitchFamily="18" charset="-127"/>
+                <a:ea typeface="HY견고딕" panose="02030600000101010101" pitchFamily="18" charset="-127"/>
+              </a:rPr>
+              <a:t>)</a:t>
+            </a:r>
+          </a:p>
+          <a:p>
+            <a:pPr algn="ctr"/>
+            <a:endParaRPr lang="en-US" altLang="ko-KR" dirty="0">
+              <a:latin typeface="HY견고딕" panose="02030600000101010101" pitchFamily="18" charset="-127"/>
+              <a:ea typeface="HY견고딕" panose="02030600000101010101" pitchFamily="18" charset="-127"/>
+            </a:endParaRPr>
+          </a:p>
+          <a:p>
+            <a:pPr algn="ctr"/>
+            <a:r>
+              <a:rPr lang="en-US" altLang="ko-KR" dirty="0">
+                <a:latin typeface="HY견고딕" panose="02030600000101010101" pitchFamily="18" charset="-127"/>
+                <a:ea typeface="HY견고딕" panose="02030600000101010101" pitchFamily="18" charset="-127"/>
+              </a:rPr>
+              <a:t>Histogram</a:t>
+            </a:r>
+          </a:p>
+          <a:p>
+            <a:pPr algn="ctr"/>
+            <a:endParaRPr lang="en-US" altLang="ko-KR" dirty="0">
+              <a:latin typeface="HY견고딕" panose="02030600000101010101" pitchFamily="18" charset="-127"/>
+              <a:ea typeface="HY견고딕" panose="02030600000101010101" pitchFamily="18" charset="-127"/>
+            </a:endParaRPr>
+          </a:p>
+          <a:p>
+            <a:pPr algn="ctr"/>
+            <a:r>
+              <a:rPr lang="ko-KR" altLang="en-US" dirty="0">
+                <a:latin typeface="HY견고딕" panose="02030600000101010101" pitchFamily="18" charset="-127"/>
+                <a:ea typeface="HY견고딕" panose="02030600000101010101" pitchFamily="18" charset="-127"/>
+              </a:rPr>
+              <a:t>유사도 계산 </a:t>
+            </a:r>
+            <a:endParaRPr lang="en-US" altLang="ko-KR" dirty="0">
+              <a:latin typeface="HY견고딕" panose="02030600000101010101" pitchFamily="18" charset="-127"/>
+              <a:ea typeface="HY견고딕" panose="02030600000101010101" pitchFamily="18" charset="-127"/>
+            </a:endParaRPr>
+          </a:p>
+          <a:p>
+            <a:pPr algn="ctr"/>
+            <a:endParaRPr lang="en-US" altLang="ko-KR" dirty="0">
+              <a:latin typeface="HY견고딕" panose="02030600000101010101" pitchFamily="18" charset="-127"/>
+              <a:ea typeface="HY견고딕" panose="02030600000101010101" pitchFamily="18" charset="-127"/>
+            </a:endParaRPr>
+          </a:p>
+        </p:txBody>
+      </p:sp>
+      <p:sp>
+        <p:nvSpPr>
+          <p:cNvPr id="10" name="직사각형 9">
             <a:extLst>
               <a:ext uri="{FF2B5EF4-FFF2-40B4-BE49-F238E27FC236}">
-                <a16:creationId xmlns:a16="http://schemas.microsoft.com/office/drawing/2014/main" id="{402744FF-AD48-4DC1-AC12-20B32C145046}"/>
+                <a16:creationId xmlns:a16="http://schemas.microsoft.com/office/drawing/2014/main" id="{223470E5-C12F-4506-93AF-256A7AA31B4B}"/>
               </a:ext>
             </a:extLst>
           </p:cNvPr>
@@ -3892,21 +6396,137 @@
         </p:nvSpPr>
         <p:spPr>
           <a:xfrm>
-            <a:off x="696852" y="2587334"/>
-            <a:ext cx="4242293" cy="886692"/>
+            <a:off x="8847349" y="2515451"/>
+            <a:ext cx="2278002" cy="3481599"/>
           </a:xfrm>
           <a:prstGeom prst="rect">
             <a:avLst/>
           </a:prstGeom>
+          <a:ln/>
         </p:spPr>
         <p:style>
-          <a:lnRef idx="0">
-            <a:schemeClr val="accent1"/>
+          <a:lnRef idx="3">
+            <a:schemeClr val="lt1"/>
           </a:lnRef>
-          <a:fillRef idx="3">
+          <a:fillRef idx="1">
+            <a:schemeClr val="dk1"/>
+          </a:fillRef>
+          <a:effectRef idx="1">
+            <a:schemeClr val="dk1"/>
+          </a:effectRef>
+          <a:fontRef idx="minor">
+            <a:schemeClr val="lt1"/>
+          </a:fontRef>
+        </p:style>
+        <p:txBody>
+          <a:bodyPr rtlCol="0" anchor="ctr"/>
+          <a:lstStyle/>
+          <a:p>
+            <a:pPr algn="ctr"/>
+            <a:r>
+              <a:rPr lang="ko-KR" altLang="en-US" dirty="0">
+                <a:latin typeface="HY견고딕" panose="02030600000101010101" pitchFamily="18" charset="-127"/>
+                <a:ea typeface="HY견고딕" panose="02030600000101010101" pitchFamily="18" charset="-127"/>
+              </a:rPr>
+              <a:t>이미지 출력</a:t>
+            </a:r>
+            <a:endParaRPr lang="en-US" altLang="ko-KR" dirty="0">
+              <a:latin typeface="HY견고딕" panose="02030600000101010101" pitchFamily="18" charset="-127"/>
+              <a:ea typeface="HY견고딕" panose="02030600000101010101" pitchFamily="18" charset="-127"/>
+            </a:endParaRPr>
+          </a:p>
+          <a:p>
+            <a:pPr algn="ctr"/>
+            <a:endParaRPr lang="en-US" altLang="ko-KR" dirty="0">
+              <a:latin typeface="HY견고딕" panose="02030600000101010101" pitchFamily="18" charset="-127"/>
+              <a:ea typeface="HY견고딕" panose="02030600000101010101" pitchFamily="18" charset="-127"/>
+            </a:endParaRPr>
+          </a:p>
+          <a:p>
+            <a:pPr algn="ctr"/>
+            <a:r>
+              <a:rPr lang="ko-KR" altLang="en-US" dirty="0">
+                <a:latin typeface="HY견고딕" panose="02030600000101010101" pitchFamily="18" charset="-127"/>
+                <a:ea typeface="HY견고딕" panose="02030600000101010101" pitchFamily="18" charset="-127"/>
+              </a:rPr>
+              <a:t>이미지 연산</a:t>
+            </a:r>
+            <a:r>
+              <a:rPr lang="en-US" altLang="ko-KR" dirty="0">
+                <a:latin typeface="HY견고딕" panose="02030600000101010101" pitchFamily="18" charset="-127"/>
+                <a:ea typeface="HY견고딕" panose="02030600000101010101" pitchFamily="18" charset="-127"/>
+              </a:rPr>
+              <a:t>(Gray)</a:t>
+            </a:r>
+          </a:p>
+          <a:p>
+            <a:pPr algn="ctr"/>
+            <a:endParaRPr lang="en-US" altLang="ko-KR" dirty="0">
+              <a:latin typeface="HY견고딕" panose="02030600000101010101" pitchFamily="18" charset="-127"/>
+              <a:ea typeface="HY견고딕" panose="02030600000101010101" pitchFamily="18" charset="-127"/>
+            </a:endParaRPr>
+          </a:p>
+          <a:p>
+            <a:pPr algn="ctr"/>
+            <a:r>
+              <a:rPr lang="en-US" altLang="ko-KR" dirty="0">
+                <a:latin typeface="HY견고딕" panose="02030600000101010101" pitchFamily="18" charset="-127"/>
+                <a:ea typeface="HY견고딕" panose="02030600000101010101" pitchFamily="18" charset="-127"/>
+              </a:rPr>
+              <a:t>Histogram</a:t>
+            </a:r>
+            <a:r>
+              <a:rPr lang="ko-KR" altLang="en-US" dirty="0">
+                <a:latin typeface="HY견고딕" panose="02030600000101010101" pitchFamily="18" charset="-127"/>
+                <a:ea typeface="HY견고딕" panose="02030600000101010101" pitchFamily="18" charset="-127"/>
+              </a:rPr>
+              <a:t> 출력</a:t>
+            </a:r>
+            <a:endParaRPr lang="en-US" altLang="ko-KR" dirty="0">
+              <a:latin typeface="HY견고딕" panose="02030600000101010101" pitchFamily="18" charset="-127"/>
+              <a:ea typeface="HY견고딕" panose="02030600000101010101" pitchFamily="18" charset="-127"/>
+            </a:endParaRPr>
+          </a:p>
+          <a:p>
+            <a:pPr algn="ctr"/>
+            <a:endParaRPr lang="en-US" altLang="ko-KR" dirty="0">
+              <a:latin typeface="HY견고딕" panose="02030600000101010101" pitchFamily="18" charset="-127"/>
+              <a:ea typeface="HY견고딕" panose="02030600000101010101" pitchFamily="18" charset="-127"/>
+            </a:endParaRPr>
+          </a:p>
+        </p:txBody>
+      </p:sp>
+      <p:sp>
+        <p:nvSpPr>
+          <p:cNvPr id="11" name="화살표: 오른쪽 10">
+            <a:extLst>
+              <a:ext uri="{FF2B5EF4-FFF2-40B4-BE49-F238E27FC236}">
+                <a16:creationId xmlns:a16="http://schemas.microsoft.com/office/drawing/2014/main" id="{F2E6B60A-E59B-4729-9092-187F7D12D804}"/>
+              </a:ext>
+            </a:extLst>
+          </p:cNvPr>
+          <p:cNvSpPr/>
+          <p:nvPr/>
+        </p:nvSpPr>
+        <p:spPr>
+          <a:xfrm>
+            <a:off x="4067138" y="3717549"/>
+            <a:ext cx="858741" cy="500932"/>
+          </a:xfrm>
+          <a:prstGeom prst="rightArrow">
+            <a:avLst/>
+          </a:prstGeom>
+        </p:spPr>
+        <p:style>
+          <a:lnRef idx="2">
+            <a:schemeClr val="accent1">
+              <a:shade val="50000"/>
+            </a:schemeClr>
+          </a:lnRef>
+          <a:fillRef idx="1">
             <a:schemeClr val="accent1"/>
           </a:fillRef>
-          <a:effectRef idx="3">
+          <a:effectRef idx="0">
             <a:schemeClr val="accent1"/>
           </a:effectRef>
           <a:fontRef idx="minor">
@@ -3918,65 +6538,16 @@
           <a:lstStyle/>
           <a:p>
             <a:pPr algn="ctr"/>
-            <a:r>
-              <a:rPr lang="en-US" altLang="ko-KR" dirty="0"/>
-              <a:t>INPUT = </a:t>
-            </a:r>
-            <a:r>
-              <a:rPr lang="ko-KR" altLang="en-US" dirty="0"/>
-              <a:t>영상 </a:t>
-            </a:r>
-            <a:r>
-              <a:rPr lang="en-US" altLang="ko-KR" dirty="0"/>
-              <a:t>1 , </a:t>
-            </a:r>
-            <a:r>
-              <a:rPr lang="ko-KR" altLang="en-US" dirty="0"/>
-              <a:t>영상 </a:t>
-            </a:r>
-            <a:r>
-              <a:rPr lang="en-US" altLang="ko-KR" dirty="0"/>
-              <a:t>2</a:t>
-            </a:r>
-          </a:p>
-        </p:txBody>
-      </p:sp>
-    </p:spTree>
-    <p:extLst>
-      <p:ext uri="{BB962C8B-B14F-4D97-AF65-F5344CB8AC3E}">
-        <p14:creationId xmlns:p14="http://schemas.microsoft.com/office/powerpoint/2010/main" val="3744781259"/>
-      </p:ext>
-    </p:extLst>
-  </p:cSld>
-  <p:clrMapOvr>
-    <a:masterClrMapping/>
-  </p:clrMapOvr>
-</p:sld>
-</file>
-
-<file path=ppt/slides/slide3.xml><?xml version="1.0" encoding="utf-8"?>
-<p:sld xmlns:a="http://schemas.openxmlformats.org/drawingml/2006/main" xmlns:r="http://schemas.openxmlformats.org/officeDocument/2006/relationships" xmlns:p="http://schemas.openxmlformats.org/presentationml/2006/main">
-  <p:cSld>
-    <p:spTree>
-      <p:nvGrpSpPr>
-        <p:cNvPr id="1" name=""/>
-        <p:cNvGrpSpPr/>
-        <p:nvPr/>
-      </p:nvGrpSpPr>
-      <p:grpSpPr>
-        <a:xfrm>
-          <a:off x="0" y="0"/>
-          <a:ext cx="0" cy="0"/>
-          <a:chOff x="0" y="0"/>
-          <a:chExt cx="0" cy="0"/>
-        </a:xfrm>
-      </p:grpSpPr>
-      <p:sp>
-        <p:nvSpPr>
-          <p:cNvPr id="4" name="직사각형 3">
+            <a:endParaRPr lang="ko-KR" altLang="en-US"/>
+          </a:p>
+        </p:txBody>
+      </p:sp>
+      <p:sp>
+        <p:nvSpPr>
+          <p:cNvPr id="12" name="화살표: 오른쪽 11">
             <a:extLst>
               <a:ext uri="{FF2B5EF4-FFF2-40B4-BE49-F238E27FC236}">
-                <a16:creationId xmlns:a16="http://schemas.microsoft.com/office/drawing/2014/main" id="{4D38D189-ADD0-485D-908D-6EB2EF7F2B3B}"/>
+                <a16:creationId xmlns:a16="http://schemas.microsoft.com/office/drawing/2014/main" id="{95130385-95EA-4337-B56B-02F0EEFE5B1B}"/>
               </a:ext>
             </a:extLst>
           </p:cNvPr>
@@ -3985,243 +6556,23 @@
         </p:nvSpPr>
         <p:spPr>
           <a:xfrm>
-            <a:off x="696852" y="581890"/>
-            <a:ext cx="4415474" cy="1598468"/>
-          </a:xfrm>
-          <a:prstGeom prst="rect">
+            <a:off x="7735050" y="3717549"/>
+            <a:ext cx="858741" cy="500932"/>
+          </a:xfrm>
+          <a:prstGeom prst="rightArrow">
             <a:avLst/>
           </a:prstGeom>
         </p:spPr>
         <p:style>
-          <a:lnRef idx="1">
-            <a:schemeClr val="dk1"/>
+          <a:lnRef idx="2">
+            <a:schemeClr val="accent1">
+              <a:shade val="50000"/>
+            </a:schemeClr>
           </a:lnRef>
-          <a:fillRef idx="2">
-            <a:schemeClr val="dk1"/>
-          </a:fillRef>
-          <a:effectRef idx="1">
-            <a:schemeClr val="dk1"/>
-          </a:effectRef>
-          <a:fontRef idx="minor">
-            <a:schemeClr val="dk1"/>
-          </a:fontRef>
-        </p:style>
-        <p:txBody>
-          <a:bodyPr rtlCol="0" anchor="ctr"/>
-          <a:lstStyle/>
-          <a:p>
-            <a:pPr algn="ctr"/>
-            <a:r>
-              <a:rPr lang="ko-KR" altLang="en-US" sz="3500" dirty="0">
-                <a:latin typeface="HY견고딕" panose="02030600000101010101" pitchFamily="18" charset="-127"/>
-                <a:ea typeface="HY견고딕" panose="02030600000101010101" pitchFamily="18" charset="-127"/>
-              </a:rPr>
-              <a:t>이미지 비교</a:t>
-            </a:r>
-          </a:p>
-        </p:txBody>
-      </p:sp>
-      <p:sp>
-        <p:nvSpPr>
-          <p:cNvPr id="5" name="직사각형 4">
-            <a:extLst>
-              <a:ext uri="{FF2B5EF4-FFF2-40B4-BE49-F238E27FC236}">
-                <a16:creationId xmlns:a16="http://schemas.microsoft.com/office/drawing/2014/main" id="{48ADA305-B000-4161-AEF0-E6EE861223E8}"/>
-              </a:ext>
-            </a:extLst>
-          </p:cNvPr>
-          <p:cNvSpPr/>
-          <p:nvPr/>
-        </p:nvSpPr>
-        <p:spPr>
-          <a:xfrm>
-            <a:off x="6096000" y="581890"/>
-            <a:ext cx="4948873" cy="886692"/>
-          </a:xfrm>
-          <a:prstGeom prst="rect">
-            <a:avLst/>
-          </a:prstGeom>
-        </p:spPr>
-        <p:style>
-          <a:lnRef idx="1">
-            <a:schemeClr val="accent1"/>
-          </a:lnRef>
-          <a:fillRef idx="2">
+          <a:fillRef idx="1">
             <a:schemeClr val="accent1"/>
           </a:fillRef>
-          <a:effectRef idx="1">
-            <a:schemeClr val="accent1"/>
-          </a:effectRef>
-          <a:fontRef idx="minor">
-            <a:schemeClr val="dk1"/>
-          </a:fontRef>
-        </p:style>
-        <p:txBody>
-          <a:bodyPr rtlCol="0" anchor="ctr"/>
-          <a:lstStyle/>
-          <a:p>
-            <a:pPr algn="ctr"/>
-            <a:r>
-              <a:rPr lang="ko-KR" altLang="en-US" dirty="0"/>
-              <a:t>각 배열의 각도당 </a:t>
-            </a:r>
-            <a:r>
-              <a:rPr lang="en-US" altLang="ko-KR" dirty="0"/>
-              <a:t>Gradient </a:t>
-            </a:r>
-            <a:r>
-              <a:rPr lang="ko-KR" altLang="en-US" dirty="0"/>
-              <a:t>추출</a:t>
-            </a:r>
-            <a:endParaRPr lang="en-US" altLang="ko-KR" dirty="0"/>
-          </a:p>
-        </p:txBody>
-      </p:sp>
-      <p:sp>
-        <p:nvSpPr>
-          <p:cNvPr id="6" name="직사각형 5">
-            <a:extLst>
-              <a:ext uri="{FF2B5EF4-FFF2-40B4-BE49-F238E27FC236}">
-                <a16:creationId xmlns:a16="http://schemas.microsoft.com/office/drawing/2014/main" id="{8B33FD4A-3ADE-4FB4-9460-62E20AFDDCD5}"/>
-              </a:ext>
-            </a:extLst>
-          </p:cNvPr>
-          <p:cNvSpPr/>
-          <p:nvPr/>
-        </p:nvSpPr>
-        <p:spPr>
-          <a:xfrm>
-            <a:off x="6096000" y="2027958"/>
-            <a:ext cx="4948872" cy="886692"/>
-          </a:xfrm>
-          <a:prstGeom prst="rect">
-            <a:avLst/>
-          </a:prstGeom>
-        </p:spPr>
-        <p:style>
-          <a:lnRef idx="1">
-            <a:schemeClr val="accent1"/>
-          </a:lnRef>
-          <a:fillRef idx="2">
-            <a:schemeClr val="accent1"/>
-          </a:fillRef>
-          <a:effectRef idx="1">
-            <a:schemeClr val="accent1"/>
-          </a:effectRef>
-          <a:fontRef idx="minor">
-            <a:schemeClr val="dk1"/>
-          </a:fontRef>
-        </p:style>
-        <p:txBody>
-          <a:bodyPr rtlCol="0" anchor="ctr"/>
-          <a:lstStyle/>
-          <a:p>
-            <a:pPr algn="ctr"/>
-            <a:r>
-              <a:rPr lang="en-US" altLang="ko-KR" dirty="0"/>
-              <a:t>Gradient</a:t>
-            </a:r>
-            <a:r>
-              <a:rPr lang="ko-KR" altLang="en-US" dirty="0"/>
-              <a:t> 기준으로 각도 별 히스토그램</a:t>
-            </a:r>
-            <a:endParaRPr lang="en-US" altLang="ko-KR" dirty="0"/>
-          </a:p>
-        </p:txBody>
-      </p:sp>
-      <p:sp>
-        <p:nvSpPr>
-          <p:cNvPr id="7" name="직사각형 6">
-            <a:extLst>
-              <a:ext uri="{FF2B5EF4-FFF2-40B4-BE49-F238E27FC236}">
-                <a16:creationId xmlns:a16="http://schemas.microsoft.com/office/drawing/2014/main" id="{BC0F159E-2488-4443-816A-080B9B4F2957}"/>
-              </a:ext>
-            </a:extLst>
-          </p:cNvPr>
-          <p:cNvSpPr/>
-          <p:nvPr/>
-        </p:nvSpPr>
-        <p:spPr>
-          <a:xfrm>
-            <a:off x="6096000" y="3474026"/>
-            <a:ext cx="4948874" cy="886692"/>
-          </a:xfrm>
-          <a:prstGeom prst="rect">
-            <a:avLst/>
-          </a:prstGeom>
-        </p:spPr>
-        <p:style>
-          <a:lnRef idx="1">
-            <a:schemeClr val="accent1"/>
-          </a:lnRef>
-          <a:fillRef idx="2">
-            <a:schemeClr val="accent1"/>
-          </a:fillRef>
-          <a:effectRef idx="1">
-            <a:schemeClr val="accent1"/>
-          </a:effectRef>
-          <a:fontRef idx="minor">
-            <a:schemeClr val="dk1"/>
-          </a:fontRef>
-        </p:style>
-        <p:txBody>
-          <a:bodyPr rtlCol="0" anchor="ctr"/>
-          <a:lstStyle/>
-          <a:p>
-            <a:pPr algn="ctr"/>
-            <a:r>
-              <a:rPr lang="ko-KR" altLang="en-US" dirty="0"/>
-              <a:t>영상  </a:t>
-            </a:r>
-            <a:r>
-              <a:rPr lang="en-US" altLang="ko-KR" dirty="0"/>
-              <a:t>NCC(intense </a:t>
-            </a:r>
-            <a:r>
-              <a:rPr lang="en-US" altLang="ko-KR" dirty="0" err="1"/>
-              <a:t>nomalize</a:t>
-            </a:r>
-            <a:r>
-              <a:rPr lang="en-US" altLang="ko-KR" dirty="0"/>
-              <a:t>) </a:t>
-            </a:r>
-            <a:r>
-              <a:rPr lang="ko-KR" altLang="en-US" dirty="0"/>
-              <a:t>이후 좌표연결</a:t>
-            </a:r>
-            <a:endParaRPr lang="en-US" altLang="ko-KR" dirty="0"/>
-          </a:p>
-        </p:txBody>
-      </p:sp>
-      <p:sp>
-        <p:nvSpPr>
-          <p:cNvPr id="8" name="직사각형 7">
-            <a:extLst>
-              <a:ext uri="{FF2B5EF4-FFF2-40B4-BE49-F238E27FC236}">
-                <a16:creationId xmlns:a16="http://schemas.microsoft.com/office/drawing/2014/main" id="{6FC5AFA4-1DAA-48F0-9E04-9AC1991B0205}"/>
-              </a:ext>
-            </a:extLst>
-          </p:cNvPr>
-          <p:cNvSpPr/>
-          <p:nvPr/>
-        </p:nvSpPr>
-        <p:spPr>
-          <a:xfrm>
-            <a:off x="6096000" y="5067299"/>
-            <a:ext cx="4948874" cy="886692"/>
-          </a:xfrm>
-          <a:prstGeom prst="rect">
-            <a:avLst/>
-          </a:prstGeom>
-        </p:spPr>
-        <p:style>
-          <a:lnRef idx="0">
-            <a:schemeClr val="accent1"/>
-          </a:lnRef>
-          <a:fillRef idx="3">
-            <a:schemeClr val="accent1"/>
-          </a:fillRef>
-          <a:effectRef idx="3">
+          <a:effectRef idx="0">
             <a:schemeClr val="accent1"/>
           </a:effectRef>
           <a:fontRef idx="minor">
@@ -4233,59 +6584,16 @@
           <a:lstStyle/>
           <a:p>
             <a:pPr algn="ctr"/>
-            <a:r>
-              <a:rPr lang="ko-KR" altLang="en-US" dirty="0"/>
-              <a:t>최종 </a:t>
-            </a:r>
-            <a:r>
-              <a:rPr lang="en-US" altLang="ko-KR" dirty="0"/>
-              <a:t>OUTPUT = </a:t>
-            </a:r>
-            <a:r>
-              <a:rPr lang="ko-KR" altLang="en-US" dirty="0"/>
-              <a:t>매치 된 좌표 쌍</a:t>
-            </a:r>
-            <a:r>
-              <a:rPr lang="en-US" altLang="ko-KR" dirty="0"/>
-              <a:t>(</a:t>
-            </a:r>
-            <a:r>
-              <a:rPr lang="en-US" altLang="ko-KR" dirty="0" err="1"/>
-              <a:t>a,b</a:t>
-            </a:r>
-            <a:r>
-              <a:rPr lang="en-US" altLang="ko-KR" dirty="0"/>
-              <a:t>) 4</a:t>
-            </a:r>
-            <a:r>
-              <a:rPr lang="ko-KR" altLang="en-US" dirty="0"/>
-              <a:t>개</a:t>
-            </a:r>
-            <a:r>
-              <a:rPr lang="en-US" altLang="ko-KR" dirty="0"/>
-              <a:t> </a:t>
-            </a:r>
-          </a:p>
-          <a:p>
-            <a:pPr algn="ctr"/>
-            <a:r>
-              <a:rPr lang="en-US" altLang="ko-KR" dirty="0"/>
-              <a:t>,</a:t>
-            </a:r>
-            <a:r>
-              <a:rPr lang="ko-KR" altLang="en-US" dirty="0"/>
-              <a:t>각도 별 히스토그램 값</a:t>
-            </a:r>
-            <a:endParaRPr lang="en-US" altLang="ko-KR" dirty="0"/>
-          </a:p>
-        </p:txBody>
-      </p:sp>
-      <p:sp>
-        <p:nvSpPr>
-          <p:cNvPr id="9" name="직사각형 8">
+            <a:endParaRPr lang="ko-KR" altLang="en-US"/>
+          </a:p>
+        </p:txBody>
+      </p:sp>
+      <p:sp>
+        <p:nvSpPr>
+          <p:cNvPr id="13" name="직사각형 12">
             <a:extLst>
               <a:ext uri="{FF2B5EF4-FFF2-40B4-BE49-F238E27FC236}">
-                <a16:creationId xmlns:a16="http://schemas.microsoft.com/office/drawing/2014/main" id="{402744FF-AD48-4DC1-AC12-20B32C145046}"/>
+                <a16:creationId xmlns:a16="http://schemas.microsoft.com/office/drawing/2014/main" id="{4A8AFDCB-957D-43C4-A974-A0E8562CA54A}"/>
               </a:ext>
             </a:extLst>
           </p:cNvPr>
@@ -4294,385 +6602,23 @@
         </p:nvSpPr>
         <p:spPr>
           <a:xfrm>
-            <a:off x="696852" y="2587334"/>
-            <a:ext cx="4242293" cy="886692"/>
+            <a:off x="1748891" y="2646373"/>
+            <a:ext cx="1820848" cy="701125"/>
           </a:xfrm>
           <a:prstGeom prst="rect">
             <a:avLst/>
           </a:prstGeom>
         </p:spPr>
         <p:style>
-          <a:lnRef idx="0">
-            <a:schemeClr val="accent2"/>
+          <a:lnRef idx="2">
+            <a:schemeClr val="accent1">
+              <a:shade val="50000"/>
+            </a:schemeClr>
           </a:lnRef>
-          <a:fillRef idx="3">
-            <a:schemeClr val="accent2"/>
-          </a:fillRef>
-          <a:effectRef idx="3">
-            <a:schemeClr val="accent2"/>
-          </a:effectRef>
-          <a:fontRef idx="minor">
-            <a:schemeClr val="lt1"/>
-          </a:fontRef>
-        </p:style>
-        <p:txBody>
-          <a:bodyPr rtlCol="0" anchor="ctr"/>
-          <a:lstStyle/>
-          <a:p>
-            <a:pPr algn="ctr"/>
-            <a:r>
-              <a:rPr lang="en-US" altLang="ko-KR" dirty="0"/>
-              <a:t>INPUT = </a:t>
-            </a:r>
-            <a:r>
-              <a:rPr lang="en-US" altLang="ko-KR" dirty="0" err="1"/>
-              <a:t>NxN</a:t>
-            </a:r>
-            <a:r>
-              <a:rPr lang="en-US" altLang="ko-KR" dirty="0"/>
-              <a:t> </a:t>
-            </a:r>
-            <a:r>
-              <a:rPr lang="ko-KR" altLang="en-US" dirty="0"/>
-              <a:t>크기의 배열 총 </a:t>
-            </a:r>
-            <a:r>
-              <a:rPr lang="en-US" altLang="ko-KR" dirty="0"/>
-              <a:t>8</a:t>
-            </a:r>
-            <a:r>
-              <a:rPr lang="ko-KR" altLang="en-US" dirty="0"/>
-              <a:t>개</a:t>
-            </a:r>
-            <a:endParaRPr lang="en-US" altLang="ko-KR" dirty="0"/>
-          </a:p>
-        </p:txBody>
-      </p:sp>
-    </p:spTree>
-    <p:extLst>
-      <p:ext uri="{BB962C8B-B14F-4D97-AF65-F5344CB8AC3E}">
-        <p14:creationId xmlns:p14="http://schemas.microsoft.com/office/powerpoint/2010/main" val="482186337"/>
-      </p:ext>
-    </p:extLst>
-  </p:cSld>
-  <p:clrMapOvr>
-    <a:masterClrMapping/>
-  </p:clrMapOvr>
-</p:sld>
-</file>
-
-<file path=ppt/slides/slide4.xml><?xml version="1.0" encoding="utf-8"?>
-<p:sld xmlns:a="http://schemas.openxmlformats.org/drawingml/2006/main" xmlns:r="http://schemas.openxmlformats.org/officeDocument/2006/relationships" xmlns:p="http://schemas.openxmlformats.org/presentationml/2006/main">
-  <p:cSld>
-    <p:spTree>
-      <p:nvGrpSpPr>
-        <p:cNvPr id="1" name=""/>
-        <p:cNvGrpSpPr/>
-        <p:nvPr/>
-      </p:nvGrpSpPr>
-      <p:grpSpPr>
-        <a:xfrm>
-          <a:off x="0" y="0"/>
-          <a:ext cx="0" cy="0"/>
-          <a:chOff x="0" y="0"/>
-          <a:chExt cx="0" cy="0"/>
-        </a:xfrm>
-      </p:grpSpPr>
-      <p:sp>
-        <p:nvSpPr>
-          <p:cNvPr id="4" name="직사각형 3">
-            <a:extLst>
-              <a:ext uri="{FF2B5EF4-FFF2-40B4-BE49-F238E27FC236}">
-                <a16:creationId xmlns:a16="http://schemas.microsoft.com/office/drawing/2014/main" id="{4D38D189-ADD0-485D-908D-6EB2EF7F2B3B}"/>
-              </a:ext>
-            </a:extLst>
-          </p:cNvPr>
-          <p:cNvSpPr/>
-          <p:nvPr/>
-        </p:nvSpPr>
-        <p:spPr>
-          <a:xfrm>
-            <a:off x="696852" y="581890"/>
-            <a:ext cx="4415474" cy="1598468"/>
-          </a:xfrm>
-          <a:prstGeom prst="rect">
-            <a:avLst/>
-          </a:prstGeom>
-        </p:spPr>
-        <p:style>
-          <a:lnRef idx="1">
-            <a:schemeClr val="dk1"/>
-          </a:lnRef>
-          <a:fillRef idx="2">
-            <a:schemeClr val="dk1"/>
-          </a:fillRef>
-          <a:effectRef idx="1">
-            <a:schemeClr val="dk1"/>
-          </a:effectRef>
-          <a:fontRef idx="minor">
-            <a:schemeClr val="dk1"/>
-          </a:fontRef>
-        </p:style>
-        <p:txBody>
-          <a:bodyPr rtlCol="0" anchor="ctr"/>
-          <a:lstStyle/>
-          <a:p>
-            <a:pPr algn="ctr"/>
-            <a:r>
-              <a:rPr lang="ko-KR" altLang="en-US" sz="3500" dirty="0">
-                <a:latin typeface="HY견고딕" panose="02030600000101010101" pitchFamily="18" charset="-127"/>
-                <a:ea typeface="HY견고딕" panose="02030600000101010101" pitchFamily="18" charset="-127"/>
-              </a:rPr>
-              <a:t>이미지 출력</a:t>
-            </a:r>
-          </a:p>
-        </p:txBody>
-      </p:sp>
-      <p:sp>
-        <p:nvSpPr>
-          <p:cNvPr id="5" name="직사각형 4">
-            <a:extLst>
-              <a:ext uri="{FF2B5EF4-FFF2-40B4-BE49-F238E27FC236}">
-                <a16:creationId xmlns:a16="http://schemas.microsoft.com/office/drawing/2014/main" id="{48ADA305-B000-4161-AEF0-E6EE861223E8}"/>
-              </a:ext>
-            </a:extLst>
-          </p:cNvPr>
-          <p:cNvSpPr/>
-          <p:nvPr/>
-        </p:nvSpPr>
-        <p:spPr>
-          <a:xfrm>
-            <a:off x="6096000" y="581890"/>
-            <a:ext cx="4948873" cy="886692"/>
-          </a:xfrm>
-          <a:prstGeom prst="rect">
-            <a:avLst/>
-          </a:prstGeom>
-        </p:spPr>
-        <p:style>
-          <a:lnRef idx="1">
-            <a:schemeClr val="accent1"/>
-          </a:lnRef>
-          <a:fillRef idx="2">
+          <a:fillRef idx="1">
             <a:schemeClr val="accent1"/>
           </a:fillRef>
-          <a:effectRef idx="1">
-            <a:schemeClr val="accent1"/>
-          </a:effectRef>
-          <a:fontRef idx="minor">
-            <a:schemeClr val="dk1"/>
-          </a:fontRef>
-        </p:style>
-        <p:txBody>
-          <a:bodyPr rtlCol="0" anchor="ctr"/>
-          <a:lstStyle/>
-          <a:p>
-            <a:pPr algn="ctr"/>
-            <a:r>
-              <a:rPr lang="ko-KR" altLang="en-US" dirty="0"/>
-              <a:t>좌표 쌍 </a:t>
-            </a:r>
-            <a:r>
-              <a:rPr lang="en-US" altLang="ko-KR" dirty="0"/>
-              <a:t>4</a:t>
-            </a:r>
-            <a:r>
-              <a:rPr lang="ko-KR" altLang="en-US" dirty="0"/>
-              <a:t>개를 해당 이미지에 표현</a:t>
-            </a:r>
-            <a:endParaRPr lang="en-US" altLang="ko-KR" dirty="0"/>
-          </a:p>
-        </p:txBody>
-      </p:sp>
-      <p:sp>
-        <p:nvSpPr>
-          <p:cNvPr id="6" name="직사각형 5">
-            <a:extLst>
-              <a:ext uri="{FF2B5EF4-FFF2-40B4-BE49-F238E27FC236}">
-                <a16:creationId xmlns:a16="http://schemas.microsoft.com/office/drawing/2014/main" id="{8B33FD4A-3ADE-4FB4-9460-62E20AFDDCD5}"/>
-              </a:ext>
-            </a:extLst>
-          </p:cNvPr>
-          <p:cNvSpPr/>
-          <p:nvPr/>
-        </p:nvSpPr>
-        <p:spPr>
-          <a:xfrm>
-            <a:off x="6096000" y="2027958"/>
-            <a:ext cx="4948872" cy="886692"/>
-          </a:xfrm>
-          <a:prstGeom prst="rect">
-            <a:avLst/>
-          </a:prstGeom>
-        </p:spPr>
-        <p:style>
-          <a:lnRef idx="1">
-            <a:schemeClr val="accent1"/>
-          </a:lnRef>
-          <a:fillRef idx="2">
-            <a:schemeClr val="accent1"/>
-          </a:fillRef>
-          <a:effectRef idx="1">
-            <a:schemeClr val="accent1"/>
-          </a:effectRef>
-          <a:fontRef idx="minor">
-            <a:schemeClr val="dk1"/>
-          </a:fontRef>
-        </p:style>
-        <p:txBody>
-          <a:bodyPr rtlCol="0" anchor="ctr"/>
-          <a:lstStyle/>
-          <a:p>
-            <a:pPr algn="ctr"/>
-            <a:r>
-              <a:rPr lang="ko-KR" altLang="en-US" dirty="0"/>
-              <a:t>해당 이미지 사이에 선분 입력</a:t>
-            </a:r>
-            <a:endParaRPr lang="en-US" altLang="ko-KR" dirty="0"/>
-          </a:p>
-        </p:txBody>
-      </p:sp>
-      <p:sp>
-        <p:nvSpPr>
-          <p:cNvPr id="7" name="직사각형 6">
-            <a:extLst>
-              <a:ext uri="{FF2B5EF4-FFF2-40B4-BE49-F238E27FC236}">
-                <a16:creationId xmlns:a16="http://schemas.microsoft.com/office/drawing/2014/main" id="{BC0F159E-2488-4443-816A-080B9B4F2957}"/>
-              </a:ext>
-            </a:extLst>
-          </p:cNvPr>
-          <p:cNvSpPr/>
-          <p:nvPr/>
-        </p:nvSpPr>
-        <p:spPr>
-          <a:xfrm>
-            <a:off x="6096000" y="3474026"/>
-            <a:ext cx="4948874" cy="886692"/>
-          </a:xfrm>
-          <a:prstGeom prst="rect">
-            <a:avLst/>
-          </a:prstGeom>
-        </p:spPr>
-        <p:style>
-          <a:lnRef idx="1">
-            <a:schemeClr val="accent1"/>
-          </a:lnRef>
-          <a:fillRef idx="2">
-            <a:schemeClr val="accent1"/>
-          </a:fillRef>
-          <a:effectRef idx="1">
-            <a:schemeClr val="accent1"/>
-          </a:effectRef>
-          <a:fontRef idx="minor">
-            <a:schemeClr val="dk1"/>
-          </a:fontRef>
-        </p:style>
-        <p:txBody>
-          <a:bodyPr rtlCol="0" anchor="ctr"/>
-          <a:lstStyle/>
-          <a:p>
-            <a:pPr algn="ctr"/>
-            <a:r>
-              <a:rPr lang="ko-KR" altLang="en-US" dirty="0"/>
-              <a:t>히스토그램 값 출력</a:t>
-            </a:r>
-            <a:endParaRPr lang="en-US" altLang="ko-KR" dirty="0"/>
-          </a:p>
-        </p:txBody>
-      </p:sp>
-      <p:sp>
-        <p:nvSpPr>
-          <p:cNvPr id="8" name="직사각형 7">
-            <a:extLst>
-              <a:ext uri="{FF2B5EF4-FFF2-40B4-BE49-F238E27FC236}">
-                <a16:creationId xmlns:a16="http://schemas.microsoft.com/office/drawing/2014/main" id="{6FC5AFA4-1DAA-48F0-9E04-9AC1991B0205}"/>
-              </a:ext>
-            </a:extLst>
-          </p:cNvPr>
-          <p:cNvSpPr/>
-          <p:nvPr/>
-        </p:nvSpPr>
-        <p:spPr>
-          <a:xfrm>
-            <a:off x="6096000" y="5067299"/>
-            <a:ext cx="4948874" cy="886692"/>
-          </a:xfrm>
-          <a:prstGeom prst="rect">
-            <a:avLst/>
-          </a:prstGeom>
-        </p:spPr>
-        <p:style>
-          <a:lnRef idx="0">
-            <a:schemeClr val="accent6"/>
-          </a:lnRef>
-          <a:fillRef idx="3">
-            <a:schemeClr val="accent6"/>
-          </a:fillRef>
-          <a:effectRef idx="3">
-            <a:schemeClr val="accent6"/>
-          </a:effectRef>
-          <a:fontRef idx="minor">
-            <a:schemeClr val="lt1"/>
-          </a:fontRef>
-        </p:style>
-        <p:txBody>
-          <a:bodyPr rtlCol="0" anchor="ctr"/>
-          <a:lstStyle/>
-          <a:p>
-            <a:pPr algn="ctr"/>
-            <a:r>
-              <a:rPr lang="ko-KR" altLang="en-US" dirty="0"/>
-              <a:t> </a:t>
-            </a:r>
-            <a:r>
-              <a:rPr lang="en-US" altLang="ko-KR" dirty="0"/>
-              <a:t>OUTPUT = </a:t>
-            </a:r>
-            <a:r>
-              <a:rPr lang="ko-KR" altLang="en-US" dirty="0"/>
-              <a:t>좌표쌍이 표현 된 이미지 </a:t>
-            </a:r>
-            <a:r>
-              <a:rPr lang="en-US" altLang="ko-KR" dirty="0"/>
-              <a:t>2</a:t>
-            </a:r>
-            <a:r>
-              <a:rPr lang="ko-KR" altLang="en-US" dirty="0"/>
-              <a:t>개</a:t>
-            </a:r>
-            <a:endParaRPr lang="en-US" altLang="ko-KR" dirty="0"/>
-          </a:p>
-        </p:txBody>
-      </p:sp>
-      <p:sp>
-        <p:nvSpPr>
-          <p:cNvPr id="9" name="직사각형 8">
-            <a:extLst>
-              <a:ext uri="{FF2B5EF4-FFF2-40B4-BE49-F238E27FC236}">
-                <a16:creationId xmlns:a16="http://schemas.microsoft.com/office/drawing/2014/main" id="{402744FF-AD48-4DC1-AC12-20B32C145046}"/>
-              </a:ext>
-            </a:extLst>
-          </p:cNvPr>
-          <p:cNvSpPr/>
-          <p:nvPr/>
-        </p:nvSpPr>
-        <p:spPr>
-          <a:xfrm>
-            <a:off x="696852" y="2587334"/>
-            <a:ext cx="4242293" cy="886692"/>
-          </a:xfrm>
-          <a:prstGeom prst="rect">
-            <a:avLst/>
-          </a:prstGeom>
-        </p:spPr>
-        <p:style>
-          <a:lnRef idx="0">
-            <a:schemeClr val="accent1"/>
-          </a:lnRef>
-          <a:fillRef idx="3">
-            <a:schemeClr val="accent1"/>
-          </a:fillRef>
-          <a:effectRef idx="3">
+          <a:effectRef idx="0">
             <a:schemeClr val="accent1"/>
           </a:effectRef>
           <a:fontRef idx="minor">
@@ -4685,40 +6631,499 @@
           <a:p>
             <a:pPr algn="ctr"/>
             <a:r>
-              <a:rPr lang="en-US" altLang="ko-KR" dirty="0"/>
-              <a:t>INPUT = </a:t>
-            </a:r>
-            <a:r>
-              <a:rPr lang="ko-KR" altLang="en-US" dirty="0"/>
-              <a:t>매치 된 좌표 쌍</a:t>
-            </a:r>
-            <a:r>
-              <a:rPr lang="en-US" altLang="ko-KR" dirty="0"/>
-              <a:t>(</a:t>
-            </a:r>
-            <a:r>
-              <a:rPr lang="en-US" altLang="ko-KR" dirty="0" err="1"/>
-              <a:t>a,b</a:t>
-            </a:r>
-            <a:r>
-              <a:rPr lang="en-US" altLang="ko-KR" dirty="0"/>
-              <a:t>) 4</a:t>
-            </a:r>
-            <a:r>
-              <a:rPr lang="ko-KR" altLang="en-US" dirty="0"/>
-              <a:t>개</a:t>
-            </a:r>
-            <a:r>
-              <a:rPr lang="en-US" altLang="ko-KR" dirty="0"/>
-              <a:t> </a:t>
-            </a:r>
+              <a:rPr lang="en-US" altLang="ko-KR" dirty="0">
+                <a:latin typeface="Arial Nova" panose="020B0604020202020204" pitchFamily="34" charset="0"/>
+                <a:cs typeface="Aldhabi" panose="020B0604020202020204" pitchFamily="2" charset="-78"/>
+              </a:rPr>
+              <a:t>1st .jpg </a:t>
+            </a:r>
+          </a:p>
+          <a:p>
+            <a:pPr algn="ctr"/>
+            <a:r>
+              <a:rPr lang="en-US" altLang="ko-KR" dirty="0">
+                <a:latin typeface="Arial Nova" panose="020B0604020202020204" pitchFamily="34" charset="0"/>
+                <a:cs typeface="Aldhabi" panose="020B0604020202020204" pitchFamily="2" charset="-78"/>
+              </a:rPr>
+              <a:t>2nd.jpg</a:t>
+            </a:r>
+            <a:endParaRPr lang="ko-KR" altLang="en-US" dirty="0">
+              <a:latin typeface="Arial Nova" panose="020B0604020202020204" pitchFamily="34" charset="0"/>
+              <a:cs typeface="Aldhabi" panose="020B0604020202020204" pitchFamily="2" charset="-78"/>
+            </a:endParaRPr>
+          </a:p>
+        </p:txBody>
+      </p:sp>
+      <p:sp>
+        <p:nvSpPr>
+          <p:cNvPr id="14" name="직사각형 13">
+            <a:extLst>
+              <a:ext uri="{FF2B5EF4-FFF2-40B4-BE49-F238E27FC236}">
+                <a16:creationId xmlns:a16="http://schemas.microsoft.com/office/drawing/2014/main" id="{97F9A298-0FDF-49B3-A16E-7EC4FF0F88DC}"/>
+              </a:ext>
+            </a:extLst>
+          </p:cNvPr>
+          <p:cNvSpPr/>
+          <p:nvPr/>
+        </p:nvSpPr>
+        <p:spPr>
+          <a:xfrm>
+            <a:off x="1748892" y="5064895"/>
+            <a:ext cx="1820848" cy="701125"/>
+          </a:xfrm>
+          <a:prstGeom prst="rect">
+            <a:avLst/>
+          </a:prstGeom>
+        </p:spPr>
+        <p:style>
+          <a:lnRef idx="2">
+            <a:schemeClr val="accent1">
+              <a:shade val="50000"/>
+            </a:schemeClr>
+          </a:lnRef>
+          <a:fillRef idx="1">
+            <a:schemeClr val="accent1"/>
+          </a:fillRef>
+          <a:effectRef idx="0">
+            <a:schemeClr val="accent1"/>
+          </a:effectRef>
+          <a:fontRef idx="minor">
+            <a:schemeClr val="lt1"/>
+          </a:fontRef>
+        </p:style>
+        <p:txBody>
+          <a:bodyPr rtlCol="0" anchor="ctr"/>
+          <a:lstStyle/>
+          <a:p>
+            <a:pPr algn="ctr"/>
+            <a:r>
+              <a:rPr lang="en-US" altLang="ko-KR" dirty="0" err="1">
+                <a:latin typeface="Arial Nova" panose="020B0604020202020204" pitchFamily="34" charset="0"/>
+                <a:cs typeface="Aldhabi" panose="020B0604020202020204" pitchFamily="2" charset="-78"/>
+              </a:rPr>
+              <a:t>Cv</a:t>
+            </a:r>
+            <a:r>
+              <a:rPr lang="en-US" altLang="ko-KR" dirty="0">
+                <a:latin typeface="Arial Nova" panose="020B0604020202020204" pitchFamily="34" charset="0"/>
+                <a:cs typeface="Aldhabi" panose="020B0604020202020204" pitchFamily="2" charset="-78"/>
+              </a:rPr>
+              <a:t>::Mat 1</a:t>
+            </a:r>
+            <a:r>
+              <a:rPr lang="en-US" altLang="ko-KR" baseline="30000" dirty="0">
+                <a:latin typeface="Arial Nova" panose="020B0604020202020204" pitchFamily="34" charset="0"/>
+                <a:cs typeface="Aldhabi" panose="020B0604020202020204" pitchFamily="2" charset="-78"/>
+              </a:rPr>
+              <a:t>st</a:t>
+            </a:r>
+            <a:r>
+              <a:rPr lang="en-US" altLang="ko-KR" dirty="0">
+                <a:latin typeface="Arial Nova" panose="020B0604020202020204" pitchFamily="34" charset="0"/>
+                <a:cs typeface="Aldhabi" panose="020B0604020202020204" pitchFamily="2" charset="-78"/>
+              </a:rPr>
+              <a:t> [4] </a:t>
+            </a:r>
+          </a:p>
+          <a:p>
+            <a:pPr algn="ctr"/>
+            <a:r>
+              <a:rPr lang="en-US" altLang="ko-KR" dirty="0" err="1">
+                <a:latin typeface="Arial Nova" panose="020B0604020202020204" pitchFamily="34" charset="0"/>
+                <a:cs typeface="Aldhabi" panose="020B0604020202020204" pitchFamily="2" charset="-78"/>
+              </a:rPr>
+              <a:t>Cv</a:t>
+            </a:r>
+            <a:r>
+              <a:rPr lang="en-US" altLang="ko-KR" dirty="0">
+                <a:latin typeface="Arial Nova" panose="020B0604020202020204" pitchFamily="34" charset="0"/>
+                <a:cs typeface="Aldhabi" panose="020B0604020202020204" pitchFamily="2" charset="-78"/>
+              </a:rPr>
+              <a:t>::Mat 2</a:t>
+            </a:r>
+            <a:r>
+              <a:rPr lang="en-US" altLang="ko-KR" baseline="30000" dirty="0">
+                <a:latin typeface="Arial Nova" panose="020B0604020202020204" pitchFamily="34" charset="0"/>
+                <a:cs typeface="Aldhabi" panose="020B0604020202020204" pitchFamily="2" charset="-78"/>
+              </a:rPr>
+              <a:t>nd </a:t>
+            </a:r>
+            <a:r>
+              <a:rPr lang="en-US" altLang="ko-KR" dirty="0">
+                <a:latin typeface="Arial Nova" panose="020B0604020202020204" pitchFamily="34" charset="0"/>
+                <a:cs typeface="Aldhabi" panose="020B0604020202020204" pitchFamily="2" charset="-78"/>
+              </a:rPr>
+              <a:t>[4]</a:t>
+            </a:r>
+            <a:endParaRPr lang="ko-KR" altLang="en-US" dirty="0">
+              <a:latin typeface="Arial Nova" panose="020B0604020202020204" pitchFamily="34" charset="0"/>
+              <a:cs typeface="Aldhabi" panose="020B0604020202020204" pitchFamily="2" charset="-78"/>
+            </a:endParaRPr>
+          </a:p>
+        </p:txBody>
+      </p:sp>
+      <p:sp>
+        <p:nvSpPr>
+          <p:cNvPr id="16" name="직사각형 15">
+            <a:extLst>
+              <a:ext uri="{FF2B5EF4-FFF2-40B4-BE49-F238E27FC236}">
+                <a16:creationId xmlns:a16="http://schemas.microsoft.com/office/drawing/2014/main" id="{C91E1826-9223-4E0B-9FC2-A196719C1B14}"/>
+              </a:ext>
+            </a:extLst>
+          </p:cNvPr>
+          <p:cNvSpPr/>
+          <p:nvPr/>
+        </p:nvSpPr>
+        <p:spPr>
+          <a:xfrm>
+            <a:off x="5407229" y="5072761"/>
+            <a:ext cx="1870518" cy="701125"/>
+          </a:xfrm>
+          <a:prstGeom prst="rect">
+            <a:avLst/>
+          </a:prstGeom>
+        </p:spPr>
+        <p:style>
+          <a:lnRef idx="2">
+            <a:schemeClr val="accent1">
+              <a:shade val="50000"/>
+            </a:schemeClr>
+          </a:lnRef>
+          <a:fillRef idx="1">
+            <a:schemeClr val="accent1"/>
+          </a:fillRef>
+          <a:effectRef idx="0">
+            <a:schemeClr val="accent1"/>
+          </a:effectRef>
+          <a:fontRef idx="minor">
+            <a:schemeClr val="lt1"/>
+          </a:fontRef>
+        </p:style>
+        <p:txBody>
+          <a:bodyPr rtlCol="0" anchor="ctr"/>
+          <a:lstStyle/>
+          <a:p>
+            <a:pPr algn="ctr"/>
+            <a:r>
+              <a:rPr lang="en-US" altLang="ko-KR" dirty="0">
+                <a:latin typeface="Arial Nova" panose="020B0604020202020204" pitchFamily="34" charset="0"/>
+                <a:cs typeface="Aldhabi" panose="020B0604020202020204" pitchFamily="2" charset="-78"/>
+              </a:rPr>
+              <a:t> Histogram[36][8]</a:t>
+            </a:r>
+          </a:p>
+          <a:p>
+            <a:pPr algn="ctr"/>
+            <a:r>
+              <a:rPr lang="en-US" altLang="ko-KR" dirty="0" err="1">
+                <a:latin typeface="Arial Nova" panose="020B0604020202020204" pitchFamily="34" charset="0"/>
+                <a:cs typeface="Aldhabi" panose="020B0604020202020204" pitchFamily="2" charset="-78"/>
+              </a:rPr>
+              <a:t>Similarity_pair</a:t>
+            </a:r>
+            <a:r>
+              <a:rPr lang="en-US" altLang="ko-KR" dirty="0">
+                <a:latin typeface="Arial Nova" panose="020B0604020202020204" pitchFamily="34" charset="0"/>
+                <a:cs typeface="Aldhabi" panose="020B0604020202020204" pitchFamily="2" charset="-78"/>
+              </a:rPr>
+              <a:t>[4]</a:t>
+            </a:r>
+          </a:p>
+        </p:txBody>
+      </p:sp>
+      <p:sp>
+        <p:nvSpPr>
+          <p:cNvPr id="17" name="직사각형 16">
+            <a:extLst>
+              <a:ext uri="{FF2B5EF4-FFF2-40B4-BE49-F238E27FC236}">
+                <a16:creationId xmlns:a16="http://schemas.microsoft.com/office/drawing/2014/main" id="{C31F3005-A891-4C54-B58C-F25C11A6603F}"/>
+              </a:ext>
+            </a:extLst>
+          </p:cNvPr>
+          <p:cNvSpPr/>
+          <p:nvPr/>
+        </p:nvSpPr>
+        <p:spPr>
+          <a:xfrm>
+            <a:off x="5407229" y="2646372"/>
+            <a:ext cx="1870518" cy="701125"/>
+          </a:xfrm>
+          <a:prstGeom prst="rect">
+            <a:avLst/>
+          </a:prstGeom>
+        </p:spPr>
+        <p:style>
+          <a:lnRef idx="2">
+            <a:schemeClr val="accent1">
+              <a:shade val="50000"/>
+            </a:schemeClr>
+          </a:lnRef>
+          <a:fillRef idx="1">
+            <a:schemeClr val="accent1"/>
+          </a:fillRef>
+          <a:effectRef idx="0">
+            <a:schemeClr val="accent1"/>
+          </a:effectRef>
+          <a:fontRef idx="minor">
+            <a:schemeClr val="lt1"/>
+          </a:fontRef>
+        </p:style>
+        <p:txBody>
+          <a:bodyPr rtlCol="0" anchor="ctr"/>
+          <a:lstStyle/>
+          <a:p>
+            <a:pPr algn="ctr"/>
+            <a:r>
+              <a:rPr lang="en-US" altLang="ko-KR" dirty="0" err="1">
+                <a:latin typeface="Arial Nova" panose="020B0604020202020204" pitchFamily="34" charset="0"/>
+                <a:cs typeface="Aldhabi" panose="020B0604020202020204" pitchFamily="2" charset="-78"/>
+              </a:rPr>
+              <a:t>Cv</a:t>
+            </a:r>
+            <a:r>
+              <a:rPr lang="en-US" altLang="ko-KR" dirty="0">
+                <a:latin typeface="Arial Nova" panose="020B0604020202020204" pitchFamily="34" charset="0"/>
+                <a:cs typeface="Aldhabi" panose="020B0604020202020204" pitchFamily="2" charset="-78"/>
+              </a:rPr>
+              <a:t>::Mat 1</a:t>
+            </a:r>
+            <a:r>
+              <a:rPr lang="en-US" altLang="ko-KR" baseline="30000" dirty="0">
+                <a:latin typeface="Arial Nova" panose="020B0604020202020204" pitchFamily="34" charset="0"/>
+                <a:cs typeface="Aldhabi" panose="020B0604020202020204" pitchFamily="2" charset="-78"/>
+              </a:rPr>
+              <a:t>st</a:t>
+            </a:r>
+            <a:r>
+              <a:rPr lang="en-US" altLang="ko-KR" dirty="0">
+                <a:latin typeface="Arial Nova" panose="020B0604020202020204" pitchFamily="34" charset="0"/>
+                <a:cs typeface="Aldhabi" panose="020B0604020202020204" pitchFamily="2" charset="-78"/>
+              </a:rPr>
+              <a:t> [4] </a:t>
+            </a:r>
+          </a:p>
+          <a:p>
+            <a:pPr algn="ctr"/>
+            <a:r>
+              <a:rPr lang="en-US" altLang="ko-KR" dirty="0" err="1">
+                <a:latin typeface="Arial Nova" panose="020B0604020202020204" pitchFamily="34" charset="0"/>
+                <a:cs typeface="Aldhabi" panose="020B0604020202020204" pitchFamily="2" charset="-78"/>
+              </a:rPr>
+              <a:t>Cv</a:t>
+            </a:r>
+            <a:r>
+              <a:rPr lang="en-US" altLang="ko-KR" dirty="0">
+                <a:latin typeface="Arial Nova" panose="020B0604020202020204" pitchFamily="34" charset="0"/>
+                <a:cs typeface="Aldhabi" panose="020B0604020202020204" pitchFamily="2" charset="-78"/>
+              </a:rPr>
+              <a:t>::Mat 2</a:t>
+            </a:r>
+            <a:r>
+              <a:rPr lang="en-US" altLang="ko-KR" baseline="30000" dirty="0">
+                <a:latin typeface="Arial Nova" panose="020B0604020202020204" pitchFamily="34" charset="0"/>
+                <a:cs typeface="Aldhabi" panose="020B0604020202020204" pitchFamily="2" charset="-78"/>
+              </a:rPr>
+              <a:t>nd </a:t>
+            </a:r>
+            <a:r>
+              <a:rPr lang="en-US" altLang="ko-KR" dirty="0">
+                <a:latin typeface="Arial Nova" panose="020B0604020202020204" pitchFamily="34" charset="0"/>
+                <a:cs typeface="Aldhabi" panose="020B0604020202020204" pitchFamily="2" charset="-78"/>
+              </a:rPr>
+              <a:t>[4]</a:t>
+            </a:r>
+            <a:endParaRPr lang="ko-KR" altLang="en-US" dirty="0">
+              <a:latin typeface="Arial Nova" panose="020B0604020202020204" pitchFamily="34" charset="0"/>
+              <a:cs typeface="Aldhabi" panose="020B0604020202020204" pitchFamily="2" charset="-78"/>
+            </a:endParaRPr>
+          </a:p>
+        </p:txBody>
+      </p:sp>
+      <p:sp>
+        <p:nvSpPr>
+          <p:cNvPr id="18" name="직사각형 17">
+            <a:extLst>
+              <a:ext uri="{FF2B5EF4-FFF2-40B4-BE49-F238E27FC236}">
+                <a16:creationId xmlns:a16="http://schemas.microsoft.com/office/drawing/2014/main" id="{48AB04B6-179C-42EB-8D30-EA7C22511949}"/>
+              </a:ext>
+            </a:extLst>
+          </p:cNvPr>
+          <p:cNvSpPr/>
+          <p:nvPr/>
+        </p:nvSpPr>
+        <p:spPr>
+          <a:xfrm>
+            <a:off x="9051091" y="2646372"/>
+            <a:ext cx="1870518" cy="701125"/>
+          </a:xfrm>
+          <a:prstGeom prst="rect">
+            <a:avLst/>
+          </a:prstGeom>
+        </p:spPr>
+        <p:style>
+          <a:lnRef idx="2">
+            <a:schemeClr val="accent1">
+              <a:shade val="50000"/>
+            </a:schemeClr>
+          </a:lnRef>
+          <a:fillRef idx="1">
+            <a:schemeClr val="accent1"/>
+          </a:fillRef>
+          <a:effectRef idx="0">
+            <a:schemeClr val="accent1"/>
+          </a:effectRef>
+          <a:fontRef idx="minor">
+            <a:schemeClr val="lt1"/>
+          </a:fontRef>
+        </p:style>
+        <p:txBody>
+          <a:bodyPr rtlCol="0" anchor="ctr"/>
+          <a:lstStyle/>
+          <a:p>
+            <a:pPr algn="ctr"/>
+            <a:r>
+              <a:rPr lang="en-US" altLang="ko-KR" dirty="0">
+                <a:latin typeface="Arial Nova" panose="020B0604020202020204" pitchFamily="34" charset="0"/>
+                <a:cs typeface="Aldhabi" panose="020B0604020202020204" pitchFamily="2" charset="-78"/>
+              </a:rPr>
+              <a:t> Histogram[36][8]</a:t>
+            </a:r>
+          </a:p>
+          <a:p>
+            <a:pPr algn="ctr"/>
+            <a:r>
+              <a:rPr lang="en-US" altLang="ko-KR" dirty="0" err="1">
+                <a:latin typeface="Arial Nova" panose="020B0604020202020204" pitchFamily="34" charset="0"/>
+                <a:cs typeface="Aldhabi" panose="020B0604020202020204" pitchFamily="2" charset="-78"/>
+              </a:rPr>
+              <a:t>Similarity_pair</a:t>
+            </a:r>
+            <a:r>
+              <a:rPr lang="en-US" altLang="ko-KR" dirty="0">
+                <a:latin typeface="Arial Nova" panose="020B0604020202020204" pitchFamily="34" charset="0"/>
+                <a:cs typeface="Aldhabi" panose="020B0604020202020204" pitchFamily="2" charset="-78"/>
+              </a:rPr>
+              <a:t>[4]</a:t>
+            </a:r>
+          </a:p>
+        </p:txBody>
+      </p:sp>
+      <p:sp>
+        <p:nvSpPr>
+          <p:cNvPr id="19" name="직사각형 18">
+            <a:extLst>
+              <a:ext uri="{FF2B5EF4-FFF2-40B4-BE49-F238E27FC236}">
+                <a16:creationId xmlns:a16="http://schemas.microsoft.com/office/drawing/2014/main" id="{5E491832-445B-43BD-87BA-FB1A5D98FC52}"/>
+              </a:ext>
+            </a:extLst>
+          </p:cNvPr>
+          <p:cNvSpPr/>
+          <p:nvPr/>
+        </p:nvSpPr>
+        <p:spPr>
+          <a:xfrm>
+            <a:off x="312695" y="2646372"/>
+            <a:ext cx="864927" cy="701125"/>
+          </a:xfrm>
+          <a:prstGeom prst="rect">
+            <a:avLst/>
+          </a:prstGeom>
+        </p:spPr>
+        <p:style>
+          <a:lnRef idx="2">
+            <a:schemeClr val="accent1">
+              <a:shade val="50000"/>
+            </a:schemeClr>
+          </a:lnRef>
+          <a:fillRef idx="1">
+            <a:schemeClr val="accent1"/>
+          </a:fillRef>
+          <a:effectRef idx="0">
+            <a:schemeClr val="accent1"/>
+          </a:effectRef>
+          <a:fontRef idx="minor">
+            <a:schemeClr val="lt1"/>
+          </a:fontRef>
+        </p:style>
+        <p:txBody>
+          <a:bodyPr rtlCol="0" anchor="ctr"/>
+          <a:lstStyle/>
+          <a:p>
+            <a:pPr algn="ctr"/>
+            <a:r>
+              <a:rPr lang="en-US" altLang="ko-KR" dirty="0">
+                <a:latin typeface="Arial Nova" panose="020B0604020202020204" pitchFamily="34" charset="0"/>
+                <a:cs typeface="Aldhabi" panose="020B0604020202020204" pitchFamily="2" charset="-78"/>
+              </a:rPr>
+              <a:t>input</a:t>
+            </a:r>
+            <a:endParaRPr lang="ko-KR" altLang="en-US" dirty="0">
+              <a:latin typeface="Arial Nova" panose="020B0604020202020204" pitchFamily="34" charset="0"/>
+              <a:cs typeface="Aldhabi" panose="020B0604020202020204" pitchFamily="2" charset="-78"/>
+            </a:endParaRPr>
+          </a:p>
+        </p:txBody>
+      </p:sp>
+      <p:sp>
+        <p:nvSpPr>
+          <p:cNvPr id="20" name="직사각형 19">
+            <a:extLst>
+              <a:ext uri="{FF2B5EF4-FFF2-40B4-BE49-F238E27FC236}">
+                <a16:creationId xmlns:a16="http://schemas.microsoft.com/office/drawing/2014/main" id="{3B6670F7-C308-4895-B1F4-CDCD61F99D07}"/>
+              </a:ext>
+            </a:extLst>
+          </p:cNvPr>
+          <p:cNvSpPr/>
+          <p:nvPr/>
+        </p:nvSpPr>
+        <p:spPr>
+          <a:xfrm>
+            <a:off x="289946" y="5072761"/>
+            <a:ext cx="910424" cy="701125"/>
+          </a:xfrm>
+          <a:prstGeom prst="rect">
+            <a:avLst/>
+          </a:prstGeom>
+        </p:spPr>
+        <p:style>
+          <a:lnRef idx="2">
+            <a:schemeClr val="accent1">
+              <a:shade val="50000"/>
+            </a:schemeClr>
+          </a:lnRef>
+          <a:fillRef idx="1">
+            <a:schemeClr val="accent1"/>
+          </a:fillRef>
+          <a:effectRef idx="0">
+            <a:schemeClr val="accent1"/>
+          </a:effectRef>
+          <a:fontRef idx="minor">
+            <a:schemeClr val="lt1"/>
+          </a:fontRef>
+        </p:style>
+        <p:txBody>
+          <a:bodyPr rtlCol="0" anchor="ctr"/>
+          <a:lstStyle/>
+          <a:p>
+            <a:pPr algn="ctr"/>
+            <a:r>
+              <a:rPr lang="en-US" altLang="ko-KR" dirty="0">
+                <a:latin typeface="Arial Nova" panose="020B0604020202020204" pitchFamily="34" charset="0"/>
+                <a:cs typeface="Aldhabi" panose="020B0604020202020204" pitchFamily="2" charset="-78"/>
+              </a:rPr>
+              <a:t>output</a:t>
+            </a:r>
+            <a:endParaRPr lang="ko-KR" altLang="en-US" dirty="0">
+              <a:latin typeface="Arial Nova" panose="020B0604020202020204" pitchFamily="34" charset="0"/>
+              <a:cs typeface="Aldhabi" panose="020B0604020202020204" pitchFamily="2" charset="-78"/>
+            </a:endParaRPr>
           </a:p>
         </p:txBody>
       </p:sp>
     </p:spTree>
     <p:extLst>
       <p:ext uri="{BB962C8B-B14F-4D97-AF65-F5344CB8AC3E}">
-        <p14:creationId xmlns:p14="http://schemas.microsoft.com/office/powerpoint/2010/main" val="2311228034"/>
+        <p14:creationId xmlns:p14="http://schemas.microsoft.com/office/powerpoint/2010/main" val="3813538168"/>
       </p:ext>
     </p:extLst>
   </p:cSld>
@@ -4729,9 +7134,9 @@
 </file>
 
 <file path=ppt/theme/theme1.xml><?xml version="1.0" encoding="utf-8"?>
-<a:theme xmlns:a="http://schemas.openxmlformats.org/drawingml/2006/main" name="Office 테마">
+<a:theme xmlns:a="http://schemas.openxmlformats.org/drawingml/2006/main" name="비행기 구름">
   <a:themeElements>
-    <a:clrScheme name="Office">
+    <a:clrScheme name="비행기 구름">
       <a:dk1>
         <a:sysClr val="windowText" lastClr="000000"/>
       </a:dk1>
@@ -4739,44 +7144,44 @@
         <a:sysClr val="window" lastClr="FFFFFF"/>
       </a:lt1>
       <a:dk2>
-        <a:srgbClr val="44546A"/>
+        <a:srgbClr val="454545"/>
       </a:dk2>
       <a:lt2>
-        <a:srgbClr val="E7E6E6"/>
+        <a:srgbClr val="DADADA"/>
       </a:lt2>
       <a:accent1>
-        <a:srgbClr val="4472C4"/>
+        <a:srgbClr val="01D17D"/>
       </a:accent1>
       <a:accent2>
-        <a:srgbClr val="ED7D31"/>
+        <a:srgbClr val="84C72A"/>
       </a:accent2>
       <a:accent3>
-        <a:srgbClr val="A5A5A5"/>
+        <a:srgbClr val="E1D126"/>
       </a:accent3>
       <a:accent4>
-        <a:srgbClr val="FFC000"/>
+        <a:srgbClr val="E29932"/>
       </a:accent4>
       <a:accent5>
-        <a:srgbClr val="5B9BD5"/>
+        <a:srgbClr val="E56526"/>
       </a:accent5>
       <a:accent6>
-        <a:srgbClr val="70AD47"/>
+        <a:srgbClr val="D63731"/>
       </a:accent6>
       <a:hlink>
-        <a:srgbClr val="0563C1"/>
+        <a:srgbClr val="35FA7F"/>
       </a:hlink>
       <a:folHlink>
-        <a:srgbClr val="954F72"/>
+        <a:srgbClr val="BAFC85"/>
       </a:folHlink>
     </a:clrScheme>
-    <a:fontScheme name="Office">
+    <a:fontScheme name="비행기 구름">
       <a:majorFont>
-        <a:latin typeface="맑은 고딕" panose="020F0302020204030204"/>
+        <a:latin typeface="Century Gothic" panose="020B0502020202020204"/>
         <a:ea typeface=""/>
         <a:cs typeface=""/>
-        <a:font script="Jpan" typeface="游ゴシック Light"/>
+        <a:font script="Jpan" typeface="ＭＳ Ｐゴシック"/>
         <a:font script="Hang" typeface="맑은 고딕"/>
-        <a:font script="Hans" typeface="等线 Light"/>
+        <a:font script="Hans" typeface="宋体"/>
         <a:font script="Hant" typeface="新細明體"/>
         <a:font script="Arab" typeface="Times New Roman"/>
         <a:font script="Hebr" typeface="Times New Roman"/>
@@ -4804,31 +7209,14 @@
         <a:font script="Viet" typeface="Times New Roman"/>
         <a:font script="Uigh" typeface="Microsoft Uighur"/>
         <a:font script="Geor" typeface="Sylfaen"/>
-        <a:font script="Armn" typeface="Arial"/>
-        <a:font script="Bugi" typeface="Leelawadee UI"/>
-        <a:font script="Bopo" typeface="Microsoft JhengHei"/>
-        <a:font script="Java" typeface="Javanese Text"/>
-        <a:font script="Lisu" typeface="Segoe UI"/>
-        <a:font script="Mymr" typeface="Myanmar Text"/>
-        <a:font script="Nkoo" typeface="Ebrima"/>
-        <a:font script="Olck" typeface="Nirmala UI"/>
-        <a:font script="Osma" typeface="Ebrima"/>
-        <a:font script="Phag" typeface="Phagspa"/>
-        <a:font script="Syrn" typeface="Estrangelo Edessa"/>
-        <a:font script="Syrj" typeface="Estrangelo Edessa"/>
-        <a:font script="Syre" typeface="Estrangelo Edessa"/>
-        <a:font script="Sora" typeface="Nirmala UI"/>
-        <a:font script="Tale" typeface="Microsoft Tai Le"/>
-        <a:font script="Talu" typeface="Microsoft New Tai Lue"/>
-        <a:font script="Tfng" typeface="Ebrima"/>
       </a:majorFont>
       <a:minorFont>
-        <a:latin typeface="맑은 고딕" panose="020F0502020204030204"/>
+        <a:latin typeface="Century Gothic" panose="020B0502020202020204"/>
         <a:ea typeface=""/>
         <a:cs typeface=""/>
-        <a:font script="Jpan" typeface="游ゴシック"/>
+        <a:font script="Jpan" typeface="ＭＳ Ｐゴシック"/>
         <a:font script="Hang" typeface="맑은 고딕"/>
-        <a:font script="Hans" typeface="等线"/>
+        <a:font script="Hans" typeface="宋体"/>
         <a:font script="Hant" typeface="新細明體"/>
         <a:font script="Arab" typeface="Arial"/>
         <a:font script="Hebr" typeface="Arial"/>
@@ -4856,26 +7244,9 @@
         <a:font script="Viet" typeface="Arial"/>
         <a:font script="Uigh" typeface="Microsoft Uighur"/>
         <a:font script="Geor" typeface="Sylfaen"/>
-        <a:font script="Armn" typeface="Arial"/>
-        <a:font script="Bugi" typeface="Leelawadee UI"/>
-        <a:font script="Bopo" typeface="Microsoft JhengHei"/>
-        <a:font script="Java" typeface="Javanese Text"/>
-        <a:font script="Lisu" typeface="Segoe UI"/>
-        <a:font script="Mymr" typeface="Myanmar Text"/>
-        <a:font script="Nkoo" typeface="Ebrima"/>
-        <a:font script="Olck" typeface="Nirmala UI"/>
-        <a:font script="Osma" typeface="Ebrima"/>
-        <a:font script="Phag" typeface="Phagspa"/>
-        <a:font script="Syrn" typeface="Estrangelo Edessa"/>
-        <a:font script="Syrj" typeface="Estrangelo Edessa"/>
-        <a:font script="Syre" typeface="Estrangelo Edessa"/>
-        <a:font script="Sora" typeface="Nirmala UI"/>
-        <a:font script="Tale" typeface="Microsoft Tai Le"/>
-        <a:font script="Talu" typeface="Microsoft New Tai Lue"/>
-        <a:font script="Tfng" typeface="Ebrima"/>
       </a:minorFont>
     </a:fontScheme>
-    <a:fmtScheme name="Office">
+    <a:fmtScheme name="비행기 구름">
       <a:fillStyleLst>
         <a:solidFill>
           <a:schemeClr val="phClr"/>
@@ -4884,23 +7255,24 @@
           <a:gsLst>
             <a:gs pos="0">
               <a:schemeClr val="phClr">
+                <a:tint val="69000"/>
+                <a:alpha val="100000"/>
+                <a:satMod val="109000"/>
                 <a:lumMod val="110000"/>
-                <a:satMod val="105000"/>
-                <a:tint val="67000"/>
               </a:schemeClr>
             </a:gs>
-            <a:gs pos="50000">
+            <a:gs pos="52000">
               <a:schemeClr val="phClr">
-                <a:lumMod val="105000"/>
-                <a:satMod val="103000"/>
-                <a:tint val="73000"/>
+                <a:tint val="74000"/>
+                <a:satMod val="100000"/>
+                <a:lumMod val="104000"/>
               </a:schemeClr>
             </a:gs>
             <a:gs pos="100000">
               <a:schemeClr val="phClr">
-                <a:lumMod val="105000"/>
-                <a:satMod val="109000"/>
-                <a:tint val="81000"/>
+                <a:tint val="78000"/>
+                <a:satMod val="100000"/>
+                <a:lumMod val="100000"/>
               </a:schemeClr>
             </a:gs>
           </a:gsLst>
@@ -4910,23 +7282,16 @@
           <a:gsLst>
             <a:gs pos="0">
               <a:schemeClr val="phClr">
-                <a:satMod val="103000"/>
-                <a:lumMod val="102000"/>
-                <a:tint val="94000"/>
+                <a:tint val="96000"/>
+                <a:satMod val="100000"/>
+                <a:lumMod val="104000"/>
               </a:schemeClr>
             </a:gs>
-            <a:gs pos="50000">
+            <a:gs pos="78000">
               <a:schemeClr val="phClr">
+                <a:shade val="100000"/>
                 <a:satMod val="110000"/>
                 <a:lumMod val="100000"/>
-                <a:shade val="100000"/>
-              </a:schemeClr>
-            </a:gs>
-            <a:gs pos="100000">
-              <a:schemeClr val="phClr">
-                <a:lumMod val="99000"/>
-                <a:satMod val="120000"/>
-                <a:shade val="78000"/>
               </a:schemeClr>
             </a:gs>
           </a:gsLst>
@@ -4934,26 +7299,23 @@
         </a:gradFill>
       </a:fillStyleLst>
       <a:lnStyleLst>
-        <a:ln w="6350" cap="flat" cmpd="sng" algn="ctr">
+        <a:ln w="9525" cap="flat" cmpd="sng" algn="ctr">
           <a:solidFill>
             <a:schemeClr val="phClr"/>
           </a:solidFill>
           <a:prstDash val="solid"/>
-          <a:miter lim="800000"/>
         </a:ln>
         <a:ln w="12700" cap="flat" cmpd="sng" algn="ctr">
           <a:solidFill>
             <a:schemeClr val="phClr"/>
           </a:solidFill>
           <a:prstDash val="solid"/>
-          <a:miter lim="800000"/>
         </a:ln>
         <a:ln w="19050" cap="flat" cmpd="sng" algn="ctr">
           <a:solidFill>
             <a:schemeClr val="phClr"/>
           </a:solidFill>
           <a:prstDash val="solid"/>
-          <a:miter lim="800000"/>
         </a:ln>
       </a:lnStyleLst>
       <a:effectStyleLst>
@@ -4962,15 +7324,33 @@
         </a:effectStyle>
         <a:effectStyle>
           <a:effectLst/>
+          <a:scene3d>
+            <a:camera prst="orthographicFront">
+              <a:rot lat="0" lon="0" rev="0"/>
+            </a:camera>
+            <a:lightRig rig="threePt" dir="t"/>
+          </a:scene3d>
+          <a:sp3d>
+            <a:bevelT w="25400" h="12700"/>
+          </a:sp3d>
         </a:effectStyle>
         <a:effectStyle>
           <a:effectLst>
             <a:outerShdw blurRad="57150" dist="19050" dir="5400000" algn="ctr" rotWithShape="0">
               <a:srgbClr val="000000">
-                <a:alpha val="63000"/>
+                <a:alpha val="48000"/>
               </a:srgbClr>
             </a:outerShdw>
           </a:effectLst>
+          <a:scene3d>
+            <a:camera prst="orthographicFront">
+              <a:rot lat="0" lon="0" rev="0"/>
+            </a:camera>
+            <a:lightRig rig="threePt" dir="t"/>
+          </a:scene3d>
+          <a:sp3d>
+            <a:bevelT w="50800" h="25400"/>
+          </a:sp3d>
         </a:effectStyle>
       </a:effectStyleLst>
       <a:bgFillStyleLst>
@@ -4988,16 +7368,16 @@
             <a:gs pos="0">
               <a:schemeClr val="phClr">
                 <a:tint val="93000"/>
+                <a:shade val="98000"/>
                 <a:satMod val="150000"/>
-                <a:shade val="98000"/>
                 <a:lumMod val="102000"/>
               </a:schemeClr>
             </a:gs>
             <a:gs pos="50000">
               <a:schemeClr val="phClr">
                 <a:tint val="98000"/>
+                <a:shade val="90000"/>
                 <a:satMod val="130000"/>
-                <a:shade val="90000"/>
                 <a:lumMod val="103000"/>
               </a:schemeClr>
             </a:gs>
@@ -5017,7 +7397,7 @@
   <a:extraClrSchemeLst/>
   <a:extLst>
     <a:ext uri="{05A4C25C-085E-4340-85A3-A5531E510DB2}">
-      <thm15:themeFamily xmlns:thm15="http://schemas.microsoft.com/office/thememl/2012/main" name="Office Theme" id="{62F939B6-93AF-4DB8-9C6B-D6C7DFDC589F}" vid="{4A3C46E8-61CC-4603-A589-7422A47A8E4A}"/>
+      <thm15:themeFamily xmlns:thm15="http://schemas.microsoft.com/office/thememl/2012/main" name="Vapor Trail" id="{4FDF2955-7D9C-493C-B9F9-C205151B46CD}" vid="{2B2A868B-6BC2-4B3E-98B9-1258F41035DE}"/>
     </a:ext>
   </a:extLst>
 </a:theme>
